--- a/powerpoints/ITU Academy Slides AM4-11.pptx
+++ b/powerpoints/ITU Academy Slides AM4-11.pptx
@@ -12,6 +12,24 @@
     <p:sldId id="257" r:id="rId9"/>
     <p:sldId id="258" r:id="rId10"/>
     <p:sldId id="259" r:id="rId11"/>
+    <p:sldId id="260" r:id="rId12"/>
+    <p:sldId id="261" r:id="rId13"/>
+    <p:sldId id="262" r:id="rId14"/>
+    <p:sldId id="263" r:id="rId15"/>
+    <p:sldId id="264" r:id="rId16"/>
+    <p:sldId id="265" r:id="rId17"/>
+    <p:sldId id="266" r:id="rId18"/>
+    <p:sldId id="267" r:id="rId19"/>
+    <p:sldId id="268" r:id="rId20"/>
+    <p:sldId id="269" r:id="rId21"/>
+    <p:sldId id="270" r:id="rId22"/>
+    <p:sldId id="271" r:id="rId23"/>
+    <p:sldId id="272" r:id="rId24"/>
+    <p:sldId id="273" r:id="rId25"/>
+    <p:sldId id="274" r:id="rId26"/>
+    <p:sldId id="275" r:id="rId27"/>
+    <p:sldId id="276" r:id="rId28"/>
+    <p:sldId id="277" r:id="rId29"/>
   </p:sldIdLst>
   <p:sldSz cx="9144000" cy="6858000"/>
   <p:notesSz cx="6858000" cy="9144000"/>
@@ -465,6 +483,468 @@
     </a:lvl9pPr>
   </p:notesStyle>
 </p:notesMaster>
+</file>
+
+<file path=ppt/notesSlides/notesSlide1.xml><?xml version="1.0" encoding="utf-8"?>
+<p:notes xmlns:a="http://schemas.openxmlformats.org/drawingml/2006/main" xmlns:r="http://schemas.openxmlformats.org/officeDocument/2006/relationships" xmlns:p="http://schemas.openxmlformats.org/presentationml/2006/main" showMasterSp="1" showMasterPhAnim="1">
+  <p:cSld>
+    <p:spTree>
+      <p:nvGrpSpPr>
+        <p:cNvPr id="1" name=""/>
+        <p:cNvGrpSpPr/>
+        <p:nvPr/>
+      </p:nvGrpSpPr>
+      <p:grpSpPr>
+        <a:xfrm>
+          <a:off x="0" y="0"/>
+          <a:ext cx="0" cy="0"/>
+          <a:chOff x="0" y="0"/>
+          <a:chExt cx="0" cy="0"/>
+        </a:xfrm>
+      </p:grpSpPr>
+      <p:sp>
+        <p:nvSpPr>
+          <p:cNvPr id="146" name="Shape 146"/>
+          <p:cNvSpPr/>
+          <p:nvPr>
+            <p:ph type="sldImg"/>
+          </p:nvPr>
+        </p:nvSpPr>
+        <p:spPr>
+          <a:prstGeom prst="rect">
+            <a:avLst/>
+          </a:prstGeom>
+        </p:spPr>
+        <p:txBody>
+          <a:bodyPr/>
+          <a:lstStyle/>
+          <a:p>
+            <a:pPr/>
+          </a:p>
+        </p:txBody>
+      </p:sp>
+      <p:sp>
+        <p:nvSpPr>
+          <p:cNvPr id="147" name="Shape 147"/>
+          <p:cNvSpPr/>
+          <p:nvPr>
+            <p:ph type="body" sz="quarter" idx="1"/>
+          </p:nvPr>
+        </p:nvSpPr>
+        <p:spPr>
+          <a:prstGeom prst="rect">
+            <a:avLst/>
+          </a:prstGeom>
+        </p:spPr>
+        <p:txBody>
+          <a:bodyPr/>
+          <a:lstStyle/>
+          <a:p>
+            <a:pPr/>
+            <a:r>
+              <a:t>Call attention to the imports from the Machine Learning library, in particular to KMeans</a:t>
+            </a:r>
+          </a:p>
+        </p:txBody>
+      </p:sp>
+    </p:spTree>
+  </p:cSld>
+  <p:clrMapOvr>
+    <a:masterClrMapping/>
+  </p:clrMapOvr>
+</p:notes>
+</file>
+
+<file path=ppt/notesSlides/notesSlide2.xml><?xml version="1.0" encoding="utf-8"?>
+<p:notes xmlns:a="http://schemas.openxmlformats.org/drawingml/2006/main" xmlns:r="http://schemas.openxmlformats.org/officeDocument/2006/relationships" xmlns:p="http://schemas.openxmlformats.org/presentationml/2006/main" showMasterSp="1" showMasterPhAnim="1">
+  <p:cSld>
+    <p:spTree>
+      <p:nvGrpSpPr>
+        <p:cNvPr id="1" name=""/>
+        <p:cNvGrpSpPr/>
+        <p:nvPr/>
+      </p:nvGrpSpPr>
+      <p:grpSpPr>
+        <a:xfrm>
+          <a:off x="0" y="0"/>
+          <a:ext cx="0" cy="0"/>
+          <a:chOff x="0" y="0"/>
+          <a:chExt cx="0" cy="0"/>
+        </a:xfrm>
+      </p:grpSpPr>
+      <p:sp>
+        <p:nvSpPr>
+          <p:cNvPr id="151" name="Shape 151"/>
+          <p:cNvSpPr/>
+          <p:nvPr>
+            <p:ph type="sldImg"/>
+          </p:nvPr>
+        </p:nvSpPr>
+        <p:spPr>
+          <a:prstGeom prst="rect">
+            <a:avLst/>
+          </a:prstGeom>
+        </p:spPr>
+        <p:txBody>
+          <a:bodyPr/>
+          <a:lstStyle/>
+          <a:p>
+            <a:pPr/>
+          </a:p>
+        </p:txBody>
+      </p:sp>
+      <p:sp>
+        <p:nvSpPr>
+          <p:cNvPr id="152" name="Shape 152"/>
+          <p:cNvSpPr/>
+          <p:nvPr>
+            <p:ph type="body" sz="quarter" idx="1"/>
+          </p:nvPr>
+        </p:nvSpPr>
+        <p:spPr>
+          <a:prstGeom prst="rect">
+            <a:avLst/>
+          </a:prstGeom>
+        </p:spPr>
+        <p:txBody>
+          <a:bodyPr/>
+          <a:lstStyle/>
+          <a:p>
+            <a:pPr/>
+            <a:r>
+              <a:t>Remind students to the functional characteristics of the Scala language.</a:t>
+            </a:r>
+          </a:p>
+          <a:p>
+            <a:pPr/>
+            <a:r>
+              <a:t>Methods are chained by dots “.”</a:t>
+            </a:r>
+          </a:p>
+          <a:p>
+            <a:pPr/>
+            <a:r>
+              <a:t>Instead of creating intermediate temporary variables, the anonymous value of the previous method application is transformed by the next method.</a:t>
+            </a:r>
+          </a:p>
+          <a:p>
+            <a:pPr/>
+            <a:r>
+              <a:t>Note that this is possible (although not common) in Python too.</a:t>
+            </a:r>
+          </a:p>
+        </p:txBody>
+      </p:sp>
+    </p:spTree>
+  </p:cSld>
+  <p:clrMapOvr>
+    <a:masterClrMapping/>
+  </p:clrMapOvr>
+</p:notes>
+</file>
+
+<file path=ppt/notesSlides/notesSlide3.xml><?xml version="1.0" encoding="utf-8"?>
+<p:notes xmlns:a="http://schemas.openxmlformats.org/drawingml/2006/main" xmlns:r="http://schemas.openxmlformats.org/officeDocument/2006/relationships" xmlns:p="http://schemas.openxmlformats.org/presentationml/2006/main" showMasterSp="1" showMasterPhAnim="1">
+  <p:cSld>
+    <p:spTree>
+      <p:nvGrpSpPr>
+        <p:cNvPr id="1" name=""/>
+        <p:cNvGrpSpPr/>
+        <p:nvPr/>
+      </p:nvGrpSpPr>
+      <p:grpSpPr>
+        <a:xfrm>
+          <a:off x="0" y="0"/>
+          <a:ext cx="0" cy="0"/>
+          <a:chOff x="0" y="0"/>
+          <a:chExt cx="0" cy="0"/>
+        </a:xfrm>
+      </p:grpSpPr>
+      <p:sp>
+        <p:nvSpPr>
+          <p:cNvPr id="156" name="Shape 156"/>
+          <p:cNvSpPr/>
+          <p:nvPr>
+            <p:ph type="sldImg"/>
+          </p:nvPr>
+        </p:nvSpPr>
+        <p:spPr>
+          <a:prstGeom prst="rect">
+            <a:avLst/>
+          </a:prstGeom>
+        </p:spPr>
+        <p:txBody>
+          <a:bodyPr/>
+          <a:lstStyle/>
+          <a:p>
+            <a:pPr/>
+          </a:p>
+        </p:txBody>
+      </p:sp>
+      <p:sp>
+        <p:nvSpPr>
+          <p:cNvPr id="157" name="Shape 157"/>
+          <p:cNvSpPr/>
+          <p:nvPr>
+            <p:ph type="body" sz="quarter" idx="1"/>
+          </p:nvPr>
+        </p:nvSpPr>
+        <p:spPr>
+          <a:prstGeom prst="rect">
+            <a:avLst/>
+          </a:prstGeom>
+        </p:spPr>
+        <p:txBody>
+          <a:bodyPr/>
+          <a:lstStyle/>
+          <a:p>
+            <a:pPr/>
+            <a:r>
+              <a:t>Discuss the reason for using these particular options.</a:t>
+            </a:r>
+          </a:p>
+        </p:txBody>
+      </p:sp>
+    </p:spTree>
+  </p:cSld>
+  <p:clrMapOvr>
+    <a:masterClrMapping/>
+  </p:clrMapOvr>
+</p:notes>
+</file>
+
+<file path=ppt/notesSlides/notesSlide4.xml><?xml version="1.0" encoding="utf-8"?>
+<p:notes xmlns:a="http://schemas.openxmlformats.org/drawingml/2006/main" xmlns:r="http://schemas.openxmlformats.org/officeDocument/2006/relationships" xmlns:p="http://schemas.openxmlformats.org/presentationml/2006/main" showMasterSp="1" showMasterPhAnim="1">
+  <p:cSld>
+    <p:spTree>
+      <p:nvGrpSpPr>
+        <p:cNvPr id="1" name=""/>
+        <p:cNvGrpSpPr/>
+        <p:nvPr/>
+      </p:nvGrpSpPr>
+      <p:grpSpPr>
+        <a:xfrm>
+          <a:off x="0" y="0"/>
+          <a:ext cx="0" cy="0"/>
+          <a:chOff x="0" y="0"/>
+          <a:chExt cx="0" cy="0"/>
+        </a:xfrm>
+      </p:grpSpPr>
+      <p:sp>
+        <p:nvSpPr>
+          <p:cNvPr id="161" name="Shape 161"/>
+          <p:cNvSpPr/>
+          <p:nvPr>
+            <p:ph type="sldImg"/>
+          </p:nvPr>
+        </p:nvSpPr>
+        <p:spPr>
+          <a:prstGeom prst="rect">
+            <a:avLst/>
+          </a:prstGeom>
+        </p:spPr>
+        <p:txBody>
+          <a:bodyPr/>
+          <a:lstStyle/>
+          <a:p>
+            <a:pPr/>
+          </a:p>
+        </p:txBody>
+      </p:sp>
+      <p:sp>
+        <p:nvSpPr>
+          <p:cNvPr id="162" name="Shape 162"/>
+          <p:cNvSpPr/>
+          <p:nvPr>
+            <p:ph type="body" sz="quarter" idx="1"/>
+          </p:nvPr>
+        </p:nvSpPr>
+        <p:spPr>
+          <a:prstGeom prst="rect">
+            <a:avLst/>
+          </a:prstGeom>
+        </p:spPr>
+        <p:txBody>
+          <a:bodyPr/>
+          <a:lstStyle/>
+          <a:p>
+            <a:pPr/>
+            <a:r>
+              <a:t>Explain one-hot coding: what would be the problems if we kept encoding categories by enumeration?</a:t>
+            </a:r>
+          </a:p>
+          <a:p>
+            <a:pPr/>
+            <a:r>
+              <a:t>(followed in next slide)</a:t>
+            </a:r>
+          </a:p>
+          <a:p>
+            <a:pPr/>
+            <a:r>
+              <a:t>Caution: there is no automatic interlock between the categories, we need to be careful to have only one “1”,</a:t>
+            </a:r>
+          </a:p>
+          <a:p>
+            <a:pPr/>
+            <a:r>
+              <a:t>the built-in methods take care of this point.</a:t>
+            </a:r>
+          </a:p>
+        </p:txBody>
+      </p:sp>
+    </p:spTree>
+  </p:cSld>
+  <p:clrMapOvr>
+    <a:masterClrMapping/>
+  </p:clrMapOvr>
+</p:notes>
+</file>
+
+<file path=ppt/notesSlides/notesSlide5.xml><?xml version="1.0" encoding="utf-8"?>
+<p:notes xmlns:a="http://schemas.openxmlformats.org/drawingml/2006/main" xmlns:r="http://schemas.openxmlformats.org/officeDocument/2006/relationships" xmlns:p="http://schemas.openxmlformats.org/presentationml/2006/main" showMasterSp="1" showMasterPhAnim="1">
+  <p:cSld>
+    <p:spTree>
+      <p:nvGrpSpPr>
+        <p:cNvPr id="1" name=""/>
+        <p:cNvGrpSpPr/>
+        <p:nvPr/>
+      </p:nvGrpSpPr>
+      <p:grpSpPr>
+        <a:xfrm>
+          <a:off x="0" y="0"/>
+          <a:ext cx="0" cy="0"/>
+          <a:chOff x="0" y="0"/>
+          <a:chExt cx="0" cy="0"/>
+        </a:xfrm>
+      </p:grpSpPr>
+      <p:sp>
+        <p:nvSpPr>
+          <p:cNvPr id="169" name="Shape 169"/>
+          <p:cNvSpPr/>
+          <p:nvPr>
+            <p:ph type="sldImg"/>
+          </p:nvPr>
+        </p:nvSpPr>
+        <p:spPr>
+          <a:prstGeom prst="rect">
+            <a:avLst/>
+          </a:prstGeom>
+        </p:spPr>
+        <p:txBody>
+          <a:bodyPr/>
+          <a:lstStyle/>
+          <a:p>
+            <a:pPr/>
+          </a:p>
+        </p:txBody>
+      </p:sp>
+      <p:sp>
+        <p:nvSpPr>
+          <p:cNvPr id="170" name="Shape 170"/>
+          <p:cNvSpPr/>
+          <p:nvPr>
+            <p:ph type="body" sz="quarter" idx="1"/>
+          </p:nvPr>
+        </p:nvSpPr>
+        <p:spPr>
+          <a:prstGeom prst="rect">
+            <a:avLst/>
+          </a:prstGeom>
+        </p:spPr>
+        <p:txBody>
+          <a:bodyPr/>
+          <a:lstStyle/>
+          <a:p>
+            <a:pPr/>
+            <a:r>
+              <a:t>Pay attention to the comment, expand it.</a:t>
+            </a:r>
+          </a:p>
+          <a:p>
+            <a:pPr/>
+            <a:r>
+              <a:t>Function is continued in next slide, remind students that “data” and “k” are input parameters</a:t>
+            </a:r>
+          </a:p>
+        </p:txBody>
+      </p:sp>
+    </p:spTree>
+  </p:cSld>
+  <p:clrMapOvr>
+    <a:masterClrMapping/>
+  </p:clrMapOvr>
+</p:notes>
+</file>
+
+<file path=ppt/notesSlides/notesSlide6.xml><?xml version="1.0" encoding="utf-8"?>
+<p:notes xmlns:a="http://schemas.openxmlformats.org/drawingml/2006/main" xmlns:r="http://schemas.openxmlformats.org/officeDocument/2006/relationships" xmlns:p="http://schemas.openxmlformats.org/presentationml/2006/main" showMasterSp="1" showMasterPhAnim="1">
+  <p:cSld>
+    <p:spTree>
+      <p:nvGrpSpPr>
+        <p:cNvPr id="1" name=""/>
+        <p:cNvGrpSpPr/>
+        <p:nvPr/>
+      </p:nvGrpSpPr>
+      <p:grpSpPr>
+        <a:xfrm>
+          <a:off x="0" y="0"/>
+          <a:ext cx="0" cy="0"/>
+          <a:chOff x="0" y="0"/>
+          <a:chExt cx="0" cy="0"/>
+        </a:xfrm>
+      </p:grpSpPr>
+      <p:sp>
+        <p:nvSpPr>
+          <p:cNvPr id="197" name="Shape 197"/>
+          <p:cNvSpPr/>
+          <p:nvPr>
+            <p:ph type="sldImg"/>
+          </p:nvPr>
+        </p:nvSpPr>
+        <p:spPr>
+          <a:prstGeom prst="rect">
+            <a:avLst/>
+          </a:prstGeom>
+        </p:spPr>
+        <p:txBody>
+          <a:bodyPr/>
+          <a:lstStyle/>
+          <a:p>
+            <a:pPr/>
+          </a:p>
+        </p:txBody>
+      </p:sp>
+      <p:sp>
+        <p:nvSpPr>
+          <p:cNvPr id="198" name="Shape 198"/>
+          <p:cNvSpPr/>
+          <p:nvPr>
+            <p:ph type="body" sz="quarter" idx="1"/>
+          </p:nvPr>
+        </p:nvSpPr>
+        <p:spPr>
+          <a:prstGeom prst="rect">
+            <a:avLst/>
+          </a:prstGeom>
+        </p:spPr>
+        <p:txBody>
+          <a:bodyPr/>
+          <a:lstStyle/>
+          <a:p>
+            <a:pPr/>
+            <a:r>
+              <a:t>Assignment: essay on using anomaly detection for IoT</a:t>
+            </a:r>
+          </a:p>
+        </p:txBody>
+      </p:sp>
+    </p:spTree>
+  </p:cSld>
+  <p:clrMapOvr>
+    <a:masterClrMapping/>
+  </p:clrMapOvr>
+</p:notes>
 </file>
 
 <file path=ppt/slideLayouts/slideLayout1.xml><?xml version="1.0" encoding="utf-8"?>
@@ -3356,6 +3836,1483 @@
 </p:sld>
 </file>
 
+<file path=ppt/slides/slide10.xml><?xml version="1.0" encoding="utf-8"?>
+<p:sld xmlns:a="http://schemas.openxmlformats.org/drawingml/2006/main" xmlns:r="http://schemas.openxmlformats.org/officeDocument/2006/relationships" xmlns:p="http://schemas.openxmlformats.org/presentationml/2006/main" showMasterSp="1" showMasterPhAnim="1">
+  <p:cSld>
+    <p:spTree>
+      <p:nvGrpSpPr>
+        <p:cNvPr id="1" name=""/>
+        <p:cNvGrpSpPr/>
+        <p:nvPr/>
+      </p:nvGrpSpPr>
+      <p:grpSpPr>
+        <a:xfrm>
+          <a:off x="0" y="0"/>
+          <a:ext cx="0" cy="0"/>
+          <a:chOff x="0" y="0"/>
+          <a:chExt cx="0" cy="0"/>
+        </a:xfrm>
+      </p:grpSpPr>
+      <p:sp>
+        <p:nvSpPr>
+          <p:cNvPr id="154" name="Comments on the RDD"/>
+          <p:cNvSpPr txBox="1"/>
+          <p:nvPr>
+            <p:ph type="title"/>
+          </p:nvPr>
+        </p:nvSpPr>
+        <p:spPr>
+          <a:prstGeom prst="rect">
+            <a:avLst/>
+          </a:prstGeom>
+        </p:spPr>
+        <p:txBody>
+          <a:bodyPr/>
+          <a:lstStyle/>
+          <a:p>
+            <a:pPr/>
+            <a:r>
+              <a:t>Comments on the RDD</a:t>
+            </a:r>
+          </a:p>
+        </p:txBody>
+      </p:sp>
+      <p:sp>
+        <p:nvSpPr>
+          <p:cNvPr id="155" name="option(&quot;inferSchema&quot;, true) Scala infers the type of the input variables from their values…"/>
+          <p:cNvSpPr txBox="1"/>
+          <p:nvPr>
+            <p:ph type="body" idx="1"/>
+          </p:nvPr>
+        </p:nvSpPr>
+        <p:spPr>
+          <a:prstGeom prst="rect">
+            <a:avLst/>
+          </a:prstGeom>
+        </p:spPr>
+        <p:txBody>
+          <a:bodyPr/>
+          <a:lstStyle/>
+          <a:p>
+            <a:pPr/>
+            <a:r>
+              <a:t>option("inferSchema", true)</a:t>
+            </a:r>
+            <a:br/>
+            <a:r>
+              <a:t>Scala infers the type of the input variables from their values</a:t>
+            </a:r>
+          </a:p>
+          <a:p>
+            <a:pPr/>
+            <a:r>
+              <a:t>option("header", false)</a:t>
+            </a:r>
+            <a:br/>
+            <a:r>
+              <a:t>The CSV file has no header line, we need to supply column names</a:t>
+            </a:r>
+          </a:p>
+          <a:p>
+            <a:pPr/>
+            <a:r>
+              <a:t>toDF( "duration", “protocol_type”,…</a:t>
+            </a:r>
+            <a:br/>
+            <a:r>
+              <a:t>These are the names we give to the data</a:t>
+            </a:r>
+          </a:p>
+        </p:txBody>
+      </p:sp>
+    </p:spTree>
+  </p:cSld>
+  <p:clrMapOvr>
+    <a:masterClrMapping/>
+  </p:clrMapOvr>
+  <p:transition xmlns:p14="http://schemas.microsoft.com/office/powerpoint/2010/main" spd="med" advClick="1"/>
+</p:sld>
+</file>
+
+<file path=ppt/slides/slide11.xml><?xml version="1.0" encoding="utf-8"?>
+<p:sld xmlns:a="http://schemas.openxmlformats.org/drawingml/2006/main" xmlns:r="http://schemas.openxmlformats.org/officeDocument/2006/relationships" xmlns:p="http://schemas.openxmlformats.org/presentationml/2006/main" showMasterSp="1" showMasterPhAnim="1">
+  <p:cSld>
+    <p:spTree>
+      <p:nvGrpSpPr>
+        <p:cNvPr id="1" name=""/>
+        <p:cNvGrpSpPr/>
+        <p:nvPr/>
+      </p:nvGrpSpPr>
+      <p:grpSpPr>
+        <a:xfrm>
+          <a:off x="0" y="0"/>
+          <a:ext cx="0" cy="0"/>
+          <a:chOff x="0" y="0"/>
+          <a:chExt cx="0" cy="0"/>
+        </a:xfrm>
+      </p:grpSpPr>
+      <p:sp>
+        <p:nvSpPr>
+          <p:cNvPr id="159" name="Pipeline for one-hot encoding"/>
+          <p:cNvSpPr txBox="1"/>
+          <p:nvPr>
+            <p:ph type="title"/>
+          </p:nvPr>
+        </p:nvSpPr>
+        <p:spPr>
+          <a:prstGeom prst="rect">
+            <a:avLst/>
+          </a:prstGeom>
+        </p:spPr>
+        <p:txBody>
+          <a:bodyPr/>
+          <a:lstStyle/>
+          <a:p>
+            <a:pPr/>
+            <a:r>
+              <a:t>Pipeline for one-hot encoding</a:t>
+            </a:r>
+          </a:p>
+        </p:txBody>
+      </p:sp>
+      <p:sp>
+        <p:nvSpPr>
+          <p:cNvPr id="160" name="def oneHotPipeline(inputCol: String): (Pipeline, String) = {…"/>
+          <p:cNvSpPr txBox="1"/>
+          <p:nvPr/>
+        </p:nvSpPr>
+        <p:spPr>
+          <a:xfrm>
+            <a:off x="1464190" y="1846579"/>
+            <a:ext cx="6215620" cy="3164841"/>
+          </a:xfrm>
+          <a:prstGeom prst="rect">
+            <a:avLst/>
+          </a:prstGeom>
+          <a:ln w="12700">
+            <a:miter lim="400000"/>
+          </a:ln>
+          <a:extLst>
+            <a:ext uri="{C572A759-6A51-4108-AA02-DFA0A04FC94B}">
+              <ma14:wrappingTextBoxFlag xmlns:ma14="http://schemas.microsoft.com/office/mac/drawingml/2011/main" val="1"/>
+            </a:ext>
+          </a:extLst>
+        </p:spPr>
+        <p:txBody>
+          <a:bodyPr wrap="none" lIns="45719" rIns="45719">
+            <a:spAutoFit/>
+          </a:bodyPr>
+          <a:lstStyle/>
+          <a:p>
+            <a:pPr/>
+            <a:r>
+              <a:t> def oneHotPipeline(inputCol: String): (Pipeline, String) = {</a:t>
+            </a:r>
+          </a:p>
+          <a:p>
+            <a:pPr/>
+            <a:r>
+              <a:t>    val indexer = new StringIndexer().</a:t>
+            </a:r>
+          </a:p>
+          <a:p>
+            <a:pPr/>
+            <a:r>
+              <a:t>      setInputCol(inputCol).</a:t>
+            </a:r>
+          </a:p>
+          <a:p>
+            <a:pPr/>
+            <a:r>
+              <a:t>      setOutputCol(inputCol + "_indexed")</a:t>
+            </a:r>
+          </a:p>
+          <a:p>
+            <a:pPr/>
+            <a:r>
+              <a:t>    val encoder = new OneHotEncoder().</a:t>
+            </a:r>
+          </a:p>
+          <a:p>
+            <a:pPr/>
+            <a:r>
+              <a:t>      setInputCol(inputCol + "_indexed").</a:t>
+            </a:r>
+          </a:p>
+          <a:p>
+            <a:pPr/>
+            <a:r>
+              <a:t>      setOutputCol(inputCol + "_vec")</a:t>
+            </a:r>
+          </a:p>
+          <a:p>
+            <a:pPr/>
+            <a:r>
+              <a:t>    val pipeline = new Pipeline().setStages(Array(indexer, encoder))</a:t>
+            </a:r>
+          </a:p>
+          <a:p>
+            <a:pPr/>
+            <a:r>
+              <a:t>    (pipeline, inputCol + "_vec")</a:t>
+            </a:r>
+          </a:p>
+          <a:p>
+            <a:pPr/>
+            <a:r>
+              <a:t>  }</a:t>
+            </a:r>
+          </a:p>
+        </p:txBody>
+      </p:sp>
+    </p:spTree>
+  </p:cSld>
+  <p:clrMapOvr>
+    <a:masterClrMapping/>
+  </p:clrMapOvr>
+  <p:transition xmlns:p14="http://schemas.microsoft.com/office/powerpoint/2010/main" spd="med" advClick="1"/>
+</p:sld>
+</file>
+
+<file path=ppt/slides/slide12.xml><?xml version="1.0" encoding="utf-8"?>
+<p:sld xmlns:a="http://schemas.openxmlformats.org/drawingml/2006/main" xmlns:r="http://schemas.openxmlformats.org/officeDocument/2006/relationships" xmlns:p="http://schemas.openxmlformats.org/presentationml/2006/main" showMasterSp="1" showMasterPhAnim="1">
+  <p:cSld>
+    <p:spTree>
+      <p:nvGrpSpPr>
+        <p:cNvPr id="1" name=""/>
+        <p:cNvGrpSpPr/>
+        <p:nvPr/>
+      </p:nvGrpSpPr>
+      <p:grpSpPr>
+        <a:xfrm>
+          <a:off x="0" y="0"/>
+          <a:ext cx="0" cy="0"/>
+          <a:chOff x="0" y="0"/>
+          <a:chExt cx="0" cy="0"/>
+        </a:xfrm>
+      </p:grpSpPr>
+      <p:sp>
+        <p:nvSpPr>
+          <p:cNvPr id="164" name="Comments on “one-hot”"/>
+          <p:cNvSpPr txBox="1"/>
+          <p:nvPr>
+            <p:ph type="title"/>
+          </p:nvPr>
+        </p:nvSpPr>
+        <p:spPr>
+          <a:prstGeom prst="rect">
+            <a:avLst/>
+          </a:prstGeom>
+        </p:spPr>
+        <p:txBody>
+          <a:bodyPr/>
+          <a:lstStyle/>
+          <a:p>
+            <a:pPr/>
+            <a:r>
+              <a:t>Comments on “one-hot”</a:t>
+            </a:r>
+          </a:p>
+        </p:txBody>
+      </p:sp>
+      <p:sp>
+        <p:nvSpPr>
+          <p:cNvPr id="165" name="For categorical data without any ordering between the categories, the usual encoding is: 1 -&gt;  1 0 0 0 … 2 -&gt;  0 1 0 0 … 3 -&gt;  0 0 1 0 … etc.…"/>
+          <p:cNvSpPr txBox="1"/>
+          <p:nvPr>
+            <p:ph type="body" idx="1"/>
+          </p:nvPr>
+        </p:nvSpPr>
+        <p:spPr>
+          <a:prstGeom prst="rect">
+            <a:avLst/>
+          </a:prstGeom>
+        </p:spPr>
+        <p:txBody>
+          <a:bodyPr/>
+          <a:lstStyle/>
+          <a:p>
+            <a:pPr/>
+            <a:r>
+              <a:t>For categorical data without any ordering between the categories, the usual encoding is:</a:t>
+            </a:r>
+            <a:br/>
+            <a:r>
+              <a:t>1 -&gt;  1 0 0 0 …</a:t>
+            </a:r>
+            <a:br/>
+            <a:r>
+              <a:t>2 -&gt;  0 1 0 0 …</a:t>
+            </a:r>
+            <a:br/>
+            <a:r>
+              <a:t>3 -&gt;  0 0 1 0 …</a:t>
+            </a:r>
+            <a:br/>
+            <a:r>
+              <a:t>etc.</a:t>
+            </a:r>
+          </a:p>
+          <a:p>
+            <a:pPr/>
+            <a:r>
+              <a:t>The encoding function can work on each categorical variable</a:t>
+            </a:r>
+          </a:p>
+        </p:txBody>
+      </p:sp>
+    </p:spTree>
+  </p:cSld>
+  <p:clrMapOvr>
+    <a:masterClrMapping/>
+  </p:clrMapOvr>
+  <p:transition xmlns:p14="http://schemas.microsoft.com/office/powerpoint/2010/main" spd="med" advClick="1"/>
+</p:sld>
+</file>
+
+<file path=ppt/slides/slide13.xml><?xml version="1.0" encoding="utf-8"?>
+<p:sld xmlns:a="http://schemas.openxmlformats.org/drawingml/2006/main" xmlns:r="http://schemas.openxmlformats.org/officeDocument/2006/relationships" xmlns:p="http://schemas.openxmlformats.org/presentationml/2006/main" showMasterSp="1" showMasterPhAnim="1">
+  <p:cSld>
+    <p:spTree>
+      <p:nvGrpSpPr>
+        <p:cNvPr id="1" name=""/>
+        <p:cNvGrpSpPr/>
+        <p:nvPr/>
+      </p:nvGrpSpPr>
+      <p:grpSpPr>
+        <a:xfrm>
+          <a:off x="0" y="0"/>
+          <a:ext cx="0" cy="0"/>
+          <a:chOff x="0" y="0"/>
+          <a:chExt cx="0" cy="0"/>
+        </a:xfrm>
+      </p:grpSpPr>
+      <p:sp>
+        <p:nvSpPr>
+          <p:cNvPr id="167" name="Pipeline for all data (1)"/>
+          <p:cNvSpPr txBox="1"/>
+          <p:nvPr>
+            <p:ph type="title"/>
+          </p:nvPr>
+        </p:nvSpPr>
+        <p:spPr>
+          <a:prstGeom prst="rect">
+            <a:avLst/>
+          </a:prstGeom>
+        </p:spPr>
+        <p:txBody>
+          <a:bodyPr/>
+          <a:lstStyle/>
+          <a:p>
+            <a:pPr/>
+            <a:r>
+              <a:t>Pipeline for all data (1)</a:t>
+            </a:r>
+          </a:p>
+        </p:txBody>
+      </p:sp>
+      <p:sp>
+        <p:nvSpPr>
+          <p:cNvPr id="168" name="def fitPipeline4(data: DataFrame, k: Int): PipelineModel = {…"/>
+          <p:cNvSpPr txBox="1"/>
+          <p:nvPr/>
+        </p:nvSpPr>
+        <p:spPr>
+          <a:xfrm>
+            <a:off x="524837" y="1605280"/>
+            <a:ext cx="8272126" cy="4003041"/>
+          </a:xfrm>
+          <a:prstGeom prst="rect">
+            <a:avLst/>
+          </a:prstGeom>
+          <a:ln w="12700">
+            <a:miter lim="400000"/>
+          </a:ln>
+          <a:extLst>
+            <a:ext uri="{C572A759-6A51-4108-AA02-DFA0A04FC94B}">
+              <ma14:wrappingTextBoxFlag xmlns:ma14="http://schemas.microsoft.com/office/mac/drawingml/2011/main" val="1"/>
+            </a:ext>
+          </a:extLst>
+        </p:spPr>
+        <p:txBody>
+          <a:bodyPr wrap="none" lIns="45719" rIns="45719">
+            <a:spAutoFit/>
+          </a:bodyPr>
+          <a:lstStyle/>
+          <a:p>
+            <a:pPr/>
+            <a:r>
+              <a:t> def fitPipeline4(data: DataFrame, k: Int): PipelineModel = {</a:t>
+            </a:r>
+          </a:p>
+          <a:p>
+            <a:pPr/>
+            <a:r>
+              <a:t>    val (protoTypeEncoder, protoTypeVecCol) = oneHotPipeline("protocol_type")</a:t>
+            </a:r>
+          </a:p>
+          <a:p>
+            <a:pPr/>
+            <a:r>
+              <a:t>    val (serviceEncoder, serviceVecCol) = oneHotPipeline("service")</a:t>
+            </a:r>
+          </a:p>
+          <a:p>
+            <a:pPr/>
+            <a:r>
+              <a:t>    val (flagEncoder, flagVecCol) = oneHotPipeline("flag")</a:t>
+            </a:r>
+          </a:p>
+          <a:p>
+            <a:pPr/>
+          </a:p>
+          <a:p>
+            <a:pPr/>
+            <a:r>
+              <a:t>    // Original columns, without label / string columns, but with new vector encoded cols</a:t>
+            </a:r>
+          </a:p>
+          <a:p>
+            <a:pPr/>
+            <a:r>
+              <a:t>    val assembleCols = Set(data.columns: _*) --</a:t>
+            </a:r>
+          </a:p>
+          <a:p>
+            <a:pPr/>
+            <a:r>
+              <a:t>      Seq("label", "protocol_type", "service", "flag") ++</a:t>
+            </a:r>
+          </a:p>
+          <a:p>
+            <a:pPr/>
+            <a:r>
+              <a:t>      Seq(protoTypeVecCol, serviceVecCol, flagVecCol)</a:t>
+            </a:r>
+          </a:p>
+          <a:p>
+            <a:pPr/>
+            <a:r>
+              <a:t>    val assembler = new VectorAssembler().</a:t>
+            </a:r>
+          </a:p>
+          <a:p>
+            <a:pPr/>
+            <a:r>
+              <a:t>      setInputCols(assembleCols.toArray).</a:t>
+            </a:r>
+          </a:p>
+          <a:p>
+            <a:pPr/>
+            <a:r>
+              <a:t>      setOutputCol("featureVector")</a:t>
+            </a:r>
+          </a:p>
+          <a:p>
+            <a:pPr/>
+          </a:p>
+        </p:txBody>
+      </p:sp>
+    </p:spTree>
+  </p:cSld>
+  <p:clrMapOvr>
+    <a:masterClrMapping/>
+  </p:clrMapOvr>
+  <p:transition xmlns:p14="http://schemas.microsoft.com/office/powerpoint/2010/main" spd="med" advClick="1"/>
+</p:sld>
+</file>
+
+<file path=ppt/slides/slide14.xml><?xml version="1.0" encoding="utf-8"?>
+<p:sld xmlns:a="http://schemas.openxmlformats.org/drawingml/2006/main" xmlns:r="http://schemas.openxmlformats.org/officeDocument/2006/relationships" xmlns:p="http://schemas.openxmlformats.org/presentationml/2006/main" showMasterSp="1" showMasterPhAnim="1">
+  <p:cSld>
+    <p:spTree>
+      <p:nvGrpSpPr>
+        <p:cNvPr id="1" name=""/>
+        <p:cNvGrpSpPr/>
+        <p:nvPr/>
+      </p:nvGrpSpPr>
+      <p:grpSpPr>
+        <a:xfrm>
+          <a:off x="0" y="0"/>
+          <a:ext cx="0" cy="0"/>
+          <a:chOff x="0" y="0"/>
+          <a:chExt cx="0" cy="0"/>
+        </a:xfrm>
+      </p:grpSpPr>
+      <p:sp>
+        <p:nvSpPr>
+          <p:cNvPr id="172" name="Pipeline for all data (2)"/>
+          <p:cNvSpPr txBox="1"/>
+          <p:nvPr>
+            <p:ph type="title"/>
+          </p:nvPr>
+        </p:nvSpPr>
+        <p:spPr>
+          <a:prstGeom prst="rect">
+            <a:avLst/>
+          </a:prstGeom>
+        </p:spPr>
+        <p:txBody>
+          <a:bodyPr/>
+          <a:lstStyle/>
+          <a:p>
+            <a:pPr/>
+            <a:r>
+              <a:t>Pipeline for all data (2)</a:t>
+            </a:r>
+          </a:p>
+        </p:txBody>
+      </p:sp>
+      <p:sp>
+        <p:nvSpPr>
+          <p:cNvPr id="173" name="val scaler = new StandardScaler()…"/>
+          <p:cNvSpPr txBox="1"/>
+          <p:nvPr/>
+        </p:nvSpPr>
+        <p:spPr>
+          <a:xfrm>
+            <a:off x="524837" y="1605280"/>
+            <a:ext cx="8046540" cy="5120641"/>
+          </a:xfrm>
+          <a:prstGeom prst="rect">
+            <a:avLst/>
+          </a:prstGeom>
+          <a:ln w="12700">
+            <a:miter lim="400000"/>
+          </a:ln>
+          <a:extLst>
+            <a:ext uri="{C572A759-6A51-4108-AA02-DFA0A04FC94B}">
+              <ma14:wrappingTextBoxFlag xmlns:ma14="http://schemas.microsoft.com/office/mac/drawingml/2011/main" val="1"/>
+            </a:ext>
+          </a:extLst>
+        </p:spPr>
+        <p:txBody>
+          <a:bodyPr wrap="none" lIns="45719" rIns="45719">
+            <a:spAutoFit/>
+          </a:bodyPr>
+          <a:lstStyle/>
+          <a:p>
+            <a:pPr/>
+            <a:r>
+              <a:t>    val scaler = new StandardScaler()</a:t>
+            </a:r>
+          </a:p>
+          <a:p>
+            <a:pPr/>
+            <a:r>
+              <a:t>      .setInputCol("featureVector")</a:t>
+            </a:r>
+          </a:p>
+          <a:p>
+            <a:pPr/>
+            <a:r>
+              <a:t>      .setOutputCol("scaledFeatureVector")</a:t>
+            </a:r>
+          </a:p>
+          <a:p>
+            <a:pPr/>
+            <a:r>
+              <a:t>      .setWithStd(true)</a:t>
+            </a:r>
+          </a:p>
+          <a:p>
+            <a:pPr/>
+            <a:r>
+              <a:t>      .setWithMean(false)</a:t>
+            </a:r>
+          </a:p>
+          <a:p>
+            <a:pPr/>
+          </a:p>
+          <a:p>
+            <a:pPr/>
+            <a:r>
+              <a:t>    val kmeans = new KMeans().</a:t>
+            </a:r>
+          </a:p>
+          <a:p>
+            <a:pPr/>
+            <a:r>
+              <a:t>      setSeed(Random.nextLong()).</a:t>
+            </a:r>
+          </a:p>
+          <a:p>
+            <a:pPr/>
+            <a:r>
+              <a:t>      setK(k).</a:t>
+            </a:r>
+          </a:p>
+          <a:p>
+            <a:pPr/>
+            <a:r>
+              <a:t>      setPredictionCol("cluster").</a:t>
+            </a:r>
+          </a:p>
+          <a:p>
+            <a:pPr/>
+            <a:r>
+              <a:t>      setFeaturesCol("scaledFeatureVector").</a:t>
+            </a:r>
+          </a:p>
+          <a:p>
+            <a:pPr/>
+            <a:r>
+              <a:t>      setMaxIter(40).</a:t>
+            </a:r>
+          </a:p>
+          <a:p>
+            <a:pPr/>
+            <a:r>
+              <a:t>      setTol(1.0e-5)</a:t>
+            </a:r>
+          </a:p>
+          <a:p>
+            <a:pPr/>
+          </a:p>
+          <a:p>
+            <a:pPr/>
+            <a:r>
+              <a:t>    val pipeline = new Pipeline().setStages(</a:t>
+            </a:r>
+          </a:p>
+          <a:p>
+            <a:pPr/>
+            <a:r>
+              <a:t>      Array(protoTypeEncoder, serviceEncoder, flagEncoder, assembler, scaler, kmeans))</a:t>
+            </a:r>
+          </a:p>
+          <a:p>
+            <a:pPr/>
+            <a:r>
+              <a:t>    pipeline.fit(data)</a:t>
+            </a:r>
+          </a:p>
+          <a:p>
+            <a:pPr/>
+            <a:r>
+              <a:t>  }</a:t>
+            </a:r>
+          </a:p>
+        </p:txBody>
+      </p:sp>
+    </p:spTree>
+  </p:cSld>
+  <p:clrMapOvr>
+    <a:masterClrMapping/>
+  </p:clrMapOvr>
+  <p:transition xmlns:p14="http://schemas.microsoft.com/office/powerpoint/2010/main" spd="med" advClick="1"/>
+</p:sld>
+</file>
+
+<file path=ppt/slides/slide15.xml><?xml version="1.0" encoding="utf-8"?>
+<p:sld xmlns:a="http://schemas.openxmlformats.org/drawingml/2006/main" xmlns:r="http://schemas.openxmlformats.org/officeDocument/2006/relationships" xmlns:p="http://schemas.openxmlformats.org/presentationml/2006/main" showMasterSp="1" showMasterPhAnim="1">
+  <p:cSld>
+    <p:spTree>
+      <p:nvGrpSpPr>
+        <p:cNvPr id="1" name=""/>
+        <p:cNvGrpSpPr/>
+        <p:nvPr/>
+      </p:nvGrpSpPr>
+      <p:grpSpPr>
+        <a:xfrm>
+          <a:off x="0" y="0"/>
+          <a:ext cx="0" cy="0"/>
+          <a:chOff x="0" y="0"/>
+          <a:chExt cx="0" cy="0"/>
+        </a:xfrm>
+      </p:grpSpPr>
+      <p:sp>
+        <p:nvSpPr>
+          <p:cNvPr id="175" name="Comments on K-means"/>
+          <p:cNvSpPr txBox="1"/>
+          <p:nvPr>
+            <p:ph type="title"/>
+          </p:nvPr>
+        </p:nvSpPr>
+        <p:spPr>
+          <a:prstGeom prst="rect">
+            <a:avLst/>
+          </a:prstGeom>
+        </p:spPr>
+        <p:txBody>
+          <a:bodyPr/>
+          <a:lstStyle/>
+          <a:p>
+            <a:pPr/>
+            <a:r>
+              <a:t>Comments on K-means</a:t>
+            </a:r>
+          </a:p>
+        </p:txBody>
+      </p:sp>
+      <p:sp>
+        <p:nvSpPr>
+          <p:cNvPr id="176" name="Imported from the clustering library…"/>
+          <p:cNvSpPr txBox="1"/>
+          <p:nvPr>
+            <p:ph type="body" idx="1"/>
+          </p:nvPr>
+        </p:nvSpPr>
+        <p:spPr>
+          <a:prstGeom prst="rect">
+            <a:avLst/>
+          </a:prstGeom>
+        </p:spPr>
+        <p:txBody>
+          <a:bodyPr/>
+          <a:lstStyle/>
+          <a:p>
+            <a:pPr/>
+            <a:r>
+              <a:t>Imported from the clustering library</a:t>
+            </a:r>
+          </a:p>
+          <a:p>
+            <a:pPr/>
+            <a:r>
+              <a:t>Notes on the supplied parameters:</a:t>
+            </a:r>
+            <a:br/>
+            <a:r>
+              <a:rPr b="1"/>
+              <a:t>k</a:t>
+            </a:r>
+            <a:r>
+              <a:t> is given at invocation</a:t>
+            </a:r>
+            <a:br/>
+            <a:r>
+              <a:rPr b="1"/>
+              <a:t>max. iterations</a:t>
+            </a:r>
+            <a:r>
+              <a:t> set to 40 - might need more</a:t>
+            </a:r>
+            <a:br/>
+            <a:r>
+              <a:rPr b="1"/>
+              <a:t>tolerance</a:t>
+            </a:r>
+            <a:r>
+              <a:t> set to 1.0e-5 - depends on problem</a:t>
+            </a:r>
+            <a:br/>
+            <a:r>
+              <a:rPr b="1"/>
+              <a:t>seed</a:t>
+            </a:r>
+            <a:r>
+              <a:t> random - use constant for reproducibility</a:t>
+            </a:r>
+          </a:p>
+        </p:txBody>
+      </p:sp>
+    </p:spTree>
+  </p:cSld>
+  <p:clrMapOvr>
+    <a:masterClrMapping/>
+  </p:clrMapOvr>
+  <p:transition xmlns:p14="http://schemas.microsoft.com/office/powerpoint/2010/main" spd="med" advClick="1"/>
+</p:sld>
+</file>
+
+<file path=ppt/slides/slide16.xml><?xml version="1.0" encoding="utf-8"?>
+<p:sld xmlns:a="http://schemas.openxmlformats.org/drawingml/2006/main" xmlns:r="http://schemas.openxmlformats.org/officeDocument/2006/relationships" xmlns:p="http://schemas.openxmlformats.org/presentationml/2006/main" showMasterSp="1" showMasterPhAnim="1">
+  <p:cSld>
+    <p:spTree>
+      <p:nvGrpSpPr>
+        <p:cNvPr id="1" name=""/>
+        <p:cNvGrpSpPr/>
+        <p:nvPr/>
+      </p:nvGrpSpPr>
+      <p:grpSpPr>
+        <a:xfrm>
+          <a:off x="0" y="0"/>
+          <a:ext cx="0" cy="0"/>
+          <a:chOff x="0" y="0"/>
+          <a:chExt cx="0" cy="0"/>
+        </a:xfrm>
+      </p:grpSpPr>
+      <p:sp>
+        <p:nvSpPr>
+          <p:cNvPr id="178" name="The anomaly detector"/>
+          <p:cNvSpPr txBox="1"/>
+          <p:nvPr>
+            <p:ph type="title"/>
+          </p:nvPr>
+        </p:nvSpPr>
+        <p:spPr>
+          <a:prstGeom prst="rect">
+            <a:avLst/>
+          </a:prstGeom>
+        </p:spPr>
+        <p:txBody>
+          <a:bodyPr/>
+          <a:lstStyle/>
+          <a:p>
+            <a:pPr/>
+            <a:r>
+              <a:t>The anomaly detector</a:t>
+            </a:r>
+          </a:p>
+        </p:txBody>
+      </p:sp>
+      <p:sp>
+        <p:nvSpPr>
+          <p:cNvPr id="179" name="// Detect anomalies…"/>
+          <p:cNvSpPr txBox="1"/>
+          <p:nvPr/>
+        </p:nvSpPr>
+        <p:spPr>
+          <a:xfrm>
+            <a:off x="1705776" y="1389380"/>
+            <a:ext cx="5732448" cy="5273041"/>
+          </a:xfrm>
+          <a:prstGeom prst="rect">
+            <a:avLst/>
+          </a:prstGeom>
+          <a:ln w="12700">
+            <a:miter lim="400000"/>
+          </a:ln>
+          <a:extLst>
+            <a:ext uri="{C572A759-6A51-4108-AA02-DFA0A04FC94B}">
+              <ma14:wrappingTextBoxFlag xmlns:ma14="http://schemas.microsoft.com/office/mac/drawingml/2011/main" val="1"/>
+            </a:ext>
+          </a:extLst>
+        </p:spPr>
+        <p:txBody>
+          <a:bodyPr wrap="none" lIns="45719" rIns="45719">
+            <a:spAutoFit/>
+          </a:bodyPr>
+          <a:lstStyle/>
+          <a:p>
+            <a:pPr>
+              <a:defRPr sz="1400"/>
+            </a:pPr>
+            <a:r>
+              <a:t> // Detect anomalies</a:t>
+            </a:r>
+          </a:p>
+          <a:p>
+            <a:pPr>
+              <a:defRPr sz="1400"/>
+            </a:pPr>
+          </a:p>
+          <a:p>
+            <a:pPr>
+              <a:defRPr sz="1400"/>
+            </a:pPr>
+            <a:r>
+              <a:t>  def buildAnomalyDetector(data: DataFrame): Unit = {</a:t>
+            </a:r>
+          </a:p>
+          <a:p>
+            <a:pPr>
+              <a:defRPr sz="1400"/>
+            </a:pPr>
+            <a:r>
+              <a:t>    val pipelineModel = fitPipeline4(data, 180)</a:t>
+            </a:r>
+          </a:p>
+          <a:p>
+            <a:pPr>
+              <a:defRPr sz="1400"/>
+            </a:pPr>
+          </a:p>
+          <a:p>
+            <a:pPr>
+              <a:defRPr sz="1400"/>
+            </a:pPr>
+            <a:r>
+              <a:t>    val kMeansModel = pipelineModel.stages.last.asInstanceOf[KMeansModel]</a:t>
+            </a:r>
+          </a:p>
+          <a:p>
+            <a:pPr>
+              <a:defRPr sz="1400"/>
+            </a:pPr>
+            <a:r>
+              <a:t>    val centroids = kMeansModel.clusterCenters</a:t>
+            </a:r>
+          </a:p>
+          <a:p>
+            <a:pPr>
+              <a:defRPr sz="1400"/>
+            </a:pPr>
+          </a:p>
+          <a:p>
+            <a:pPr>
+              <a:defRPr sz="1400"/>
+            </a:pPr>
+            <a:r>
+              <a:t>    val clustered = pipelineModel.transform(data)</a:t>
+            </a:r>
+          </a:p>
+          <a:p>
+            <a:pPr>
+              <a:defRPr sz="1400"/>
+            </a:pPr>
+            <a:r>
+              <a:t>    val threshold = clustered.</a:t>
+            </a:r>
+          </a:p>
+          <a:p>
+            <a:pPr>
+              <a:defRPr sz="1400"/>
+            </a:pPr>
+            <a:r>
+              <a:t>      select("cluster", "scaledFeatureVector").as[(Int, Vector)].</a:t>
+            </a:r>
+          </a:p>
+          <a:p>
+            <a:pPr>
+              <a:defRPr sz="1400"/>
+            </a:pPr>
+            <a:r>
+              <a:t>      map { case (cluster, vec) =&gt; Vectors.sqdist(centroids(cluster), vec) }.</a:t>
+            </a:r>
+          </a:p>
+          <a:p>
+            <a:pPr>
+              <a:defRPr sz="1400"/>
+            </a:pPr>
+            <a:r>
+              <a:t>      orderBy($"value".desc).take(100).last</a:t>
+            </a:r>
+          </a:p>
+          <a:p>
+            <a:pPr>
+              <a:defRPr sz="1400"/>
+            </a:pPr>
+          </a:p>
+          <a:p>
+            <a:pPr>
+              <a:defRPr sz="1400"/>
+            </a:pPr>
+            <a:r>
+              <a:t>    val originalCols = data.columns</a:t>
+            </a:r>
+          </a:p>
+          <a:p>
+            <a:pPr>
+              <a:defRPr sz="1400"/>
+            </a:pPr>
+            <a:r>
+              <a:t>    val anomalies = clustered.filter { row =&gt;</a:t>
+            </a:r>
+          </a:p>
+          <a:p>
+            <a:pPr>
+              <a:defRPr sz="1400"/>
+            </a:pPr>
+            <a:r>
+              <a:t>      val cluster = row.getAs[Int]("cluster")</a:t>
+            </a:r>
+          </a:p>
+          <a:p>
+            <a:pPr>
+              <a:defRPr sz="1400"/>
+            </a:pPr>
+            <a:r>
+              <a:t>      val vec = row.getAs[Vector]("scaledFeatureVector")</a:t>
+            </a:r>
+          </a:p>
+          <a:p>
+            <a:pPr>
+              <a:defRPr sz="1400"/>
+            </a:pPr>
+            <a:r>
+              <a:t>      Vectors.sqdist(centroids(cluster), vec) &gt;= threshold</a:t>
+            </a:r>
+          </a:p>
+          <a:p>
+            <a:pPr>
+              <a:defRPr sz="1400"/>
+            </a:pPr>
+            <a:r>
+              <a:t>    }.select(originalCols.head, originalCols.tail:_*)</a:t>
+            </a:r>
+          </a:p>
+          <a:p>
+            <a:pPr>
+              <a:defRPr sz="1400"/>
+            </a:pPr>
+          </a:p>
+          <a:p>
+            <a:pPr>
+              <a:defRPr sz="1400"/>
+            </a:pPr>
+            <a:r>
+              <a:t>    println(anomalies.take(5))</a:t>
+            </a:r>
+          </a:p>
+          <a:p>
+            <a:pPr>
+              <a:defRPr sz="1400"/>
+            </a:pPr>
+            <a:r>
+              <a:t>  }</a:t>
+            </a:r>
+          </a:p>
+        </p:txBody>
+      </p:sp>
+    </p:spTree>
+  </p:cSld>
+  <p:clrMapOvr>
+    <a:masterClrMapping/>
+  </p:clrMapOvr>
+  <p:transition xmlns:p14="http://schemas.microsoft.com/office/powerpoint/2010/main" spd="med" advClick="1"/>
+</p:sld>
+</file>
+
+<file path=ppt/slides/slide17.xml><?xml version="1.0" encoding="utf-8"?>
+<p:sld xmlns:a="http://schemas.openxmlformats.org/drawingml/2006/main" xmlns:r="http://schemas.openxmlformats.org/officeDocument/2006/relationships" xmlns:p="http://schemas.openxmlformats.org/presentationml/2006/main" showMasterSp="1" showMasterPhAnim="1">
+  <p:cSld>
+    <p:spTree>
+      <p:nvGrpSpPr>
+        <p:cNvPr id="1" name=""/>
+        <p:cNvGrpSpPr/>
+        <p:nvPr/>
+      </p:nvGrpSpPr>
+      <p:grpSpPr>
+        <a:xfrm>
+          <a:off x="0" y="0"/>
+          <a:ext cx="0" cy="0"/>
+          <a:chOff x="0" y="0"/>
+          <a:chExt cx="0" cy="0"/>
+        </a:xfrm>
+      </p:grpSpPr>
+      <p:sp>
+        <p:nvSpPr>
+          <p:cNvPr id="181" name="Comments on the detector"/>
+          <p:cNvSpPr txBox="1"/>
+          <p:nvPr>
+            <p:ph type="title"/>
+          </p:nvPr>
+        </p:nvSpPr>
+        <p:spPr>
+          <a:prstGeom prst="rect">
+            <a:avLst/>
+          </a:prstGeom>
+        </p:spPr>
+        <p:txBody>
+          <a:bodyPr/>
+          <a:lstStyle/>
+          <a:p>
+            <a:pPr/>
+            <a:r>
+              <a:t>Comments on the detector</a:t>
+            </a:r>
+          </a:p>
+        </p:txBody>
+      </p:sp>
+      <p:sp>
+        <p:nvSpPr>
+          <p:cNvPr id="182" name="What is an anomaly? Here we define it as those data points that are in the “loosest” clusters (the clusters with the largest mean square distances)…"/>
+          <p:cNvSpPr txBox="1"/>
+          <p:nvPr>
+            <p:ph type="body" idx="1"/>
+          </p:nvPr>
+        </p:nvSpPr>
+        <p:spPr>
+          <a:prstGeom prst="rect">
+            <a:avLst/>
+          </a:prstGeom>
+        </p:spPr>
+        <p:txBody>
+          <a:bodyPr/>
+          <a:lstStyle/>
+          <a:p>
+            <a:pPr/>
+            <a:r>
+              <a:t>What is an anomaly?</a:t>
+            </a:r>
+            <a:br/>
+            <a:r>
+              <a:t>Here we define it as those data points that are in the “loosest” clusters (the clusters with the largest mean square distances)</a:t>
+            </a:r>
+          </a:p>
+          <a:p>
+            <a:pPr/>
+            <a:r>
+              <a:t>Take one (or a few) of the most outlying data points</a:t>
+            </a:r>
+          </a:p>
+          <a:p>
+            <a:pPr/>
+            <a:r>
+              <a:t>Now is the time to start analyzing the actual data (domain knowledge)</a:t>
+            </a:r>
+          </a:p>
+        </p:txBody>
+      </p:sp>
+    </p:spTree>
+  </p:cSld>
+  <p:clrMapOvr>
+    <a:masterClrMapping/>
+  </p:clrMapOvr>
+  <p:transition xmlns:p14="http://schemas.microsoft.com/office/powerpoint/2010/main" spd="med" advClick="1"/>
+</p:sld>
+</file>
+
+<file path=ppt/slides/slide18.xml><?xml version="1.0" encoding="utf-8"?>
+<p:sld xmlns:a="http://schemas.openxmlformats.org/drawingml/2006/main" xmlns:r="http://schemas.openxmlformats.org/officeDocument/2006/relationships" xmlns:p="http://schemas.openxmlformats.org/presentationml/2006/main" showMasterSp="1" showMasterPhAnim="1">
+  <p:cSld>
+    <p:spTree>
+      <p:nvGrpSpPr>
+        <p:cNvPr id="1" name=""/>
+        <p:cNvGrpSpPr/>
+        <p:nvPr/>
+      </p:nvGrpSpPr>
+      <p:grpSpPr>
+        <a:xfrm>
+          <a:off x="0" y="0"/>
+          <a:ext cx="0" cy="0"/>
+          <a:chOff x="0" y="0"/>
+          <a:chExt cx="0" cy="0"/>
+        </a:xfrm>
+      </p:grpSpPr>
+      <p:sp>
+        <p:nvSpPr>
+          <p:cNvPr id="184" name="Result of running it on the RDD"/>
+          <p:cNvSpPr txBox="1"/>
+          <p:nvPr>
+            <p:ph type="title"/>
+          </p:nvPr>
+        </p:nvSpPr>
+        <p:spPr>
+          <a:prstGeom prst="rect">
+            <a:avLst/>
+          </a:prstGeom>
+        </p:spPr>
+        <p:txBody>
+          <a:bodyPr/>
+          <a:lstStyle/>
+          <a:p>
+            <a:pPr/>
+            <a:r>
+              <a:t>Result of running it on the RDD</a:t>
+            </a:r>
+          </a:p>
+        </p:txBody>
+      </p:sp>
+      <p:sp>
+        <p:nvSpPr>
+          <p:cNvPr id="185" name="pipelineModel: org.apache.spark.ml.PipelineModel = pipeline_0d2ee85b24c0…"/>
+          <p:cNvSpPr txBox="1"/>
+          <p:nvPr/>
+        </p:nvSpPr>
+        <p:spPr>
+          <a:xfrm>
+            <a:off x="285013" y="1383042"/>
+            <a:ext cx="9158174" cy="5158716"/>
+          </a:xfrm>
+          <a:prstGeom prst="rect">
+            <a:avLst/>
+          </a:prstGeom>
+          <a:ln w="12700">
+            <a:miter lim="400000"/>
+          </a:ln>
+          <a:extLst>
+            <a:ext uri="{C572A759-6A51-4108-AA02-DFA0A04FC94B}">
+              <ma14:wrappingTextBoxFlag xmlns:ma14="http://schemas.microsoft.com/office/mac/drawingml/2011/main" val="1"/>
+            </a:ext>
+          </a:extLst>
+        </p:spPr>
+        <p:txBody>
+          <a:bodyPr wrap="none" lIns="45719" rIns="45719">
+            <a:spAutoFit/>
+          </a:bodyPr>
+          <a:lstStyle/>
+          <a:p>
+            <a:pPr defTabSz="457200">
+              <a:lnSpc>
+                <a:spcPts val="3000"/>
+              </a:lnSpc>
+              <a:defRPr sz="1200">
+                <a:solidFill>
+                  <a:srgbClr val="212121"/>
+                </a:solidFill>
+                <a:latin typeface="Monaco"/>
+                <a:ea typeface="Monaco"/>
+                <a:cs typeface="Monaco"/>
+                <a:sym typeface="Monaco"/>
+              </a:defRPr>
+            </a:pPr>
+            <a:r>
+              <a:t>pipelineModel: org.apache.spark.ml.PipelineModel = pipeline_0d2ee85b24c0</a:t>
+            </a:r>
+          </a:p>
+          <a:p>
+            <a:pPr defTabSz="457200">
+              <a:lnSpc>
+                <a:spcPts val="3000"/>
+              </a:lnSpc>
+              <a:defRPr sz="1200">
+                <a:solidFill>
+                  <a:srgbClr val="212121"/>
+                </a:solidFill>
+                <a:latin typeface="Monaco"/>
+                <a:ea typeface="Monaco"/>
+                <a:cs typeface="Monaco"/>
+                <a:sym typeface="Monaco"/>
+              </a:defRPr>
+            </a:pPr>
+            <a:r>
+              <a:t>kMeansModel: org.apache.spark.ml.clustering.KMeansModel = kmeans_8c6857cc9e84</a:t>
+            </a:r>
+          </a:p>
+          <a:p>
+            <a:pPr defTabSz="457200">
+              <a:lnSpc>
+                <a:spcPts val="3000"/>
+              </a:lnSpc>
+              <a:defRPr sz="1200">
+                <a:solidFill>
+                  <a:srgbClr val="212121"/>
+                </a:solidFill>
+                <a:latin typeface="Monaco"/>
+                <a:ea typeface="Monaco"/>
+                <a:cs typeface="Monaco"/>
+                <a:sym typeface="Monaco"/>
+              </a:defRPr>
+            </a:pPr>
+            <a:r>
+              <a:t>centroids: Array[org.apache.spark.ml.linalg.Vector] = Array([0.0,0.0,0.0,2.058262486412483,0.0,0.10920395448623757,0.10833159570368915,1.1586351225764129,0.0,0.0,0.0,2.6182969174943955,0.0,0.0,0.0,0.0,0.0,0.0,2.615780694544565,0.7165822051000074,0.0,0.0,0.0,3.981128660079003,2.5626245410600087E-5,2.6165856479870513,2.6186447141274205,0.04665078456145298,0.0,0.11781708498568845,0.6070921233497901,0.0,3.4919355146457485E-6,0.0,0.0,4.060405401727793E-5,5.2852564512542616E-5,0.0,0.0,2.616753580669795,0.0,0.0,0.0,0.0,0.0,0.0,0.0,0.0,0.0,0.0,2.3881332108315823,0.004716726755408161,0.011574121563440157,0.0,0.0,0.0,0.0,0.0,0.0,0.0,0.0,0.0,0.0,0.0,0.0,0.0,0.0,0.0,0.0,0.0,0.0,0.0,0.0,0.0,0.0,0.0,0.0,0.0,0.0,0.0,0.0,0.0,0.0,0.0,0.0,0.0,0.0,0.0,0.0,0.0,0.0,0.0,0.0,0.0,0.0,0.0,0.0,0.0,0.0,0.0,0.0,0....clustered: org.apache.spark.sql.DataFrame = [duration: int, protocol_type: string ... 49 more fields]</a:t>
+            </a:r>
+          </a:p>
+          <a:p>
+            <a:pPr defTabSz="457200">
+              <a:lnSpc>
+                <a:spcPts val="3000"/>
+              </a:lnSpc>
+              <a:defRPr sz="1200">
+                <a:solidFill>
+                  <a:srgbClr val="212121"/>
+                </a:solidFill>
+                <a:latin typeface="Monaco"/>
+                <a:ea typeface="Monaco"/>
+                <a:cs typeface="Monaco"/>
+                <a:sym typeface="Monaco"/>
+              </a:defRPr>
+            </a:pPr>
+            <a:r>
+              <a:t>threshold: Double = 5848.785049666572</a:t>
+            </a:r>
+          </a:p>
+          <a:p>
+            <a:pPr defTabSz="457200">
+              <a:lnSpc>
+                <a:spcPts val="3000"/>
+              </a:lnSpc>
+              <a:defRPr sz="1200">
+                <a:solidFill>
+                  <a:srgbClr val="212121"/>
+                </a:solidFill>
+                <a:latin typeface="Monaco"/>
+                <a:ea typeface="Monaco"/>
+                <a:cs typeface="Monaco"/>
+                <a:sym typeface="Monaco"/>
+              </a:defRPr>
+            </a:pPr>
+            <a:r>
+              <a:t>originalCols: Array[String] = Array(duration, protocol_type, service, flag, src_bytes, dst_bytes, land, wrong_fragment, urgent, hot, num_failed_logins, logged_in, num_compromised, root_shell, su_attempted, num_root, num_file_creations, num_shells, num_access_files, num_outbound_cmds, is_host_login, is_guest_login, count, srv_count, serror_rate, srv_serror_rate, rerror_rate, srv_rerror_rate, same_srv_rate, diff_srv_rate, srv_diff_host_rate, dst_host_count, dst_host_srv_count, dst_host_same_srv_rate, dst_host_diff_srv_rate, dst_host_same_src_port_rate, dst_host_srv_diff_host_rate, dst_host_serror_rate, dst_host_srv_serror_rate, dst_host_rerror_rate, dst_host_srv_rerror_rate, label)</a:t>
+            </a:r>
+          </a:p>
+          <a:p>
+            <a:pPr defTabSz="457200">
+              <a:lnSpc>
+                <a:spcPts val="3000"/>
+              </a:lnSpc>
+              <a:defRPr sz="1200">
+                <a:solidFill>
+                  <a:srgbClr val="212121"/>
+                </a:solidFill>
+                <a:latin typeface="Monaco"/>
+                <a:ea typeface="Monaco"/>
+                <a:cs typeface="Monaco"/>
+                <a:sym typeface="Monaco"/>
+              </a:defRPr>
+            </a:pPr>
+            <a:r>
+              <a:t>anomalies: org.apache.spark.sql.DataFrame = [duration: int, protocol_type: string ... 40 more fields]</a:t>
+            </a:r>
+          </a:p>
+          <a:p>
+            <a:pPr defTabSz="457200">
+              <a:lnSpc>
+                <a:spcPts val="3000"/>
+              </a:lnSpc>
+              <a:defRPr sz="1200">
+                <a:solidFill>
+                  <a:srgbClr val="212121"/>
+                </a:solidFill>
+                <a:latin typeface="Monaco"/>
+                <a:ea typeface="Monaco"/>
+                <a:cs typeface="Monaco"/>
+                <a:sym typeface="Monaco"/>
+              </a:defRPr>
+            </a:pPr>
+            <a:r>
+              <a:t>[Lorg.apache.spark.sql.Row;@5cd36431</a:t>
+            </a:r>
+          </a:p>
+        </p:txBody>
+      </p:sp>
+    </p:spTree>
+  </p:cSld>
+  <p:clrMapOvr>
+    <a:masterClrMapping/>
+  </p:clrMapOvr>
+  <p:transition xmlns:p14="http://schemas.microsoft.com/office/powerpoint/2010/main" spd="med" advClick="1"/>
+</p:sld>
+</file>
+
+<file path=ppt/slides/slide19.xml><?xml version="1.0" encoding="utf-8"?>
+<p:sld xmlns:a="http://schemas.openxmlformats.org/drawingml/2006/main" xmlns:r="http://schemas.openxmlformats.org/officeDocument/2006/relationships" xmlns:p="http://schemas.openxmlformats.org/presentationml/2006/main" showMasterSp="1" showMasterPhAnim="1">
+  <p:cSld>
+    <p:spTree>
+      <p:nvGrpSpPr>
+        <p:cNvPr id="1" name=""/>
+        <p:cNvGrpSpPr/>
+        <p:nvPr/>
+      </p:nvGrpSpPr>
+      <p:grpSpPr>
+        <a:xfrm>
+          <a:off x="0" y="0"/>
+          <a:ext cx="0" cy="0"/>
+          <a:chOff x="0" y="0"/>
+          <a:chExt cx="0" cy="0"/>
+        </a:xfrm>
+      </p:grpSpPr>
+      <p:sp>
+        <p:nvSpPr>
+          <p:cNvPr id="187" name="From the Zeppelin notebook:  println(anomalies.first())…"/>
+          <p:cNvSpPr txBox="1"/>
+          <p:nvPr>
+            <p:ph type="body" idx="1"/>
+          </p:nvPr>
+        </p:nvSpPr>
+        <p:spPr>
+          <a:prstGeom prst="rect">
+            <a:avLst/>
+          </a:prstGeom>
+        </p:spPr>
+        <p:txBody>
+          <a:bodyPr/>
+          <a:lstStyle/>
+          <a:p>
+            <a:pPr/>
+            <a:r>
+              <a:t>From the Zeppelin notebook:</a:t>
+            </a:r>
+            <a:br/>
+            <a:r>
+              <a:rPr sz="2700"/>
+              <a:t> println(anomalies.first())</a:t>
+            </a:r>
+            <a:br/>
+            <a:br/>
+          </a:p>
+          <a:p>
+            <a:pPr/>
+            <a:r>
+              <a:t>This datapoint is labeled as “normal” but it is clearly a strange item: many times connecting to different hosts</a:t>
+            </a:r>
+          </a:p>
+        </p:txBody>
+      </p:sp>
+      <p:sp>
+        <p:nvSpPr>
+          <p:cNvPr id="188" name="The most extreme data point"/>
+          <p:cNvSpPr txBox="1"/>
+          <p:nvPr>
+            <p:ph type="title"/>
+          </p:nvPr>
+        </p:nvSpPr>
+        <p:spPr>
+          <a:prstGeom prst="rect">
+            <a:avLst/>
+          </a:prstGeom>
+        </p:spPr>
+        <p:txBody>
+          <a:bodyPr/>
+          <a:lstStyle/>
+          <a:p>
+            <a:pPr/>
+            <a:r>
+              <a:t>The </a:t>
+            </a:r>
+            <a:r>
+              <a:rPr b="1"/>
+              <a:t>most</a:t>
+            </a:r>
+            <a:r>
+              <a:t> extreme data point</a:t>
+            </a:r>
+          </a:p>
+        </p:txBody>
+      </p:sp>
+      <p:sp>
+        <p:nvSpPr>
+          <p:cNvPr id="189" name="[0,tcp,telnet,S1,145,13236,0,0,0,0,0,1,31,1,2,38,0,0,0,0,0,0,1,1,1.0,1.0,0.0,0.0,1.0,0.0,0.0,29,10,0.28,0.1,0.03,0.2,0.07,0.2,0.0,0.0,normal.]"/>
+          <p:cNvSpPr txBox="1"/>
+          <p:nvPr/>
+        </p:nvSpPr>
+        <p:spPr>
+          <a:xfrm>
+            <a:off x="622840" y="2801569"/>
+            <a:ext cx="8103107" cy="713716"/>
+          </a:xfrm>
+          <a:prstGeom prst="rect">
+            <a:avLst/>
+          </a:prstGeom>
+          <a:ln w="12700">
+            <a:miter lim="400000"/>
+          </a:ln>
+          <a:extLst>
+            <a:ext uri="{C572A759-6A51-4108-AA02-DFA0A04FC94B}">
+              <ma14:wrappingTextBoxFlag xmlns:ma14="http://schemas.microsoft.com/office/mac/drawingml/2011/main" val="1"/>
+            </a:ext>
+          </a:extLst>
+        </p:spPr>
+        <p:txBody>
+          <a:bodyPr lIns="45719" rIns="45719">
+            <a:spAutoFit/>
+          </a:bodyPr>
+          <a:lstStyle>
+            <a:lvl1pPr defTabSz="457200">
+              <a:lnSpc>
+                <a:spcPts val="3100"/>
+              </a:lnSpc>
+              <a:defRPr sz="1200">
+                <a:solidFill>
+                  <a:srgbClr val="212121"/>
+                </a:solidFill>
+                <a:latin typeface="Monaco"/>
+                <a:ea typeface="Monaco"/>
+                <a:cs typeface="Monaco"/>
+                <a:sym typeface="Monaco"/>
+              </a:defRPr>
+            </a:lvl1pPr>
+          </a:lstStyle>
+          <a:p>
+            <a:pPr/>
+            <a:r>
+              <a:t>[0,tcp,telnet,S1,145,13236,0,0,0,0,0,1,31,1,2,38,0,0,0,0,0,0,1,1,1.0,1.0,0.0,0.0,1.0,0.0,0.0,29,10,0.28,0.1,0.03,0.2,0.07,0.2,0.0,0.0,normal.]</a:t>
+            </a:r>
+          </a:p>
+        </p:txBody>
+      </p:sp>
+    </p:spTree>
+  </p:cSld>
+  <p:clrMapOvr>
+    <a:masterClrMapping/>
+  </p:clrMapOvr>
+  <p:transition xmlns:p14="http://schemas.microsoft.com/office/powerpoint/2010/main" spd="med" advClick="1"/>
+</p:sld>
+</file>
+
 <file path=ppt/slides/slide2.xml><?xml version="1.0" encoding="utf-8"?>
 <p:sld xmlns:a="http://schemas.openxmlformats.org/drawingml/2006/main" xmlns:r="http://schemas.openxmlformats.org/officeDocument/2006/relationships" xmlns:p="http://schemas.openxmlformats.org/presentationml/2006/main" showMasterSp="1" showMasterPhAnim="1">
   <p:cSld>
@@ -3416,7 +5373,402 @@
           <a:p>
             <a:pPr/>
             <a:r>
-              <a:t>Case study 2</a:t>
+              <a:t>AI for discovery</a:t>
+            </a:r>
+          </a:p>
+        </p:txBody>
+      </p:sp>
+    </p:spTree>
+  </p:cSld>
+  <p:clrMapOvr>
+    <a:masterClrMapping/>
+  </p:clrMapOvr>
+  <p:transition xmlns:p14="http://schemas.microsoft.com/office/powerpoint/2010/main" spd="med" advClick="1"/>
+</p:sld>
+</file>
+
+<file path=ppt/slides/slide20.xml><?xml version="1.0" encoding="utf-8"?>
+<p:sld xmlns:a="http://schemas.openxmlformats.org/drawingml/2006/main" xmlns:r="http://schemas.openxmlformats.org/officeDocument/2006/relationships" xmlns:p="http://schemas.openxmlformats.org/presentationml/2006/main" showMasterSp="1" showMasterPhAnim="1">
+  <p:cSld>
+    <p:spTree>
+      <p:nvGrpSpPr>
+        <p:cNvPr id="1" name=""/>
+        <p:cNvGrpSpPr/>
+        <p:nvPr/>
+      </p:nvGrpSpPr>
+      <p:grpSpPr>
+        <a:xfrm>
+          <a:off x="0" y="0"/>
+          <a:ext cx="0" cy="0"/>
+          <a:chOff x="0" y="0"/>
+          <a:chExt cx="0" cy="0"/>
+        </a:xfrm>
+      </p:grpSpPr>
+      <p:sp>
+        <p:nvSpPr>
+          <p:cNvPr id="191" name="From the Zeppelin notebook:  println(anomalies.take(2).last)…"/>
+          <p:cNvSpPr txBox="1"/>
+          <p:nvPr>
+            <p:ph type="body" idx="1"/>
+          </p:nvPr>
+        </p:nvSpPr>
+        <p:spPr>
+          <a:prstGeom prst="rect">
+            <a:avLst/>
+          </a:prstGeom>
+        </p:spPr>
+        <p:txBody>
+          <a:bodyPr/>
+          <a:lstStyle/>
+          <a:p>
+            <a:pPr marL="329184" indent="-329184" defTabSz="877823">
+              <a:defRPr sz="3072"/>
+            </a:pPr>
+            <a:r>
+              <a:t>From the Zeppelin notebook:</a:t>
+            </a:r>
+            <a:br/>
+            <a:r>
+              <a:rPr sz="2592"/>
+              <a:t> println(anomalies.take(2).last)</a:t>
+            </a:r>
+            <a:br>
+              <a:rPr sz="2592"/>
+            </a:br>
+            <a:br/>
+          </a:p>
+          <a:p>
+            <a:pPr marL="329184" indent="-329184" defTabSz="877823">
+              <a:defRPr sz="3072"/>
+            </a:pPr>
+            <a:r>
+              <a:t>This datapoint is again labeled as “normal” but it is again a strange item</a:t>
+            </a:r>
+          </a:p>
+          <a:p>
+            <a:pPr marL="329184" indent="-329184" defTabSz="877823">
+              <a:defRPr sz="3072"/>
+            </a:pPr>
+            <a:r>
+              <a:t>Studying the actual mechanisms behind the discovered anomalies is a task for network security professionals</a:t>
+            </a:r>
+          </a:p>
+        </p:txBody>
+      </p:sp>
+      <p:sp>
+        <p:nvSpPr>
+          <p:cNvPr id="192" name="The next extreme data point"/>
+          <p:cNvSpPr txBox="1"/>
+          <p:nvPr>
+            <p:ph type="title"/>
+          </p:nvPr>
+        </p:nvSpPr>
+        <p:spPr>
+          <a:prstGeom prst="rect">
+            <a:avLst/>
+          </a:prstGeom>
+        </p:spPr>
+        <p:txBody>
+          <a:bodyPr/>
+          <a:lstStyle/>
+          <a:p>
+            <a:pPr/>
+            <a:r>
+              <a:t>The </a:t>
+            </a:r>
+            <a:r>
+              <a:rPr i="1"/>
+              <a:t>next</a:t>
+            </a:r>
+            <a:r>
+              <a:t> extreme data point</a:t>
+            </a:r>
+          </a:p>
+        </p:txBody>
+      </p:sp>
+      <p:sp>
+        <p:nvSpPr>
+          <p:cNvPr id="193" name="[9,tcp,telnet,SF,307,2374,0,0,1,0,0,1,0,1,0,1,3,1,0,0,0,0,1,1,0.0,0.0,0.0,0.0,1.0,0.0,0.0,69,4,0.03,0.04,0.01,0.75,0.0,0.0,0.0,0.0,normal.]"/>
+          <p:cNvSpPr txBox="1"/>
+          <p:nvPr/>
+        </p:nvSpPr>
+        <p:spPr>
+          <a:xfrm>
+            <a:off x="622840" y="2801569"/>
+            <a:ext cx="8103107" cy="1526516"/>
+          </a:xfrm>
+          <a:prstGeom prst="rect">
+            <a:avLst/>
+          </a:prstGeom>
+          <a:ln w="12700">
+            <a:miter lim="400000"/>
+          </a:ln>
+          <a:extLst>
+            <a:ext uri="{C572A759-6A51-4108-AA02-DFA0A04FC94B}">
+              <ma14:wrappingTextBoxFlag xmlns:ma14="http://schemas.microsoft.com/office/mac/drawingml/2011/main" val="1"/>
+            </a:ext>
+          </a:extLst>
+        </p:spPr>
+        <p:txBody>
+          <a:bodyPr lIns="45719" rIns="45719">
+            <a:spAutoFit/>
+          </a:bodyPr>
+          <a:lstStyle/>
+          <a:p>
+            <a:pPr defTabSz="457200">
+              <a:lnSpc>
+                <a:spcPts val="3100"/>
+              </a:lnSpc>
+              <a:defRPr sz="1200">
+                <a:solidFill>
+                  <a:srgbClr val="212121"/>
+                </a:solidFill>
+                <a:latin typeface="Monaco"/>
+                <a:ea typeface="Monaco"/>
+                <a:cs typeface="Monaco"/>
+                <a:sym typeface="Monaco"/>
+              </a:defRPr>
+            </a:pPr>
+            <a:r>
+              <a:t>[9,tcp,telnet,SF,307,2374,0,0,1,0,0,1,0,1,0,1,3,1,0,0,0,0,1,1,0.0,0.0,0.0,0.0,1.0,0.0,0.0,69,4,0.03,0.04,0.01,0.75,0.0,0.0,0.0,0.0,normal.]</a:t>
+            </a:r>
+          </a:p>
+          <a:p>
+            <a:pPr defTabSz="457200">
+              <a:lnSpc>
+                <a:spcPts val="3100"/>
+              </a:lnSpc>
+              <a:defRPr sz="1200">
+                <a:solidFill>
+                  <a:srgbClr val="212121"/>
+                </a:solidFill>
+                <a:latin typeface="Monaco"/>
+                <a:ea typeface="Monaco"/>
+                <a:cs typeface="Monaco"/>
+                <a:sym typeface="Monaco"/>
+              </a:defRPr>
+            </a:pPr>
+          </a:p>
+          <a:p>
+            <a:pPr algn="r" defTabSz="457200">
+              <a:lnSpc>
+                <a:spcPts val="2800"/>
+              </a:lnSpc>
+              <a:defRPr sz="1200">
+                <a:solidFill>
+                  <a:srgbClr val="999999"/>
+                </a:solidFill>
+                <a:latin typeface="Helvetica Neue"/>
+                <a:ea typeface="Helvetica Neue"/>
+                <a:cs typeface="Helvetica Neue"/>
+                <a:sym typeface="Helvetica Neue"/>
+              </a:defRPr>
+            </a:pPr>
+          </a:p>
+          <a:p>
+            <a:pPr defTabSz="457200">
+              <a:lnSpc>
+                <a:spcPts val="3200"/>
+              </a:lnSpc>
+              <a:defRPr sz="1400">
+                <a:solidFill>
+                  <a:srgbClr val="212121"/>
+                </a:solidFill>
+                <a:latin typeface="Helvetica Neue"/>
+                <a:ea typeface="Helvetica Neue"/>
+                <a:cs typeface="Helvetica Neue"/>
+                <a:sym typeface="Helvetica Neue"/>
+              </a:defRPr>
+            </a:pPr>
+          </a:p>
+        </p:txBody>
+      </p:sp>
+    </p:spTree>
+  </p:cSld>
+  <p:clrMapOvr>
+    <a:masterClrMapping/>
+  </p:clrMapOvr>
+  <p:transition xmlns:p14="http://schemas.microsoft.com/office/powerpoint/2010/main" spd="med" advClick="1"/>
+</p:sld>
+</file>
+
+<file path=ppt/slides/slide21.xml><?xml version="1.0" encoding="utf-8"?>
+<p:sld xmlns:a="http://schemas.openxmlformats.org/drawingml/2006/main" xmlns:r="http://schemas.openxmlformats.org/officeDocument/2006/relationships" xmlns:p="http://schemas.openxmlformats.org/presentationml/2006/main" showMasterSp="1" showMasterPhAnim="1">
+  <p:cSld>
+    <p:spTree>
+      <p:nvGrpSpPr>
+        <p:cNvPr id="1" name=""/>
+        <p:cNvGrpSpPr/>
+        <p:nvPr/>
+      </p:nvGrpSpPr>
+      <p:grpSpPr>
+        <a:xfrm>
+          <a:off x="0" y="0"/>
+          <a:ext cx="0" cy="0"/>
+          <a:chOff x="0" y="0"/>
+          <a:chExt cx="0" cy="0"/>
+        </a:xfrm>
+      </p:grpSpPr>
+      <p:sp>
+        <p:nvSpPr>
+          <p:cNvPr id="195" name="Discussion"/>
+          <p:cNvSpPr txBox="1"/>
+          <p:nvPr>
+            <p:ph type="title"/>
+          </p:nvPr>
+        </p:nvSpPr>
+        <p:spPr>
+          <a:prstGeom prst="rect">
+            <a:avLst/>
+          </a:prstGeom>
+        </p:spPr>
+        <p:txBody>
+          <a:bodyPr/>
+          <a:lstStyle/>
+          <a:p>
+            <a:pPr/>
+            <a:r>
+              <a:t>Discussion</a:t>
+            </a:r>
+          </a:p>
+        </p:txBody>
+      </p:sp>
+      <p:sp>
+        <p:nvSpPr>
+          <p:cNvPr id="196" name="What could be an anomaly in sensor data? Consider examples: - Temperature time series in greenhouses - Pressure in a water distribution network - Loads in an electric power network…"/>
+          <p:cNvSpPr txBox="1"/>
+          <p:nvPr>
+            <p:ph type="body" idx="1"/>
+          </p:nvPr>
+        </p:nvSpPr>
+        <p:spPr>
+          <a:prstGeom prst="rect">
+            <a:avLst/>
+          </a:prstGeom>
+        </p:spPr>
+        <p:txBody>
+          <a:bodyPr/>
+          <a:lstStyle/>
+          <a:p>
+            <a:pPr/>
+            <a:r>
+              <a:t>What could be an anomaly in sensor data? Consider examples:</a:t>
+            </a:r>
+            <a:br/>
+            <a:r>
+              <a:t>- Temperature time series in greenhouses</a:t>
+            </a:r>
+            <a:br/>
+            <a:r>
+              <a:t>- Pressure in a water distribution network</a:t>
+            </a:r>
+            <a:br/>
+            <a:r>
+              <a:t>- Loads in an electric power network</a:t>
+            </a:r>
+          </a:p>
+          <a:p>
+            <a:pPr/>
+            <a:r>
+              <a:t>How would we run an anomaly detector on historical IoT sensor data?</a:t>
+            </a:r>
+          </a:p>
+          <a:p>
+            <a:pPr/>
+            <a:r>
+              <a:t>Consider also real-time detection</a:t>
+            </a:r>
+          </a:p>
+        </p:txBody>
+      </p:sp>
+    </p:spTree>
+  </p:cSld>
+  <p:clrMapOvr>
+    <a:masterClrMapping/>
+  </p:clrMapOvr>
+  <p:transition xmlns:p14="http://schemas.microsoft.com/office/powerpoint/2010/main" spd="med" advClick="1"/>
+</p:sld>
+</file>
+
+<file path=ppt/slides/slide22.xml><?xml version="1.0" encoding="utf-8"?>
+<p:sld xmlns:a="http://schemas.openxmlformats.org/drawingml/2006/main" xmlns:r="http://schemas.openxmlformats.org/officeDocument/2006/relationships" xmlns:p="http://schemas.openxmlformats.org/presentationml/2006/main" showMasterSp="1" showMasterPhAnim="1">
+  <p:cSld>
+    <p:spTree>
+      <p:nvGrpSpPr>
+        <p:cNvPr id="1" name=""/>
+        <p:cNvGrpSpPr/>
+        <p:nvPr/>
+      </p:nvGrpSpPr>
+      <p:grpSpPr>
+        <a:xfrm>
+          <a:off x="0" y="0"/>
+          <a:ext cx="0" cy="0"/>
+          <a:chOff x="0" y="0"/>
+          <a:chExt cx="0" cy="0"/>
+        </a:xfrm>
+      </p:grpSpPr>
+      <p:sp>
+        <p:nvSpPr>
+          <p:cNvPr id="200" name="Summary of the lecture"/>
+          <p:cNvSpPr txBox="1"/>
+          <p:nvPr>
+            <p:ph type="title"/>
+          </p:nvPr>
+        </p:nvSpPr>
+        <p:spPr>
+          <a:prstGeom prst="rect">
+            <a:avLst/>
+          </a:prstGeom>
+        </p:spPr>
+        <p:txBody>
+          <a:bodyPr/>
+          <a:lstStyle/>
+          <a:p>
+            <a:pPr/>
+            <a:r>
+              <a:t>Summary of the lecture</a:t>
+            </a:r>
+          </a:p>
+        </p:txBody>
+      </p:sp>
+      <p:sp>
+        <p:nvSpPr>
+          <p:cNvPr id="201" name="We have learned about another example of using the Spark framework with Scala and its Machine Learning library for Big Data analytics.…"/>
+          <p:cNvSpPr txBox="1"/>
+          <p:nvPr>
+            <p:ph type="body" idx="1"/>
+          </p:nvPr>
+        </p:nvSpPr>
+        <p:spPr>
+          <a:xfrm>
+            <a:off x="457200" y="1600200"/>
+            <a:ext cx="8229600" cy="4827758"/>
+          </a:xfrm>
+          <a:prstGeom prst="rect">
+            <a:avLst/>
+          </a:prstGeom>
+        </p:spPr>
+        <p:txBody>
+          <a:bodyPr/>
+          <a:lstStyle/>
+          <a:p>
+            <a:pPr marL="0" indent="0">
+              <a:buSzTx/>
+              <a:buFontTx/>
+              <a:buNone/>
+            </a:pPr>
+            <a:r>
+              <a:t>We have learned about another example of using the Spark framework with Scala and its Machine Learning library for Big Data analytics.</a:t>
+            </a:r>
+          </a:p>
+          <a:p>
+            <a:pPr marL="0" indent="0">
+              <a:buSzTx/>
+              <a:buFontTx/>
+              <a:buNone/>
+            </a:pPr>
+            <a:r>
+              <a:t>The case study uses the K-Means clustering method to find the dominant groups of similar data in a network traffic dataset. After separating the data into clusters, those points that are farthest from the majority become candidates for anomaly analysis.</a:t>
             </a:r>
           </a:p>
         </p:txBody>
@@ -3449,7 +5801,7 @@
       </p:grpSpPr>
       <p:sp>
         <p:nvSpPr>
-          <p:cNvPr id="129" name="Lecture 11: Geospatial Big Data"/>
+          <p:cNvPr id="129" name="Outline of the lecture"/>
           <p:cNvSpPr txBox="1"/>
           <p:nvPr>
             <p:ph type="title"/>
@@ -3466,20 +5818,24 @@
           <a:p>
             <a:pPr/>
             <a:r>
-              <a:t>Lecture 11: Geospatial Big Data</a:t>
-            </a:r>
-          </a:p>
-        </p:txBody>
-      </p:sp>
-      <p:sp>
-        <p:nvSpPr>
-          <p:cNvPr id="130" name="Case study: New York City taxi trips…"/>
+              <a:t>Outline of the lecture</a:t>
+            </a:r>
+          </a:p>
+        </p:txBody>
+      </p:sp>
+      <p:sp>
+        <p:nvSpPr>
+          <p:cNvPr id="130" name="An important use of AI techniques is to help in finding unexpected, surprising information hidden in the data.…"/>
           <p:cNvSpPr txBox="1"/>
           <p:nvPr>
             <p:ph type="body" idx="1"/>
           </p:nvPr>
         </p:nvSpPr>
         <p:spPr>
+          <a:xfrm>
+            <a:off x="457200" y="1600200"/>
+            <a:ext cx="8229600" cy="4796452"/>
+          </a:xfrm>
           <a:prstGeom prst="rect">
             <a:avLst/>
           </a:prstGeom>
@@ -3488,39 +5844,33 @@
           <a:bodyPr/>
           <a:lstStyle/>
           <a:p>
-            <a:pPr/>
-            <a:r>
-              <a:t>Case study: New York City taxi trips</a:t>
-            </a:r>
-          </a:p>
-          <a:p>
-            <a:pPr/>
-            <a:r>
-              <a:t>The taxicab fare data</a:t>
-            </a:r>
-          </a:p>
-          <a:p>
-            <a:pPr/>
-            <a:r>
-              <a:t>Analyzing with Spark and Scala</a:t>
-            </a:r>
-          </a:p>
-          <a:p>
-            <a:pPr/>
-            <a:r>
-              <a:t>Finding patterns</a:t>
-            </a:r>
-          </a:p>
-          <a:p>
-            <a:pPr/>
-            <a:r>
-              <a:t>Resolving geographic information</a:t>
-            </a:r>
-          </a:p>
-          <a:p>
-            <a:pPr/>
-            <a:r>
-              <a:t>Conclusions</a:t>
+            <a:pPr marL="0" indent="0">
+              <a:buSzTx/>
+              <a:buFontTx/>
+              <a:buNone/>
+            </a:pPr>
+            <a:r>
+              <a:t>An important use of AI techniques is to help in finding unexpected, surprising information hidden in the data.</a:t>
+            </a:r>
+          </a:p>
+          <a:p>
+            <a:pPr marL="0" indent="0">
+              <a:buSzTx/>
+              <a:buFontTx/>
+              <a:buNone/>
+            </a:pPr>
+            <a:r>
+              <a:t>Here we will consider the application of a clustering method to extract anomalies from a BD dataset, in this case, from network traffic data.</a:t>
+            </a:r>
+          </a:p>
+          <a:p>
+            <a:pPr marL="0" indent="0">
+              <a:buSzTx/>
+              <a:buFontTx/>
+              <a:buNone/>
+            </a:pPr>
+            <a:r>
+              <a:t>We will use Spark and Scala with its ML library (similar results could be found with Python too)</a:t>
             </a:r>
           </a:p>
         </p:txBody>
@@ -3537,17 +5887,6 @@
 <file path=ppt/slides/slide4.xml><?xml version="1.0" encoding="utf-8"?>
 <p:sld xmlns:a="http://schemas.openxmlformats.org/drawingml/2006/main" xmlns:r="http://schemas.openxmlformats.org/officeDocument/2006/relationships" xmlns:p="http://schemas.openxmlformats.org/presentationml/2006/main" showMasterSp="1" showMasterPhAnim="1">
   <p:cSld>
-    <p:bg>
-      <p:bgPr>
-        <a:blipFill rotWithShape="1">
-          <a:blip r:embed="rId2"/>
-          <a:srcRect l="0" t="0" r="0" b="0"/>
-          <a:stretch>
-            <a:fillRect/>
-          </a:stretch>
-        </a:blipFill>
-      </p:bgPr>
-    </p:bg>
     <p:spTree>
       <p:nvGrpSpPr>
         <p:cNvPr id="1" name=""/>
@@ -3562,6 +5901,779 @@
           <a:chExt cx="0" cy="0"/>
         </a:xfrm>
       </p:grpSpPr>
+      <p:sp>
+        <p:nvSpPr>
+          <p:cNvPr id="132" name="Where are we in the Course?"/>
+          <p:cNvSpPr txBox="1"/>
+          <p:nvPr>
+            <p:ph type="title"/>
+          </p:nvPr>
+        </p:nvSpPr>
+        <p:spPr>
+          <a:prstGeom prst="rect">
+            <a:avLst/>
+          </a:prstGeom>
+        </p:spPr>
+        <p:txBody>
+          <a:bodyPr/>
+          <a:lstStyle/>
+          <a:p>
+            <a:pPr/>
+            <a:r>
+              <a:t>Where are we in the Course?</a:t>
+            </a:r>
+          </a:p>
+        </p:txBody>
+      </p:sp>
+      <p:sp>
+        <p:nvSpPr>
+          <p:cNvPr id="133" name="Introduction: Background of IoT, Big Data, AI…"/>
+          <p:cNvSpPr txBox="1"/>
+          <p:nvPr>
+            <p:ph type="body" idx="1"/>
+          </p:nvPr>
+        </p:nvSpPr>
+        <p:spPr>
+          <a:prstGeom prst="rect">
+            <a:avLst/>
+          </a:prstGeom>
+        </p:spPr>
+        <p:txBody>
+          <a:bodyPr/>
+          <a:lstStyle/>
+          <a:p>
+            <a:pPr/>
+            <a:r>
+              <a:t>Introduction: Background of IoT, Big Data, AI</a:t>
+            </a:r>
+          </a:p>
+          <a:p>
+            <a:pPr/>
+            <a:r>
+              <a:t>Collect, analyze data from IoT on a large scale</a:t>
+            </a:r>
+          </a:p>
+          <a:p>
+            <a:pPr/>
+            <a:r>
+              <a:t>Elements and practice of statistics</a:t>
+            </a:r>
+          </a:p>
+          <a:p>
+            <a:pPr/>
+            <a:r>
+              <a:t>AI methods for data science</a:t>
+            </a:r>
+          </a:p>
+          <a:p>
+            <a:pPr/>
+            <a:r>
+              <a:t>Practical usage of AI for Big Data from IoT</a:t>
+            </a:r>
+          </a:p>
+          <a:p>
+            <a:pPr/>
+            <a:r>
+              <a:t>Getting further with AI: internal workings</a:t>
+            </a:r>
+          </a:p>
+          <a:p>
+            <a:pPr>
+              <a:defRPr b="1"/>
+            </a:pPr>
+            <a:r>
+              <a:t>Moving into the real world</a:t>
+            </a:r>
+          </a:p>
+        </p:txBody>
+      </p:sp>
+    </p:spTree>
+  </p:cSld>
+  <p:clrMapOvr>
+    <a:masterClrMapping/>
+  </p:clrMapOvr>
+  <p:transition xmlns:p14="http://schemas.microsoft.com/office/powerpoint/2010/main" spd="med" advClick="1"/>
+</p:sld>
+</file>
+
+<file path=ppt/slides/slide5.xml><?xml version="1.0" encoding="utf-8"?>
+<p:sld xmlns:a="http://schemas.openxmlformats.org/drawingml/2006/main" xmlns:r="http://schemas.openxmlformats.org/officeDocument/2006/relationships" xmlns:p="http://schemas.openxmlformats.org/presentationml/2006/main" showMasterSp="1" showMasterPhAnim="1">
+  <p:cSld>
+    <p:spTree>
+      <p:nvGrpSpPr>
+        <p:cNvPr id="1" name=""/>
+        <p:cNvGrpSpPr/>
+        <p:nvPr/>
+      </p:nvGrpSpPr>
+      <p:grpSpPr>
+        <a:xfrm>
+          <a:off x="0" y="0"/>
+          <a:ext cx="0" cy="0"/>
+          <a:chOff x="0" y="0"/>
+          <a:chExt cx="0" cy="0"/>
+        </a:xfrm>
+      </p:grpSpPr>
+      <p:sp>
+        <p:nvSpPr>
+          <p:cNvPr id="135" name="Lecture 12: Anomaly Detection"/>
+          <p:cNvSpPr txBox="1"/>
+          <p:nvPr>
+            <p:ph type="title"/>
+          </p:nvPr>
+        </p:nvSpPr>
+        <p:spPr>
+          <a:prstGeom prst="rect">
+            <a:avLst/>
+          </a:prstGeom>
+        </p:spPr>
+        <p:txBody>
+          <a:bodyPr/>
+          <a:lstStyle/>
+          <a:p>
+            <a:pPr/>
+            <a:r>
+              <a:t>Lecture 12: Anomaly Detection</a:t>
+            </a:r>
+          </a:p>
+        </p:txBody>
+      </p:sp>
+      <p:sp>
+        <p:nvSpPr>
+          <p:cNvPr id="136" name="Case study: Network Intrusion Detection…"/>
+          <p:cNvSpPr txBox="1"/>
+          <p:nvPr>
+            <p:ph type="body" idx="1"/>
+          </p:nvPr>
+        </p:nvSpPr>
+        <p:spPr>
+          <a:prstGeom prst="rect">
+            <a:avLst/>
+          </a:prstGeom>
+        </p:spPr>
+        <p:txBody>
+          <a:bodyPr/>
+          <a:lstStyle/>
+          <a:p>
+            <a:pPr/>
+            <a:r>
+              <a:t>Case study: Network Intrusion Detection</a:t>
+            </a:r>
+          </a:p>
+          <a:p>
+            <a:pPr/>
+            <a:r>
+              <a:t>The KDD Cup dataset</a:t>
+            </a:r>
+          </a:p>
+          <a:p>
+            <a:pPr/>
+            <a:r>
+              <a:t>Exploring the data</a:t>
+            </a:r>
+          </a:p>
+          <a:p>
+            <a:pPr/>
+            <a:r>
+              <a:t>K-means clustering</a:t>
+            </a:r>
+          </a:p>
+          <a:p>
+            <a:pPr/>
+            <a:r>
+              <a:t>Anomaly detection</a:t>
+            </a:r>
+          </a:p>
+          <a:p>
+            <a:pPr/>
+            <a:r>
+              <a:t>Visualization</a:t>
+            </a:r>
+          </a:p>
+          <a:p>
+            <a:pPr/>
+            <a:r>
+              <a:t>Self-study hints</a:t>
+            </a:r>
+          </a:p>
+        </p:txBody>
+      </p:sp>
+    </p:spTree>
+  </p:cSld>
+  <p:clrMapOvr>
+    <a:masterClrMapping/>
+  </p:clrMapOvr>
+  <p:transition xmlns:p14="http://schemas.microsoft.com/office/powerpoint/2010/main" spd="med" advClick="1"/>
+</p:sld>
+</file>
+
+<file path=ppt/slides/slide6.xml><?xml version="1.0" encoding="utf-8"?>
+<p:sld xmlns:a="http://schemas.openxmlformats.org/drawingml/2006/main" xmlns:r="http://schemas.openxmlformats.org/officeDocument/2006/relationships" xmlns:p="http://schemas.openxmlformats.org/presentationml/2006/main" showMasterSp="1" showMasterPhAnim="1">
+  <p:cSld>
+    <p:spTree>
+      <p:nvGrpSpPr>
+        <p:cNvPr id="1" name=""/>
+        <p:cNvGrpSpPr/>
+        <p:nvPr/>
+      </p:nvGrpSpPr>
+      <p:grpSpPr>
+        <a:xfrm>
+          <a:off x="0" y="0"/>
+          <a:ext cx="0" cy="0"/>
+          <a:chOff x="0" y="0"/>
+          <a:chExt cx="0" cy="0"/>
+        </a:xfrm>
+      </p:grpSpPr>
+      <p:sp>
+        <p:nvSpPr>
+          <p:cNvPr id="138" name="The KDD Cup 1999 Data"/>
+          <p:cNvSpPr txBox="1"/>
+          <p:nvPr>
+            <p:ph type="title"/>
+          </p:nvPr>
+        </p:nvSpPr>
+        <p:spPr>
+          <a:prstGeom prst="rect">
+            <a:avLst/>
+          </a:prstGeom>
+        </p:spPr>
+        <p:txBody>
+          <a:bodyPr/>
+          <a:lstStyle/>
+          <a:p>
+            <a:pPr/>
+            <a:r>
+              <a:t>The KDD Cup 1999 Data</a:t>
+            </a:r>
+          </a:p>
+        </p:txBody>
+      </p:sp>
+      <p:sp>
+        <p:nvSpPr>
+          <p:cNvPr id="139" name="Annual data mining competition of ACM…"/>
+          <p:cNvSpPr txBox="1"/>
+          <p:nvPr>
+            <p:ph type="body" idx="1"/>
+          </p:nvPr>
+        </p:nvSpPr>
+        <p:spPr>
+          <a:prstGeom prst="rect">
+            <a:avLst/>
+          </a:prstGeom>
+        </p:spPr>
+        <p:txBody>
+          <a:bodyPr/>
+          <a:lstStyle/>
+          <a:p>
+            <a:pPr/>
+            <a:r>
+              <a:t>Annual data mining competition of ACM</a:t>
+            </a:r>
+          </a:p>
+          <a:p>
+            <a:pPr/>
+            <a:r>
+              <a:t>Data collected for 4.9 million connections</a:t>
+            </a:r>
+          </a:p>
+          <a:p>
+            <a:pPr/>
+            <a:r>
+              <a:t>Raw data preprocessed for “interesting” features: protocol (TCP/UDP/…), bytes sent, login attempts, etc.</a:t>
+            </a:r>
+          </a:p>
+          <a:p>
+            <a:pPr/>
+            <a:r>
+              <a:t>Many “categorical features”</a:t>
+            </a:r>
+          </a:p>
+          <a:p>
+            <a:pPr/>
+            <a:r>
+              <a:t>Labeled for “known attacks”, but we would like to see if we can find “</a:t>
+            </a:r>
+            <a:r>
+              <a:rPr b="1"/>
+              <a:t>unknown attacks</a:t>
+            </a:r>
+            <a:r>
+              <a:t>”</a:t>
+            </a:r>
+          </a:p>
+        </p:txBody>
+      </p:sp>
+    </p:spTree>
+  </p:cSld>
+  <p:clrMapOvr>
+    <a:masterClrMapping/>
+  </p:clrMapOvr>
+  <p:transition xmlns:p14="http://schemas.microsoft.com/office/powerpoint/2010/main" spd="med" advClick="1"/>
+</p:sld>
+</file>
+
+<file path=ppt/slides/slide7.xml><?xml version="1.0" encoding="utf-8"?>
+<p:sld xmlns:a="http://schemas.openxmlformats.org/drawingml/2006/main" xmlns:r="http://schemas.openxmlformats.org/officeDocument/2006/relationships" xmlns:p="http://schemas.openxmlformats.org/presentationml/2006/main" showMasterSp="1" showMasterPhAnim="1">
+  <p:cSld>
+    <p:spTree>
+      <p:nvGrpSpPr>
+        <p:cNvPr id="1" name=""/>
+        <p:cNvGrpSpPr/>
+        <p:nvPr/>
+      </p:nvGrpSpPr>
+      <p:grpSpPr>
+        <a:xfrm>
+          <a:off x="0" y="0"/>
+          <a:ext cx="0" cy="0"/>
+          <a:chOff x="0" y="0"/>
+          <a:chExt cx="0" cy="0"/>
+        </a:xfrm>
+      </p:grpSpPr>
+      <p:sp>
+        <p:nvSpPr>
+          <p:cNvPr id="141" name="Analyzing with Scala on Spark"/>
+          <p:cNvSpPr txBox="1"/>
+          <p:nvPr>
+            <p:ph type="title"/>
+          </p:nvPr>
+        </p:nvSpPr>
+        <p:spPr>
+          <a:prstGeom prst="rect">
+            <a:avLst/>
+          </a:prstGeom>
+        </p:spPr>
+        <p:txBody>
+          <a:bodyPr/>
+          <a:lstStyle/>
+          <a:p>
+            <a:pPr/>
+            <a:r>
+              <a:t>Analyzing with Scala on Spark</a:t>
+            </a:r>
+          </a:p>
+        </p:txBody>
+      </p:sp>
+      <p:sp>
+        <p:nvSpPr>
+          <p:cNvPr id="142" name="Example Scala program from:…"/>
+          <p:cNvSpPr txBox="1"/>
+          <p:nvPr>
+            <p:ph type="body" idx="1"/>
+          </p:nvPr>
+        </p:nvSpPr>
+        <p:spPr>
+          <a:prstGeom prst="rect">
+            <a:avLst/>
+          </a:prstGeom>
+        </p:spPr>
+        <p:txBody>
+          <a:bodyPr/>
+          <a:lstStyle/>
+          <a:p>
+            <a:pPr/>
+            <a:r>
+              <a:t>Example Scala program from:</a:t>
+            </a:r>
+            <a:br/>
+            <a:br/>
+          </a:p>
+          <a:p>
+            <a:pPr/>
+            <a:r>
+              <a:t>For this particular dataset, local execution is feasible on a PC. However, we will use RDD access methods, so the analysis would proceed in a similar way for much bigger datasets too.</a:t>
+            </a:r>
+          </a:p>
+        </p:txBody>
+      </p:sp>
+    </p:spTree>
+  </p:cSld>
+  <p:clrMapOvr>
+    <a:masterClrMapping/>
+  </p:clrMapOvr>
+  <p:transition xmlns:p14="http://schemas.microsoft.com/office/powerpoint/2010/main" spd="med" advClick="1"/>
+</p:sld>
+</file>
+
+<file path=ppt/slides/slide8.xml><?xml version="1.0" encoding="utf-8"?>
+<p:sld xmlns:a="http://schemas.openxmlformats.org/drawingml/2006/main" xmlns:r="http://schemas.openxmlformats.org/officeDocument/2006/relationships" xmlns:p="http://schemas.openxmlformats.org/presentationml/2006/main" showMasterSp="1" showMasterPhAnim="1">
+  <p:cSld>
+    <p:spTree>
+      <p:nvGrpSpPr>
+        <p:cNvPr id="1" name=""/>
+        <p:cNvGrpSpPr/>
+        <p:nvPr/>
+      </p:nvGrpSpPr>
+      <p:grpSpPr>
+        <a:xfrm>
+          <a:off x="0" y="0"/>
+          <a:ext cx="0" cy="0"/>
+          <a:chOff x="0" y="0"/>
+          <a:chExt cx="0" cy="0"/>
+        </a:xfrm>
+      </p:grpSpPr>
+      <p:sp>
+        <p:nvSpPr>
+          <p:cNvPr id="144" name="Start with imports"/>
+          <p:cNvSpPr txBox="1"/>
+          <p:nvPr>
+            <p:ph type="title"/>
+          </p:nvPr>
+        </p:nvSpPr>
+        <p:spPr>
+          <a:prstGeom prst="rect">
+            <a:avLst/>
+          </a:prstGeom>
+        </p:spPr>
+        <p:txBody>
+          <a:bodyPr/>
+          <a:lstStyle/>
+          <a:p>
+            <a:pPr/>
+            <a:r>
+              <a:t>Start with imports</a:t>
+            </a:r>
+          </a:p>
+        </p:txBody>
+      </p:sp>
+      <p:sp>
+        <p:nvSpPr>
+          <p:cNvPr id="145" name="/*…"/>
+          <p:cNvSpPr txBox="1"/>
+          <p:nvPr/>
+        </p:nvSpPr>
+        <p:spPr>
+          <a:xfrm>
+            <a:off x="437221" y="1744979"/>
+            <a:ext cx="8269559" cy="4561841"/>
+          </a:xfrm>
+          <a:prstGeom prst="rect">
+            <a:avLst/>
+          </a:prstGeom>
+          <a:ln w="12700">
+            <a:miter lim="400000"/>
+          </a:ln>
+          <a:extLst>
+            <a:ext uri="{C572A759-6A51-4108-AA02-DFA0A04FC94B}">
+              <ma14:wrappingTextBoxFlag xmlns:ma14="http://schemas.microsoft.com/office/mac/drawingml/2011/main" val="1"/>
+            </a:ext>
+          </a:extLst>
+        </p:spPr>
+        <p:txBody>
+          <a:bodyPr wrap="none" lIns="45719" rIns="45719">
+            <a:spAutoFit/>
+          </a:bodyPr>
+          <a:lstStyle/>
+          <a:p>
+            <a:pPr/>
+            <a:r>
+              <a:t>/*</a:t>
+            </a:r>
+          </a:p>
+          <a:p>
+            <a:pPr/>
+            <a:r>
+              <a:t> * Copyright 2015 and onwards Sanford Ryza, Uri Laserson, Sean Owen and Joshua Wills</a:t>
+            </a:r>
+          </a:p>
+          <a:p>
+            <a:pPr/>
+            <a:r>
+              <a:t> *</a:t>
+            </a:r>
+          </a:p>
+          <a:p>
+            <a:pPr/>
+            <a:r>
+              <a:t> * See LICENSE file for further information.</a:t>
+            </a:r>
+          </a:p>
+          <a:p>
+            <a:pPr/>
+            <a:r>
+              <a:t> */</a:t>
+            </a:r>
+          </a:p>
+          <a:p>
+            <a:pPr/>
+          </a:p>
+          <a:p>
+            <a:pPr/>
+            <a:r>
+              <a:t>//package com.cloudera.datascience.kmeans</a:t>
+            </a:r>
+          </a:p>
+          <a:p>
+            <a:pPr/>
+          </a:p>
+          <a:p>
+            <a:pPr/>
+            <a:r>
+              <a:t>import org.apache.spark.ml.{PipelineModel, Pipeline}</a:t>
+            </a:r>
+          </a:p>
+          <a:p>
+            <a:pPr/>
+            <a:r>
+              <a:t>import org.apache.spark.ml.clustering.{KMeans, KMeansModel}</a:t>
+            </a:r>
+          </a:p>
+          <a:p>
+            <a:pPr/>
+            <a:r>
+              <a:t>import org.apache.spark.ml.feature.{OneHotEncoder, VectorAssembler, StringIndexer, StandardScaler}</a:t>
+            </a:r>
+          </a:p>
+          <a:p>
+            <a:pPr/>
+            <a:r>
+              <a:t>import org.apache.spark.ml.linalg.{Vector, Vectors}</a:t>
+            </a:r>
+          </a:p>
+          <a:p>
+            <a:pPr/>
+            <a:r>
+              <a:t>import org.apache.spark.sql.{DataFrame, SparkSession}</a:t>
+            </a:r>
+          </a:p>
+          <a:p>
+            <a:pPr/>
+            <a:r>
+              <a:t>import scala.util.Random</a:t>
+            </a:r>
+          </a:p>
+        </p:txBody>
+      </p:sp>
+    </p:spTree>
+  </p:cSld>
+  <p:clrMapOvr>
+    <a:masterClrMapping/>
+  </p:clrMapOvr>
+  <p:transition xmlns:p14="http://schemas.microsoft.com/office/powerpoint/2010/main" spd="med" advClick="1"/>
+</p:sld>
+</file>
+
+<file path=ppt/slides/slide9.xml><?xml version="1.0" encoding="utf-8"?>
+<p:sld xmlns:a="http://schemas.openxmlformats.org/drawingml/2006/main" xmlns:r="http://schemas.openxmlformats.org/officeDocument/2006/relationships" xmlns:p="http://schemas.openxmlformats.org/presentationml/2006/main" showMasterSp="1" showMasterPhAnim="1">
+  <p:cSld>
+    <p:spTree>
+      <p:nvGrpSpPr>
+        <p:cNvPr id="1" name=""/>
+        <p:cNvGrpSpPr/>
+        <p:nvPr/>
+      </p:nvGrpSpPr>
+      <p:grpSpPr>
+        <a:xfrm>
+          <a:off x="0" y="0"/>
+          <a:ext cx="0" cy="0"/>
+          <a:chOff x="0" y="0"/>
+          <a:chExt cx="0" cy="0"/>
+        </a:xfrm>
+      </p:grpSpPr>
+      <p:sp>
+        <p:nvSpPr>
+          <p:cNvPr id="149" name="Create an RDD from CSV data"/>
+          <p:cNvSpPr txBox="1"/>
+          <p:nvPr>
+            <p:ph type="title"/>
+          </p:nvPr>
+        </p:nvSpPr>
+        <p:spPr>
+          <a:prstGeom prst="rect">
+            <a:avLst/>
+          </a:prstGeom>
+        </p:spPr>
+        <p:txBody>
+          <a:bodyPr/>
+          <a:lstStyle/>
+          <a:p>
+            <a:pPr/>
+            <a:r>
+              <a:t>Create an RDD from CSV data</a:t>
+            </a:r>
+          </a:p>
+        </p:txBody>
+      </p:sp>
+      <p:sp>
+        <p:nvSpPr>
+          <p:cNvPr id="150" name="val data = spark.read.…"/>
+          <p:cNvSpPr txBox="1"/>
+          <p:nvPr/>
+        </p:nvSpPr>
+        <p:spPr>
+          <a:xfrm>
+            <a:off x="1200504" y="1681479"/>
+            <a:ext cx="6742992" cy="4917441"/>
+          </a:xfrm>
+          <a:prstGeom prst="rect">
+            <a:avLst/>
+          </a:prstGeom>
+          <a:ln w="12700">
+            <a:miter lim="400000"/>
+          </a:ln>
+          <a:extLst>
+            <a:ext uri="{C572A759-6A51-4108-AA02-DFA0A04FC94B}">
+              <ma14:wrappingTextBoxFlag xmlns:ma14="http://schemas.microsoft.com/office/mac/drawingml/2011/main" val="1"/>
+            </a:ext>
+          </a:extLst>
+        </p:spPr>
+        <p:txBody>
+          <a:bodyPr lIns="45719" rIns="45719">
+            <a:spAutoFit/>
+          </a:bodyPr>
+          <a:lstStyle/>
+          <a:p>
+            <a:pPr>
+              <a:defRPr sz="1600"/>
+            </a:pPr>
+            <a:r>
+              <a:t>  val data = spark.read.</a:t>
+            </a:r>
+          </a:p>
+          <a:p>
+            <a:pPr>
+              <a:defRPr sz="1600"/>
+            </a:pPr>
+            <a:r>
+              <a:t>      option("inferSchema", true).</a:t>
+            </a:r>
+          </a:p>
+          <a:p>
+            <a:pPr>
+              <a:defRPr sz="1600"/>
+            </a:pPr>
+            <a:r>
+              <a:t>      option("header", false).</a:t>
+            </a:r>
+          </a:p>
+          <a:p>
+            <a:pPr>
+              <a:defRPr sz="1600"/>
+            </a:pPr>
+            <a:r>
+              <a:t>      csv("kddcup.data").</a:t>
+            </a:r>
+          </a:p>
+          <a:p>
+            <a:pPr>
+              <a:defRPr sz="1600"/>
+            </a:pPr>
+            <a:r>
+              <a:t>      toDF(</a:t>
+            </a:r>
+          </a:p>
+          <a:p>
+            <a:pPr>
+              <a:defRPr sz="1600"/>
+            </a:pPr>
+            <a:r>
+              <a:t>        "duration", "protocol_type", "service", "flag",</a:t>
+            </a:r>
+          </a:p>
+          <a:p>
+            <a:pPr>
+              <a:defRPr sz="1600"/>
+            </a:pPr>
+            <a:r>
+              <a:t>        "src_bytes", "dst_bytes", "land", "wrong_fragment", "urgent",</a:t>
+            </a:r>
+          </a:p>
+          <a:p>
+            <a:pPr>
+              <a:defRPr sz="1600"/>
+            </a:pPr>
+            <a:r>
+              <a:t>        "hot", "num_failed_logins", "logged_in", "num_compromised",</a:t>
+            </a:r>
+          </a:p>
+          <a:p>
+            <a:pPr>
+              <a:defRPr sz="1600"/>
+            </a:pPr>
+            <a:r>
+              <a:t>        "root_shell", "su_attempted", "num_root", "num_file_creations",</a:t>
+            </a:r>
+          </a:p>
+          <a:p>
+            <a:pPr>
+              <a:defRPr sz="1600"/>
+            </a:pPr>
+            <a:r>
+              <a:t>        "num_shells", "num_access_files", "num_outbound_cmds",</a:t>
+            </a:r>
+          </a:p>
+          <a:p>
+            <a:pPr>
+              <a:defRPr sz="1600"/>
+            </a:pPr>
+            <a:r>
+              <a:t>        "is_host_login", "is_guest_login", "count", "srv_count",</a:t>
+            </a:r>
+          </a:p>
+          <a:p>
+            <a:pPr>
+              <a:defRPr sz="1600"/>
+            </a:pPr>
+            <a:r>
+              <a:t>        "serror_rate", "srv_serror_rate", "rerror_rate", "srv_rerror_rate",</a:t>
+            </a:r>
+          </a:p>
+          <a:p>
+            <a:pPr>
+              <a:defRPr sz="1600"/>
+            </a:pPr>
+            <a:r>
+              <a:t>        "same_srv_rate", "diff_srv_rate", "srv_diff_host_rate",</a:t>
+            </a:r>
+          </a:p>
+          <a:p>
+            <a:pPr>
+              <a:defRPr sz="1600"/>
+            </a:pPr>
+            <a:r>
+              <a:t>        "dst_host_count", "dst_host_srv_count",</a:t>
+            </a:r>
+          </a:p>
+          <a:p>
+            <a:pPr>
+              <a:defRPr sz="1600"/>
+            </a:pPr>
+            <a:r>
+              <a:t>        "dst_host_same_srv_rate", "dst_host_diff_srv_rate",</a:t>
+            </a:r>
+          </a:p>
+          <a:p>
+            <a:pPr>
+              <a:defRPr sz="1600"/>
+            </a:pPr>
+            <a:r>
+              <a:t>        "dst_host_same_src_port_rate", "dst_host_srv_diff_host_rate",</a:t>
+            </a:r>
+          </a:p>
+          <a:p>
+            <a:pPr>
+              <a:defRPr sz="1600"/>
+            </a:pPr>
+            <a:r>
+              <a:t>        "dst_host_serror_rate", "dst_host_srv_serror_rate",</a:t>
+            </a:r>
+          </a:p>
+          <a:p>
+            <a:pPr>
+              <a:defRPr sz="1600"/>
+            </a:pPr>
+            <a:r>
+              <a:t>        "dst_host_rerror_rate", "dst_host_srv_rerror_rate",</a:t>
+            </a:r>
+          </a:p>
+          <a:p>
+            <a:pPr>
+              <a:defRPr sz="1600"/>
+            </a:pPr>
+            <a:r>
+              <a:t>        "label")</a:t>
+            </a:r>
+          </a:p>
+        </p:txBody>
+      </p:sp>
     </p:spTree>
   </p:cSld>
   <p:clrMapOvr>

--- a/powerpoints/ITU Academy Slides AM4-11.pptx
+++ b/powerpoints/ITU Academy Slides AM4-11.pptx
@@ -30,6 +30,7 @@
     <p:sldId id="275" r:id="rId27"/>
     <p:sldId id="276" r:id="rId28"/>
     <p:sldId id="277" r:id="rId29"/>
+    <p:sldId id="278" r:id="rId30"/>
   </p:sldIdLst>
   <p:sldSz cx="9144000" cy="6858000"/>
   <p:notesSz cx="6858000" cy="9144000"/>
@@ -504,7 +505,7 @@
       </p:grpSpPr>
       <p:sp>
         <p:nvSpPr>
-          <p:cNvPr id="146" name="Shape 146"/>
+          <p:cNvPr id="143" name="Shape 143"/>
           <p:cNvSpPr/>
           <p:nvPr>
             <p:ph type="sldImg"/>
@@ -525,7 +526,7 @@
       </p:sp>
       <p:sp>
         <p:nvSpPr>
-          <p:cNvPr id="147" name="Shape 147"/>
+          <p:cNvPr id="144" name="Shape 144"/>
           <p:cNvSpPr/>
           <p:nvPr>
             <p:ph type="body" sz="quarter" idx="1"/>
@@ -542,7 +543,13 @@
           <a:p>
             <a:pPr/>
             <a:r>
-              <a:t>Call attention to the imports from the Machine Learning library, in particular to KMeans</a:t>
+              <a:t>We will use K-means analysis</a:t>
+            </a:r>
+          </a:p>
+          <a:p>
+            <a:pPr/>
+            <a:r>
+              <a:t>Remind students that this was covered in the FM7 lecture series</a:t>
             </a:r>
           </a:p>
         </p:txBody>
@@ -574,7 +581,7 @@
       </p:grpSpPr>
       <p:sp>
         <p:nvSpPr>
-          <p:cNvPr id="151" name="Shape 151"/>
+          <p:cNvPr id="148" name="Shape 148"/>
           <p:cNvSpPr/>
           <p:nvPr>
             <p:ph type="sldImg"/>
@@ -595,7 +602,7 @@
       </p:sp>
       <p:sp>
         <p:nvSpPr>
-          <p:cNvPr id="152" name="Shape 152"/>
+          <p:cNvPr id="149" name="Shape 149"/>
           <p:cNvSpPr/>
           <p:nvPr>
             <p:ph type="body" sz="quarter" idx="1"/>
@@ -612,25 +619,7 @@
           <a:p>
             <a:pPr/>
             <a:r>
-              <a:t>Remind students to the functional characteristics of the Scala language.</a:t>
-            </a:r>
-          </a:p>
-          <a:p>
-            <a:pPr/>
-            <a:r>
-              <a:t>Methods are chained by dots “.”</a:t>
-            </a:r>
-          </a:p>
-          <a:p>
-            <a:pPr/>
-            <a:r>
-              <a:t>Instead of creating intermediate temporary variables, the anonymous value of the previous method application is transformed by the next method.</a:t>
-            </a:r>
-          </a:p>
-          <a:p>
-            <a:pPr/>
-            <a:r>
-              <a:t>Note that this is possible (although not common) in Python too.</a:t>
+              <a:t>Call attention to the imports from the Machine Learning library, in particular to KMeans</a:t>
             </a:r>
           </a:p>
         </p:txBody>
@@ -662,7 +651,7 @@
       </p:grpSpPr>
       <p:sp>
         <p:nvSpPr>
-          <p:cNvPr id="156" name="Shape 156"/>
+          <p:cNvPr id="153" name="Shape 153"/>
           <p:cNvSpPr/>
           <p:nvPr>
             <p:ph type="sldImg"/>
@@ -683,7 +672,7 @@
       </p:sp>
       <p:sp>
         <p:nvSpPr>
-          <p:cNvPr id="157" name="Shape 157"/>
+          <p:cNvPr id="154" name="Shape 154"/>
           <p:cNvSpPr/>
           <p:nvPr>
             <p:ph type="body" sz="quarter" idx="1"/>
@@ -700,7 +689,25 @@
           <a:p>
             <a:pPr/>
             <a:r>
-              <a:t>Discuss the reason for using these particular options.</a:t>
+              <a:t>Remind students to the functional characteristics of the Scala language.</a:t>
+            </a:r>
+          </a:p>
+          <a:p>
+            <a:pPr/>
+            <a:r>
+              <a:t>Methods are chained by dots “.”</a:t>
+            </a:r>
+          </a:p>
+          <a:p>
+            <a:pPr/>
+            <a:r>
+              <a:t>Instead of creating intermediate temporary variables, the anonymous value of the previous method application is transformed by the next method.</a:t>
+            </a:r>
+          </a:p>
+          <a:p>
+            <a:pPr/>
+            <a:r>
+              <a:t>Note that this is possible (although not common) in Python too.</a:t>
             </a:r>
           </a:p>
         </p:txBody>
@@ -732,7 +739,7 @@
       </p:grpSpPr>
       <p:sp>
         <p:nvSpPr>
-          <p:cNvPr id="161" name="Shape 161"/>
+          <p:cNvPr id="158" name="Shape 158"/>
           <p:cNvSpPr/>
           <p:nvPr>
             <p:ph type="sldImg"/>
@@ -753,7 +760,7 @@
       </p:sp>
       <p:sp>
         <p:nvSpPr>
-          <p:cNvPr id="162" name="Shape 162"/>
+          <p:cNvPr id="159" name="Shape 159"/>
           <p:cNvSpPr/>
           <p:nvPr>
             <p:ph type="body" sz="quarter" idx="1"/>
@@ -770,25 +777,7 @@
           <a:p>
             <a:pPr/>
             <a:r>
-              <a:t>Explain one-hot coding: what would be the problems if we kept encoding categories by enumeration?</a:t>
-            </a:r>
-          </a:p>
-          <a:p>
-            <a:pPr/>
-            <a:r>
-              <a:t>(followed in next slide)</a:t>
-            </a:r>
-          </a:p>
-          <a:p>
-            <a:pPr/>
-            <a:r>
-              <a:t>Caution: there is no automatic interlock between the categories, we need to be careful to have only one “1”,</a:t>
-            </a:r>
-          </a:p>
-          <a:p>
-            <a:pPr/>
-            <a:r>
-              <a:t>the built-in methods take care of this point.</a:t>
+              <a:t>Discuss the reason for using these particular options.</a:t>
             </a:r>
           </a:p>
         </p:txBody>
@@ -820,7 +809,7 @@
       </p:grpSpPr>
       <p:sp>
         <p:nvSpPr>
-          <p:cNvPr id="169" name="Shape 169"/>
+          <p:cNvPr id="163" name="Shape 163"/>
           <p:cNvSpPr/>
           <p:nvPr>
             <p:ph type="sldImg"/>
@@ -841,7 +830,7 @@
       </p:sp>
       <p:sp>
         <p:nvSpPr>
-          <p:cNvPr id="170" name="Shape 170"/>
+          <p:cNvPr id="164" name="Shape 164"/>
           <p:cNvSpPr/>
           <p:nvPr>
             <p:ph type="body" sz="quarter" idx="1"/>
@@ -858,13 +847,25 @@
           <a:p>
             <a:pPr/>
             <a:r>
-              <a:t>Pay attention to the comment, expand it.</a:t>
-            </a:r>
-          </a:p>
-          <a:p>
-            <a:pPr/>
-            <a:r>
-              <a:t>Function is continued in next slide, remind students that “data” and “k” are input parameters</a:t>
+              <a:t>Explain one-hot coding: what would be the problems if we kept encoding categories by enumeration?</a:t>
+            </a:r>
+          </a:p>
+          <a:p>
+            <a:pPr/>
+            <a:r>
+              <a:t>(followed in next slide)</a:t>
+            </a:r>
+          </a:p>
+          <a:p>
+            <a:pPr/>
+            <a:r>
+              <a:t>Caution: there is no automatic interlock between the categories, we need to be careful to have only one “1”,</a:t>
+            </a:r>
+          </a:p>
+          <a:p>
+            <a:pPr/>
+            <a:r>
+              <a:t>the built-in methods take care of this point.</a:t>
             </a:r>
           </a:p>
         </p:txBody>
@@ -896,7 +897,7 @@
       </p:grpSpPr>
       <p:sp>
         <p:nvSpPr>
-          <p:cNvPr id="197" name="Shape 197"/>
+          <p:cNvPr id="171" name="Shape 171"/>
           <p:cNvSpPr/>
           <p:nvPr>
             <p:ph type="sldImg"/>
@@ -917,7 +918,83 @@
       </p:sp>
       <p:sp>
         <p:nvSpPr>
-          <p:cNvPr id="198" name="Shape 198"/>
+          <p:cNvPr id="172" name="Shape 172"/>
+          <p:cNvSpPr/>
+          <p:nvPr>
+            <p:ph type="body" sz="quarter" idx="1"/>
+          </p:nvPr>
+        </p:nvSpPr>
+        <p:spPr>
+          <a:prstGeom prst="rect">
+            <a:avLst/>
+          </a:prstGeom>
+        </p:spPr>
+        <p:txBody>
+          <a:bodyPr/>
+          <a:lstStyle/>
+          <a:p>
+            <a:pPr/>
+            <a:r>
+              <a:t>Pay attention to the comment, expand it.</a:t>
+            </a:r>
+          </a:p>
+          <a:p>
+            <a:pPr/>
+            <a:r>
+              <a:t>Function is continued in next slide, remind students that “data” and “k” are input parameters</a:t>
+            </a:r>
+          </a:p>
+        </p:txBody>
+      </p:sp>
+    </p:spTree>
+  </p:cSld>
+  <p:clrMapOvr>
+    <a:masterClrMapping/>
+  </p:clrMapOvr>
+</p:notes>
+</file>
+
+<file path=ppt/notesSlides/notesSlide7.xml><?xml version="1.0" encoding="utf-8"?>
+<p:notes xmlns:a="http://schemas.openxmlformats.org/drawingml/2006/main" xmlns:r="http://schemas.openxmlformats.org/officeDocument/2006/relationships" xmlns:p="http://schemas.openxmlformats.org/presentationml/2006/main" showMasterSp="1" showMasterPhAnim="1">
+  <p:cSld>
+    <p:spTree>
+      <p:nvGrpSpPr>
+        <p:cNvPr id="1" name=""/>
+        <p:cNvGrpSpPr/>
+        <p:nvPr/>
+      </p:nvGrpSpPr>
+      <p:grpSpPr>
+        <a:xfrm>
+          <a:off x="0" y="0"/>
+          <a:ext cx="0" cy="0"/>
+          <a:chOff x="0" y="0"/>
+          <a:chExt cx="0" cy="0"/>
+        </a:xfrm>
+      </p:grpSpPr>
+      <p:sp>
+        <p:nvSpPr>
+          <p:cNvPr id="199" name="Shape 199"/>
+          <p:cNvSpPr/>
+          <p:nvPr>
+            <p:ph type="sldImg"/>
+          </p:nvPr>
+        </p:nvSpPr>
+        <p:spPr>
+          <a:prstGeom prst="rect">
+            <a:avLst/>
+          </a:prstGeom>
+        </p:spPr>
+        <p:txBody>
+          <a:bodyPr/>
+          <a:lstStyle/>
+          <a:p>
+            <a:pPr/>
+          </a:p>
+        </p:txBody>
+      </p:sp>
+      <p:sp>
+        <p:nvSpPr>
+          <p:cNvPr id="200" name="Shape 200"/>
           <p:cNvSpPr/>
           <p:nvPr>
             <p:ph type="body" sz="quarter" idx="1"/>
@@ -3855,7 +3932,7 @@
       </p:grpSpPr>
       <p:sp>
         <p:nvSpPr>
-          <p:cNvPr id="154" name="Comments on the RDD"/>
+          <p:cNvPr id="156" name="Comments on the RDD"/>
           <p:cNvSpPr txBox="1"/>
           <p:nvPr>
             <p:ph type="title"/>
@@ -3879,7 +3956,7 @@
       </p:sp>
       <p:sp>
         <p:nvSpPr>
-          <p:cNvPr id="155" name="option(&quot;inferSchema&quot;, true) Scala infers the type of the input variables from their values…"/>
+          <p:cNvPr id="157" name="option(&quot;inferSchema&quot;, true) Scala infers the type of the input variables from their values…"/>
           <p:cNvSpPr txBox="1"/>
           <p:nvPr>
             <p:ph type="body" idx="1"/>
@@ -3953,7 +4030,7 @@
       </p:grpSpPr>
       <p:sp>
         <p:nvSpPr>
-          <p:cNvPr id="159" name="Pipeline for one-hot encoding"/>
+          <p:cNvPr id="161" name="Pipeline for one-hot encoding"/>
           <p:cNvSpPr txBox="1"/>
           <p:nvPr>
             <p:ph type="title"/>
@@ -3977,7 +4054,7 @@
       </p:sp>
       <p:sp>
         <p:nvSpPr>
-          <p:cNvPr id="160" name="def oneHotPipeline(inputCol: String): (Pipeline, String) = {…"/>
+          <p:cNvPr id="162" name="def oneHotPipeline(inputCol: String): (Pipeline, String) = {…"/>
           <p:cNvSpPr txBox="1"/>
           <p:nvPr/>
         </p:nvSpPr>
@@ -4093,7 +4170,7 @@
       </p:grpSpPr>
       <p:sp>
         <p:nvSpPr>
-          <p:cNvPr id="164" name="Comments on “one-hot”"/>
+          <p:cNvPr id="166" name="Comments on “one-hot”"/>
           <p:cNvSpPr txBox="1"/>
           <p:nvPr>
             <p:ph type="title"/>
@@ -4117,7 +4194,7 @@
       </p:sp>
       <p:sp>
         <p:nvSpPr>
-          <p:cNvPr id="165" name="For categorical data without any ordering between the categories, the usual encoding is: 1 -&gt;  1 0 0 0 … 2 -&gt;  0 1 0 0 … 3 -&gt;  0 0 1 0 … etc.…"/>
+          <p:cNvPr id="167" name="For categorical data without any ordering between the categories, the usual encoding is: 1 -&gt;  1 0 0 0 … 2 -&gt;  0 1 0 0 … 3 -&gt;  0 0 1 0 … etc.…"/>
           <p:cNvSpPr txBox="1"/>
           <p:nvPr>
             <p:ph type="body" idx="1"/>
@@ -4189,7 +4266,7 @@
       </p:grpSpPr>
       <p:sp>
         <p:nvSpPr>
-          <p:cNvPr id="167" name="Pipeline for all data (1)"/>
+          <p:cNvPr id="169" name="Pipeline for all data (1)"/>
           <p:cNvSpPr txBox="1"/>
           <p:nvPr>
             <p:ph type="title"/>
@@ -4213,7 +4290,7 @@
       </p:sp>
       <p:sp>
         <p:nvSpPr>
-          <p:cNvPr id="168" name="def fitPipeline4(data: DataFrame, k: Int): PipelineModel = {…"/>
+          <p:cNvPr id="170" name="def fitPipeline4(data: DataFrame, k: Int): PipelineModel = {…"/>
           <p:cNvSpPr txBox="1"/>
           <p:nvPr/>
         </p:nvSpPr>
@@ -4341,7 +4418,7 @@
       </p:grpSpPr>
       <p:sp>
         <p:nvSpPr>
-          <p:cNvPr id="172" name="Pipeline for all data (2)"/>
+          <p:cNvPr id="174" name="Pipeline for all data (2)"/>
           <p:cNvSpPr txBox="1"/>
           <p:nvPr>
             <p:ph type="title"/>
@@ -4365,7 +4442,7 @@
       </p:sp>
       <p:sp>
         <p:nvSpPr>
-          <p:cNvPr id="173" name="val scaler = new StandardScaler()…"/>
+          <p:cNvPr id="175" name="val scaler = new StandardScaler()…"/>
           <p:cNvSpPr txBox="1"/>
           <p:nvPr/>
         </p:nvSpPr>
@@ -4523,7 +4600,7 @@
       </p:grpSpPr>
       <p:sp>
         <p:nvSpPr>
-          <p:cNvPr id="175" name="Comments on K-means"/>
+          <p:cNvPr id="177" name="Comments on K-means"/>
           <p:cNvSpPr txBox="1"/>
           <p:nvPr>
             <p:ph type="title"/>
@@ -4547,7 +4624,7 @@
       </p:sp>
       <p:sp>
         <p:nvSpPr>
-          <p:cNvPr id="176" name="Imported from the clustering library…"/>
+          <p:cNvPr id="178" name="Imported from the clustering library…"/>
           <p:cNvSpPr txBox="1"/>
           <p:nvPr>
             <p:ph type="body" idx="1"/>
@@ -4635,7 +4712,7 @@
       </p:grpSpPr>
       <p:sp>
         <p:nvSpPr>
-          <p:cNvPr id="178" name="The anomaly detector"/>
+          <p:cNvPr id="180" name="The anomaly detector"/>
           <p:cNvSpPr txBox="1"/>
           <p:nvPr>
             <p:ph type="title"/>
@@ -4659,7 +4736,7 @@
       </p:sp>
       <p:sp>
         <p:nvSpPr>
-          <p:cNvPr id="179" name="// Detect anomalies…"/>
+          <p:cNvPr id="181" name="// Detect anomalies…"/>
           <p:cNvSpPr txBox="1"/>
           <p:nvPr/>
         </p:nvSpPr>
@@ -4884,7 +4961,7 @@
       </p:grpSpPr>
       <p:sp>
         <p:nvSpPr>
-          <p:cNvPr id="181" name="Comments on the detector"/>
+          <p:cNvPr id="183" name="Comments on the detector"/>
           <p:cNvSpPr txBox="1"/>
           <p:nvPr>
             <p:ph type="title"/>
@@ -4908,7 +4985,7 @@
       </p:sp>
       <p:sp>
         <p:nvSpPr>
-          <p:cNvPr id="182" name="What is an anomaly? Here we define it as those data points that are in the “loosest” clusters (the clusters with the largest mean square distances)…"/>
+          <p:cNvPr id="184" name="What is an anomaly? Here we define it as those data points that are in the “loosest” clusters (the clusters with the largest mean square distances)…"/>
           <p:cNvSpPr txBox="1"/>
           <p:nvPr>
             <p:ph type="body" idx="1"/>
@@ -4974,7 +5051,7 @@
       </p:grpSpPr>
       <p:sp>
         <p:nvSpPr>
-          <p:cNvPr id="184" name="Result of running it on the RDD"/>
+          <p:cNvPr id="186" name="Result of running it on the RDD"/>
           <p:cNvSpPr txBox="1"/>
           <p:nvPr>
             <p:ph type="title"/>
@@ -4996,16 +5073,26 @@
           </a:p>
         </p:txBody>
       </p:sp>
-      <p:sp>
-        <p:nvSpPr>
-          <p:cNvPr id="185" name="pipelineModel: org.apache.spark.ml.PipelineModel = pipeline_0d2ee85b24c0…"/>
-          <p:cNvSpPr txBox="1"/>
+      <p:pic>
+        <p:nvPicPr>
+          <p:cNvPr id="187" name="Image" descr="Image"/>
+          <p:cNvPicPr>
+            <a:picLocks noChangeAspect="1"/>
+          </p:cNvPicPr>
           <p:nvPr/>
-        </p:nvSpPr>
+        </p:nvPicPr>
+        <p:blipFill>
+          <a:blip r:embed="rId2">
+            <a:extLst/>
+          </a:blip>
+          <a:stretch>
+            <a:fillRect/>
+          </a:stretch>
+        </p:blipFill>
         <p:spPr>
           <a:xfrm>
-            <a:off x="285013" y="1383042"/>
-            <a:ext cx="9158174" cy="5158716"/>
+            <a:off x="555827" y="1636138"/>
+            <a:ext cx="8485629" cy="4574038"/>
           </a:xfrm>
           <a:prstGeom prst="rect">
             <a:avLst/>
@@ -5013,152 +5100,8 @@
           <a:ln w="12700">
             <a:miter lim="400000"/>
           </a:ln>
-          <a:extLst>
-            <a:ext uri="{C572A759-6A51-4108-AA02-DFA0A04FC94B}">
-              <ma14:wrappingTextBoxFlag xmlns:ma14="http://schemas.microsoft.com/office/mac/drawingml/2011/main" val="1"/>
-            </a:ext>
-          </a:extLst>
-        </p:spPr>
-        <p:txBody>
-          <a:bodyPr wrap="none" lIns="45719" rIns="45719">
-            <a:spAutoFit/>
-          </a:bodyPr>
-          <a:lstStyle/>
-          <a:p>
-            <a:pPr defTabSz="457200">
-              <a:lnSpc>
-                <a:spcPts val="3000"/>
-              </a:lnSpc>
-              <a:defRPr sz="1200">
-                <a:solidFill>
-                  <a:srgbClr val="212121"/>
-                </a:solidFill>
-                <a:latin typeface="Monaco"/>
-                <a:ea typeface="Monaco"/>
-                <a:cs typeface="Monaco"/>
-                <a:sym typeface="Monaco"/>
-              </a:defRPr>
-            </a:pPr>
-            <a:r>
-              <a:t>pipelineModel: org.apache.spark.ml.PipelineModel = pipeline_0d2ee85b24c0</a:t>
-            </a:r>
-          </a:p>
-          <a:p>
-            <a:pPr defTabSz="457200">
-              <a:lnSpc>
-                <a:spcPts val="3000"/>
-              </a:lnSpc>
-              <a:defRPr sz="1200">
-                <a:solidFill>
-                  <a:srgbClr val="212121"/>
-                </a:solidFill>
-                <a:latin typeface="Monaco"/>
-                <a:ea typeface="Monaco"/>
-                <a:cs typeface="Monaco"/>
-                <a:sym typeface="Monaco"/>
-              </a:defRPr>
-            </a:pPr>
-            <a:r>
-              <a:t>kMeansModel: org.apache.spark.ml.clustering.KMeansModel = kmeans_8c6857cc9e84</a:t>
-            </a:r>
-          </a:p>
-          <a:p>
-            <a:pPr defTabSz="457200">
-              <a:lnSpc>
-                <a:spcPts val="3000"/>
-              </a:lnSpc>
-              <a:defRPr sz="1200">
-                <a:solidFill>
-                  <a:srgbClr val="212121"/>
-                </a:solidFill>
-                <a:latin typeface="Monaco"/>
-                <a:ea typeface="Monaco"/>
-                <a:cs typeface="Monaco"/>
-                <a:sym typeface="Monaco"/>
-              </a:defRPr>
-            </a:pPr>
-            <a:r>
-              <a:t>centroids: Array[org.apache.spark.ml.linalg.Vector] = Array([0.0,0.0,0.0,2.058262486412483,0.0,0.10920395448623757,0.10833159570368915,1.1586351225764129,0.0,0.0,0.0,2.6182969174943955,0.0,0.0,0.0,0.0,0.0,0.0,2.615780694544565,0.7165822051000074,0.0,0.0,0.0,3.981128660079003,2.5626245410600087E-5,2.6165856479870513,2.6186447141274205,0.04665078456145298,0.0,0.11781708498568845,0.6070921233497901,0.0,3.4919355146457485E-6,0.0,0.0,4.060405401727793E-5,5.2852564512542616E-5,0.0,0.0,2.616753580669795,0.0,0.0,0.0,0.0,0.0,0.0,0.0,0.0,0.0,0.0,2.3881332108315823,0.004716726755408161,0.011574121563440157,0.0,0.0,0.0,0.0,0.0,0.0,0.0,0.0,0.0,0.0,0.0,0.0,0.0,0.0,0.0,0.0,0.0,0.0,0.0,0.0,0.0,0.0,0.0,0.0,0.0,0.0,0.0,0.0,0.0,0.0,0.0,0.0,0.0,0.0,0.0,0.0,0.0,0.0,0.0,0.0,0.0,0.0,0.0,0.0,0.0,0.0,0.0,0.0,0....clustered: org.apache.spark.sql.DataFrame = [duration: int, protocol_type: string ... 49 more fields]</a:t>
-            </a:r>
-          </a:p>
-          <a:p>
-            <a:pPr defTabSz="457200">
-              <a:lnSpc>
-                <a:spcPts val="3000"/>
-              </a:lnSpc>
-              <a:defRPr sz="1200">
-                <a:solidFill>
-                  <a:srgbClr val="212121"/>
-                </a:solidFill>
-                <a:latin typeface="Monaco"/>
-                <a:ea typeface="Monaco"/>
-                <a:cs typeface="Monaco"/>
-                <a:sym typeface="Monaco"/>
-              </a:defRPr>
-            </a:pPr>
-            <a:r>
-              <a:t>threshold: Double = 5848.785049666572</a:t>
-            </a:r>
-          </a:p>
-          <a:p>
-            <a:pPr defTabSz="457200">
-              <a:lnSpc>
-                <a:spcPts val="3000"/>
-              </a:lnSpc>
-              <a:defRPr sz="1200">
-                <a:solidFill>
-                  <a:srgbClr val="212121"/>
-                </a:solidFill>
-                <a:latin typeface="Monaco"/>
-                <a:ea typeface="Monaco"/>
-                <a:cs typeface="Monaco"/>
-                <a:sym typeface="Monaco"/>
-              </a:defRPr>
-            </a:pPr>
-            <a:r>
-              <a:t>originalCols: Array[String] = Array(duration, protocol_type, service, flag, src_bytes, dst_bytes, land, wrong_fragment, urgent, hot, num_failed_logins, logged_in, num_compromised, root_shell, su_attempted, num_root, num_file_creations, num_shells, num_access_files, num_outbound_cmds, is_host_login, is_guest_login, count, srv_count, serror_rate, srv_serror_rate, rerror_rate, srv_rerror_rate, same_srv_rate, diff_srv_rate, srv_diff_host_rate, dst_host_count, dst_host_srv_count, dst_host_same_srv_rate, dst_host_diff_srv_rate, dst_host_same_src_port_rate, dst_host_srv_diff_host_rate, dst_host_serror_rate, dst_host_srv_serror_rate, dst_host_rerror_rate, dst_host_srv_rerror_rate, label)</a:t>
-            </a:r>
-          </a:p>
-          <a:p>
-            <a:pPr defTabSz="457200">
-              <a:lnSpc>
-                <a:spcPts val="3000"/>
-              </a:lnSpc>
-              <a:defRPr sz="1200">
-                <a:solidFill>
-                  <a:srgbClr val="212121"/>
-                </a:solidFill>
-                <a:latin typeface="Monaco"/>
-                <a:ea typeface="Monaco"/>
-                <a:cs typeface="Monaco"/>
-                <a:sym typeface="Monaco"/>
-              </a:defRPr>
-            </a:pPr>
-            <a:r>
-              <a:t>anomalies: org.apache.spark.sql.DataFrame = [duration: int, protocol_type: string ... 40 more fields]</a:t>
-            </a:r>
-          </a:p>
-          <a:p>
-            <a:pPr defTabSz="457200">
-              <a:lnSpc>
-                <a:spcPts val="3000"/>
-              </a:lnSpc>
-              <a:defRPr sz="1200">
-                <a:solidFill>
-                  <a:srgbClr val="212121"/>
-                </a:solidFill>
-                <a:latin typeface="Monaco"/>
-                <a:ea typeface="Monaco"/>
-                <a:cs typeface="Monaco"/>
-                <a:sym typeface="Monaco"/>
-              </a:defRPr>
-            </a:pPr>
-            <a:r>
-              <a:t>[Lorg.apache.spark.sql.Row;@5cd36431</a:t>
-            </a:r>
-          </a:p>
-        </p:txBody>
-      </p:sp>
+        </p:spPr>
+      </p:pic>
     </p:spTree>
   </p:cSld>
   <p:clrMapOvr>
@@ -5187,7 +5130,7 @@
       </p:grpSpPr>
       <p:sp>
         <p:nvSpPr>
-          <p:cNvPr id="187" name="From the Zeppelin notebook:  println(anomalies.first())…"/>
+          <p:cNvPr id="189" name="From the Zeppelin notebook:  println(anomalies.first())…"/>
           <p:cNvSpPr txBox="1"/>
           <p:nvPr>
             <p:ph type="body" idx="1"/>
@@ -5224,7 +5167,7 @@
       </p:sp>
       <p:sp>
         <p:nvSpPr>
-          <p:cNvPr id="188" name="The most extreme data point"/>
+          <p:cNvPr id="190" name="The most extreme data point"/>
           <p:cNvSpPr txBox="1"/>
           <p:nvPr>
             <p:ph type="title"/>
@@ -5253,16 +5196,26 @@
           </a:p>
         </p:txBody>
       </p:sp>
-      <p:sp>
-        <p:nvSpPr>
-          <p:cNvPr id="189" name="[0,tcp,telnet,S1,145,13236,0,0,0,0,0,1,31,1,2,38,0,0,0,0,0,0,1,1,1.0,1.0,0.0,0.0,1.0,0.0,0.0,29,10,0.28,0.1,0.03,0.2,0.07,0.2,0.0,0.0,normal.]"/>
-          <p:cNvSpPr txBox="1"/>
+      <p:pic>
+        <p:nvPicPr>
+          <p:cNvPr id="191" name="Image" descr="Image"/>
+          <p:cNvPicPr>
+            <a:picLocks noChangeAspect="1"/>
+          </p:cNvPicPr>
           <p:nvPr/>
-        </p:nvSpPr>
+        </p:nvPicPr>
+        <p:blipFill>
+          <a:blip r:embed="rId2">
+            <a:extLst/>
+          </a:blip>
+          <a:stretch>
+            <a:fillRect/>
+          </a:stretch>
+        </p:blipFill>
         <p:spPr>
           <a:xfrm>
-            <a:off x="622840" y="2801569"/>
-            <a:ext cx="8103107" cy="713716"/>
+            <a:off x="834100" y="2902777"/>
+            <a:ext cx="7020715" cy="511632"/>
           </a:xfrm>
           <a:prstGeom prst="rect">
             <a:avLst/>
@@ -5270,40 +5223,8 @@
           <a:ln w="12700">
             <a:miter lim="400000"/>
           </a:ln>
-          <a:extLst>
-            <a:ext uri="{C572A759-6A51-4108-AA02-DFA0A04FC94B}">
-              <ma14:wrappingTextBoxFlag xmlns:ma14="http://schemas.microsoft.com/office/mac/drawingml/2011/main" val="1"/>
-            </a:ext>
-          </a:extLst>
-        </p:spPr>
-        <p:txBody>
-          <a:bodyPr lIns="45719" rIns="45719">
-            <a:spAutoFit/>
-          </a:bodyPr>
-          <a:lstStyle>
-            <a:lvl1pPr defTabSz="457200">
-              <a:lnSpc>
-                <a:spcPts val="3100"/>
-              </a:lnSpc>
-              <a:defRPr sz="1200">
-                <a:solidFill>
-                  <a:srgbClr val="212121"/>
-                </a:solidFill>
-                <a:latin typeface="Monaco"/>
-                <a:ea typeface="Monaco"/>
-                <a:cs typeface="Monaco"/>
-                <a:sym typeface="Monaco"/>
-              </a:defRPr>
-            </a:lvl1pPr>
-          </a:lstStyle>
-          <a:p>
-            <a:pPr/>
-            <a:r>
-              <a:t>[0,tcp,telnet,S1,145,13236,0,0,0,0,0,1,31,1,2,38,0,0,0,0,0,0,1,1,1.0,1.0,0.0,0.0,1.0,0.0,0.0,29,10,0.28,0.1,0.03,0.2,0.07,0.2,0.0,0.0,normal.]</a:t>
-            </a:r>
-          </a:p>
-        </p:txBody>
-      </p:sp>
+        </p:spPr>
+      </p:pic>
     </p:spTree>
   </p:cSld>
   <p:clrMapOvr>
@@ -5406,7 +5327,7 @@
       </p:grpSpPr>
       <p:sp>
         <p:nvSpPr>
-          <p:cNvPr id="191" name="From the Zeppelin notebook:  println(anomalies.take(2).last)…"/>
+          <p:cNvPr id="193" name="From the Zeppelin notebook:  println(anomalies.take(2).last)…"/>
           <p:cNvSpPr txBox="1"/>
           <p:nvPr>
             <p:ph type="body" idx="1"/>
@@ -5457,7 +5378,7 @@
       </p:sp>
       <p:sp>
         <p:nvSpPr>
-          <p:cNvPr id="192" name="The next extreme data point"/>
+          <p:cNvPr id="194" name="The next extreme data point"/>
           <p:cNvSpPr txBox="1"/>
           <p:nvPr>
             <p:ph type="title"/>
@@ -5486,16 +5407,26 @@
           </a:p>
         </p:txBody>
       </p:sp>
-      <p:sp>
-        <p:nvSpPr>
-          <p:cNvPr id="193" name="[9,tcp,telnet,SF,307,2374,0,0,1,0,0,1,0,1,0,1,3,1,0,0,0,0,1,1,0.0,0.0,0.0,0.0,1.0,0.0,0.0,69,4,0.03,0.04,0.01,0.75,0.0,0.0,0.0,0.0,normal.]"/>
-          <p:cNvSpPr txBox="1"/>
+      <p:pic>
+        <p:nvPicPr>
+          <p:cNvPr id="195" name="Image" descr="Image"/>
+          <p:cNvPicPr>
+            <a:picLocks noChangeAspect="1"/>
+          </p:cNvPicPr>
           <p:nvPr/>
-        </p:nvSpPr>
+        </p:nvPicPr>
+        <p:blipFill>
+          <a:blip r:embed="rId2">
+            <a:extLst/>
+          </a:blip>
+          <a:stretch>
+            <a:fillRect/>
+          </a:stretch>
+        </p:blipFill>
         <p:spPr>
           <a:xfrm>
-            <a:off x="622840" y="2801569"/>
-            <a:ext cx="8103107" cy="1526516"/>
+            <a:off x="1233740" y="2722176"/>
+            <a:ext cx="7457114" cy="748707"/>
           </a:xfrm>
           <a:prstGeom prst="rect">
             <a:avLst/>
@@ -5503,86 +5434,8 @@
           <a:ln w="12700">
             <a:miter lim="400000"/>
           </a:ln>
-          <a:extLst>
-            <a:ext uri="{C572A759-6A51-4108-AA02-DFA0A04FC94B}">
-              <ma14:wrappingTextBoxFlag xmlns:ma14="http://schemas.microsoft.com/office/mac/drawingml/2011/main" val="1"/>
-            </a:ext>
-          </a:extLst>
-        </p:spPr>
-        <p:txBody>
-          <a:bodyPr lIns="45719" rIns="45719">
-            <a:spAutoFit/>
-          </a:bodyPr>
-          <a:lstStyle/>
-          <a:p>
-            <a:pPr defTabSz="457200">
-              <a:lnSpc>
-                <a:spcPts val="3100"/>
-              </a:lnSpc>
-              <a:defRPr sz="1200">
-                <a:solidFill>
-                  <a:srgbClr val="212121"/>
-                </a:solidFill>
-                <a:latin typeface="Monaco"/>
-                <a:ea typeface="Monaco"/>
-                <a:cs typeface="Monaco"/>
-                <a:sym typeface="Monaco"/>
-              </a:defRPr>
-            </a:pPr>
-            <a:r>
-              <a:t>[9,tcp,telnet,SF,307,2374,0,0,1,0,0,1,0,1,0,1,3,1,0,0,0,0,1,1,0.0,0.0,0.0,0.0,1.0,0.0,0.0,69,4,0.03,0.04,0.01,0.75,0.0,0.0,0.0,0.0,normal.]</a:t>
-            </a:r>
-          </a:p>
-          <a:p>
-            <a:pPr defTabSz="457200">
-              <a:lnSpc>
-                <a:spcPts val="3100"/>
-              </a:lnSpc>
-              <a:defRPr sz="1200">
-                <a:solidFill>
-                  <a:srgbClr val="212121"/>
-                </a:solidFill>
-                <a:latin typeface="Monaco"/>
-                <a:ea typeface="Monaco"/>
-                <a:cs typeface="Monaco"/>
-                <a:sym typeface="Monaco"/>
-              </a:defRPr>
-            </a:pPr>
-          </a:p>
-          <a:p>
-            <a:pPr algn="r" defTabSz="457200">
-              <a:lnSpc>
-                <a:spcPts val="2800"/>
-              </a:lnSpc>
-              <a:defRPr sz="1200">
-                <a:solidFill>
-                  <a:srgbClr val="999999"/>
-                </a:solidFill>
-                <a:latin typeface="Helvetica Neue"/>
-                <a:ea typeface="Helvetica Neue"/>
-                <a:cs typeface="Helvetica Neue"/>
-                <a:sym typeface="Helvetica Neue"/>
-              </a:defRPr>
-            </a:pPr>
-          </a:p>
-          <a:p>
-            <a:pPr defTabSz="457200">
-              <a:lnSpc>
-                <a:spcPts val="3200"/>
-              </a:lnSpc>
-              <a:defRPr sz="1400">
-                <a:solidFill>
-                  <a:srgbClr val="212121"/>
-                </a:solidFill>
-                <a:latin typeface="Helvetica Neue"/>
-                <a:ea typeface="Helvetica Neue"/>
-                <a:cs typeface="Helvetica Neue"/>
-                <a:sym typeface="Helvetica Neue"/>
-              </a:defRPr>
-            </a:pPr>
-          </a:p>
-        </p:txBody>
-      </p:sp>
+        </p:spPr>
+      </p:pic>
     </p:spTree>
   </p:cSld>
   <p:clrMapOvr>
@@ -5611,7 +5464,7 @@
       </p:grpSpPr>
       <p:sp>
         <p:nvSpPr>
-          <p:cNvPr id="195" name="Discussion"/>
+          <p:cNvPr id="197" name="Discussion"/>
           <p:cNvSpPr txBox="1"/>
           <p:nvPr>
             <p:ph type="title"/>
@@ -5635,7 +5488,7 @@
       </p:sp>
       <p:sp>
         <p:nvSpPr>
-          <p:cNvPr id="196" name="What could be an anomaly in sensor data? Consider examples: - Temperature time series in greenhouses - Pressure in a water distribution network - Loads in an electric power network…"/>
+          <p:cNvPr id="198" name="What could be an anomaly in sensor data? Consider examples: - Temperature time series in greenhouses - Pressure in a water distribution network - Loads in an electric power network…"/>
           <p:cNvSpPr txBox="1"/>
           <p:nvPr>
             <p:ph type="body" idx="1"/>
@@ -5709,7 +5562,7 @@
       </p:grpSpPr>
       <p:sp>
         <p:nvSpPr>
-          <p:cNvPr id="200" name="Summary of the lecture"/>
+          <p:cNvPr id="202" name="References"/>
           <p:cNvSpPr txBox="1"/>
           <p:nvPr>
             <p:ph type="title"/>
@@ -5726,6 +5579,138 @@
           <a:p>
             <a:pPr/>
             <a:r>
+              <a:t>References</a:t>
+            </a:r>
+          </a:p>
+        </p:txBody>
+      </p:sp>
+      <p:sp>
+        <p:nvSpPr>
+          <p:cNvPr id="203" name="Origin of the KDD challenge dataset http://www.kdd.org/explorations…"/>
+          <p:cNvSpPr txBox="1"/>
+          <p:nvPr>
+            <p:ph type="body" idx="1"/>
+          </p:nvPr>
+        </p:nvSpPr>
+        <p:spPr>
+          <a:prstGeom prst="rect">
+            <a:avLst/>
+          </a:prstGeom>
+        </p:spPr>
+        <p:txBody>
+          <a:bodyPr/>
+          <a:lstStyle/>
+          <a:p>
+            <a:pPr/>
+            <a:r>
+              <a:t>Origin of the KDD challenge dataset</a:t>
+            </a:r>
+            <a:br/>
+            <a:r>
+              <a:rPr u="sng">
+                <a:solidFill>
+                  <a:srgbClr val="0000FF"/>
+                </a:solidFill>
+                <a:uFill>
+                  <a:solidFill>
+                    <a:srgbClr val="0000FF"/>
+                  </a:solidFill>
+                </a:uFill>
+                <a:hlinkClick r:id="rId2" invalidUrl="" action="" tgtFrame="" tooltip="" history="1" highlightClick="0" endSnd="0"/>
+              </a:rPr>
+              <a:t>http://www.kdd.org/explorations</a:t>
+            </a:r>
+          </a:p>
+          <a:p>
+            <a:pPr/>
+            <a:r>
+              <a:t>The KDD dataset</a:t>
+            </a:r>
+            <a:br/>
+            <a:r>
+              <a:rPr u="sng">
+                <a:solidFill>
+                  <a:srgbClr val="0000FF"/>
+                </a:solidFill>
+                <a:uFill>
+                  <a:solidFill>
+                    <a:srgbClr val="0000FF"/>
+                  </a:solidFill>
+                </a:uFill>
+                <a:hlinkClick r:id="rId3" invalidUrl="" action="" tgtFrame="" tooltip="" history="1" highlightClick="0" endSnd="0"/>
+              </a:rPr>
+              <a:t>http://kdd.ics.uci.edu/databases/kddcup99/kddcup99.html</a:t>
+            </a:r>
+          </a:p>
+          <a:p>
+            <a:pPr/>
+            <a:r>
+              <a:t>Anomaly testing (comments in Japanese…)</a:t>
+            </a:r>
+            <a:br/>
+            <a:r>
+              <a:rPr u="sng">
+                <a:solidFill>
+                  <a:srgbClr val="0000FF"/>
+                </a:solidFill>
+                <a:uFill>
+                  <a:solidFill>
+                    <a:srgbClr val="0000FF"/>
+                  </a:solidFill>
+                </a:uFill>
+                <a:hlinkClick r:id="rId4" invalidUrl="" action="" tgtFrame="" tooltip="" history="1" highlightClick="0" endSnd="0"/>
+              </a:rPr>
+              <a:t>https://github.com/kumagi/anomaly_test</a:t>
+            </a:r>
+            <a:br/>
+          </a:p>
+        </p:txBody>
+      </p:sp>
+    </p:spTree>
+  </p:cSld>
+  <p:clrMapOvr>
+    <a:masterClrMapping/>
+  </p:clrMapOvr>
+  <p:transition xmlns:p14="http://schemas.microsoft.com/office/powerpoint/2010/main" spd="med" advClick="1"/>
+</p:sld>
+</file>
+
+<file path=ppt/slides/slide23.xml><?xml version="1.0" encoding="utf-8"?>
+<p:sld xmlns:a="http://schemas.openxmlformats.org/drawingml/2006/main" xmlns:r="http://schemas.openxmlformats.org/officeDocument/2006/relationships" xmlns:p="http://schemas.openxmlformats.org/presentationml/2006/main" showMasterSp="1" showMasterPhAnim="1">
+  <p:cSld>
+    <p:spTree>
+      <p:nvGrpSpPr>
+        <p:cNvPr id="1" name=""/>
+        <p:cNvGrpSpPr/>
+        <p:nvPr/>
+      </p:nvGrpSpPr>
+      <p:grpSpPr>
+        <a:xfrm>
+          <a:off x="0" y="0"/>
+          <a:ext cx="0" cy="0"/>
+          <a:chOff x="0" y="0"/>
+          <a:chExt cx="0" cy="0"/>
+        </a:xfrm>
+      </p:grpSpPr>
+      <p:sp>
+        <p:nvSpPr>
+          <p:cNvPr id="205" name="Summary of the lecture"/>
+          <p:cNvSpPr txBox="1"/>
+          <p:nvPr>
+            <p:ph type="title"/>
+          </p:nvPr>
+        </p:nvSpPr>
+        <p:spPr>
+          <a:prstGeom prst="rect">
+            <a:avLst/>
+          </a:prstGeom>
+        </p:spPr>
+        <p:txBody>
+          <a:bodyPr/>
+          <a:lstStyle/>
+          <a:p>
+            <a:pPr/>
+            <a:r>
               <a:t>Summary of the lecture</a:t>
             </a:r>
           </a:p>
@@ -5733,7 +5718,7 @@
       </p:sp>
       <p:sp>
         <p:nvSpPr>
-          <p:cNvPr id="201" name="We have learned about another example of using the Spark framework with Scala and its Machine Learning library for Big Data analytics.…"/>
+          <p:cNvPr id="206" name="We have learned about another example of using the Spark framework with Scala and its Machine Learning library for Big Data analytics.…"/>
           <p:cNvSpPr txBox="1"/>
           <p:nvPr>
             <p:ph type="body" idx="1"/>
@@ -6254,7 +6239,7 @@
       </p:sp>
       <p:sp>
         <p:nvSpPr>
-          <p:cNvPr id="142" name="Example Scala program from:…"/>
+          <p:cNvPr id="142" name="Example Scala program from the textbook: Advanced Analytics with Spark by S. Ryza, U. Laserson, S. Owen and J. Wills…"/>
           <p:cNvSpPr txBox="1"/>
           <p:nvPr>
             <p:ph type="body" idx="1"/>
@@ -6271,10 +6256,24 @@
           <a:p>
             <a:pPr/>
             <a:r>
-              <a:t>Example Scala program from:</a:t>
+              <a:t>Example Scala program from the textbook:</a:t>
             </a:r>
             <a:br/>
-            <a:br/>
+            <a:r>
+              <a:rPr b="1"/>
+              <a:t>Advanced Analytics with Spark</a:t>
+            </a:r>
+            <a:br>
+              <a:rPr b="1"/>
+            </a:br>
+            <a:r>
+              <a:t>by </a:t>
+            </a:r>
+            <a:r>
+              <a:rPr i="1"/>
+              <a:t>S. Ryza, U. Laserson, S. Owen and J. Wills</a:t>
+            </a:r>
+            <a:endParaRPr i="1"/>
           </a:p>
           <a:p>
             <a:pPr/>
@@ -6312,7 +6311,7 @@
       </p:grpSpPr>
       <p:sp>
         <p:nvSpPr>
-          <p:cNvPr id="144" name="Start with imports"/>
+          <p:cNvPr id="146" name="Start with imports"/>
           <p:cNvSpPr txBox="1"/>
           <p:nvPr>
             <p:ph type="title"/>
@@ -6336,7 +6335,7 @@
       </p:sp>
       <p:sp>
         <p:nvSpPr>
-          <p:cNvPr id="145" name="/*…"/>
+          <p:cNvPr id="147" name="/*…"/>
           <p:cNvSpPr txBox="1"/>
           <p:nvPr/>
         </p:nvSpPr>
@@ -6470,7 +6469,7 @@
       </p:grpSpPr>
       <p:sp>
         <p:nvSpPr>
-          <p:cNvPr id="149" name="Create an RDD from CSV data"/>
+          <p:cNvPr id="151" name="Create an RDD from CSV data"/>
           <p:cNvSpPr txBox="1"/>
           <p:nvPr>
             <p:ph type="title"/>
@@ -6494,7 +6493,7 @@
       </p:sp>
       <p:sp>
         <p:nvSpPr>
-          <p:cNvPr id="150" name="val data = spark.read.…"/>
+          <p:cNvPr id="152" name="val data = spark.read.…"/>
           <p:cNvSpPr txBox="1"/>
           <p:nvPr/>
         </p:nvSpPr>

--- a/powerpoints/ITU Academy Slides AM4-11.pptx
+++ b/powerpoints/ITU Academy Slides AM4-11.pptx
@@ -6000,7 +6000,7 @@
       </p:grpSpPr>
       <p:sp>
         <p:nvSpPr>
-          <p:cNvPr id="135" name="Lecture 12: Anomaly Detection"/>
+          <p:cNvPr id="135" name="Lecture 11: Anomaly Detection"/>
           <p:cNvSpPr txBox="1"/>
           <p:nvPr>
             <p:ph type="title"/>
@@ -6017,7 +6017,7 @@
           <a:p>
             <a:pPr/>
             <a:r>
-              <a:t>Lecture 12: Anomaly Detection</a:t>
+              <a:t>Lecture 11: Anomaly Detection</a:t>
             </a:r>
           </a:p>
         </p:txBody>

--- a/powerpoints/ITU Academy Slides AM4-11.pptx
+++ b/powerpoints/ITU Academy Slides AM4-11.pptx
@@ -88,7 +88,7 @@
         <a:latin typeface="+mn-lt"/>
         <a:ea typeface="+mn-ea"/>
         <a:cs typeface="+mn-cs"/>
-        <a:sym typeface="Calibri"/>
+        <a:sym typeface="Arial"/>
       </a:defRPr>
     </a:lvl1pPr>
     <a:lvl2pPr marL="0" marR="0" indent="457200" algn="l" defTabSz="914400" rtl="0" fontAlgn="auto" latinLnBrk="0" hangingPunct="0">
@@ -118,7 +118,7 @@
         <a:latin typeface="+mn-lt"/>
         <a:ea typeface="+mn-ea"/>
         <a:cs typeface="+mn-cs"/>
-        <a:sym typeface="Calibri"/>
+        <a:sym typeface="Arial"/>
       </a:defRPr>
     </a:lvl2pPr>
     <a:lvl3pPr marL="0" marR="0" indent="914400" algn="l" defTabSz="914400" rtl="0" fontAlgn="auto" latinLnBrk="0" hangingPunct="0">
@@ -148,7 +148,7 @@
         <a:latin typeface="+mn-lt"/>
         <a:ea typeface="+mn-ea"/>
         <a:cs typeface="+mn-cs"/>
-        <a:sym typeface="Calibri"/>
+        <a:sym typeface="Arial"/>
       </a:defRPr>
     </a:lvl3pPr>
     <a:lvl4pPr marL="0" marR="0" indent="1371600" algn="l" defTabSz="914400" rtl="0" fontAlgn="auto" latinLnBrk="0" hangingPunct="0">
@@ -178,7 +178,7 @@
         <a:latin typeface="+mn-lt"/>
         <a:ea typeface="+mn-ea"/>
         <a:cs typeface="+mn-cs"/>
-        <a:sym typeface="Calibri"/>
+        <a:sym typeface="Arial"/>
       </a:defRPr>
     </a:lvl4pPr>
     <a:lvl5pPr marL="0" marR="0" indent="1828800" algn="l" defTabSz="914400" rtl="0" fontAlgn="auto" latinLnBrk="0" hangingPunct="0">
@@ -208,7 +208,7 @@
         <a:latin typeface="+mn-lt"/>
         <a:ea typeface="+mn-ea"/>
         <a:cs typeface="+mn-cs"/>
-        <a:sym typeface="Calibri"/>
+        <a:sym typeface="Arial"/>
       </a:defRPr>
     </a:lvl5pPr>
     <a:lvl6pPr marL="0" marR="0" indent="2286000" algn="l" defTabSz="914400" rtl="0" fontAlgn="auto" latinLnBrk="0" hangingPunct="0">
@@ -238,7 +238,7 @@
         <a:latin typeface="+mn-lt"/>
         <a:ea typeface="+mn-ea"/>
         <a:cs typeface="+mn-cs"/>
-        <a:sym typeface="Calibri"/>
+        <a:sym typeface="Arial"/>
       </a:defRPr>
     </a:lvl6pPr>
     <a:lvl7pPr marL="0" marR="0" indent="2743200" algn="l" defTabSz="914400" rtl="0" fontAlgn="auto" latinLnBrk="0" hangingPunct="0">
@@ -268,7 +268,7 @@
         <a:latin typeface="+mn-lt"/>
         <a:ea typeface="+mn-ea"/>
         <a:cs typeface="+mn-cs"/>
-        <a:sym typeface="Calibri"/>
+        <a:sym typeface="Arial"/>
       </a:defRPr>
     </a:lvl7pPr>
     <a:lvl8pPr marL="0" marR="0" indent="3200400" algn="l" defTabSz="914400" rtl="0" fontAlgn="auto" latinLnBrk="0" hangingPunct="0">
@@ -298,7 +298,7 @@
         <a:latin typeface="+mn-lt"/>
         <a:ea typeface="+mn-ea"/>
         <a:cs typeface="+mn-cs"/>
-        <a:sym typeface="Calibri"/>
+        <a:sym typeface="Arial"/>
       </a:defRPr>
     </a:lvl8pPr>
     <a:lvl9pPr marL="0" marR="0" indent="3657600" algn="l" defTabSz="914400" rtl="0" fontAlgn="auto" latinLnBrk="0" hangingPunct="0">
@@ -328,7 +328,7 @@
         <a:latin typeface="+mn-lt"/>
         <a:ea typeface="+mn-ea"/>
         <a:cs typeface="+mn-cs"/>
-        <a:sym typeface="Calibri"/>
+        <a:sym typeface="Arial"/>
       </a:defRPr>
     </a:lvl9pPr>
   </p:defaultTextStyle>
@@ -415,7 +415,7 @@
         <a:latin typeface="+mn-lt"/>
         <a:ea typeface="+mn-ea"/>
         <a:cs typeface="+mn-cs"/>
-        <a:sym typeface="Calibri"/>
+        <a:sym typeface="Arial"/>
       </a:defRPr>
     </a:lvl1pPr>
     <a:lvl2pPr indent="228600" latinLnBrk="0">
@@ -423,7 +423,7 @@
         <a:latin typeface="+mn-lt"/>
         <a:ea typeface="+mn-ea"/>
         <a:cs typeface="+mn-cs"/>
-        <a:sym typeface="Calibri"/>
+        <a:sym typeface="Arial"/>
       </a:defRPr>
     </a:lvl2pPr>
     <a:lvl3pPr indent="457200" latinLnBrk="0">
@@ -431,7 +431,7 @@
         <a:latin typeface="+mn-lt"/>
         <a:ea typeface="+mn-ea"/>
         <a:cs typeface="+mn-cs"/>
-        <a:sym typeface="Calibri"/>
+        <a:sym typeface="Arial"/>
       </a:defRPr>
     </a:lvl3pPr>
     <a:lvl4pPr indent="685800" latinLnBrk="0">
@@ -439,7 +439,7 @@
         <a:latin typeface="+mn-lt"/>
         <a:ea typeface="+mn-ea"/>
         <a:cs typeface="+mn-cs"/>
-        <a:sym typeface="Calibri"/>
+        <a:sym typeface="Arial"/>
       </a:defRPr>
     </a:lvl4pPr>
     <a:lvl5pPr indent="914400" latinLnBrk="0">
@@ -447,7 +447,7 @@
         <a:latin typeface="+mn-lt"/>
         <a:ea typeface="+mn-ea"/>
         <a:cs typeface="+mn-cs"/>
-        <a:sym typeface="Calibri"/>
+        <a:sym typeface="Arial"/>
       </a:defRPr>
     </a:lvl5pPr>
     <a:lvl6pPr indent="1143000" latinLnBrk="0">
@@ -455,7 +455,7 @@
         <a:latin typeface="+mn-lt"/>
         <a:ea typeface="+mn-ea"/>
         <a:cs typeface="+mn-cs"/>
-        <a:sym typeface="Calibri"/>
+        <a:sym typeface="Arial"/>
       </a:defRPr>
     </a:lvl6pPr>
     <a:lvl7pPr indent="1371600" latinLnBrk="0">
@@ -463,7 +463,7 @@
         <a:latin typeface="+mn-lt"/>
         <a:ea typeface="+mn-ea"/>
         <a:cs typeface="+mn-cs"/>
-        <a:sym typeface="Calibri"/>
+        <a:sym typeface="Arial"/>
       </a:defRPr>
     </a:lvl7pPr>
     <a:lvl8pPr indent="1600200" latinLnBrk="0">
@@ -471,7 +471,7 @@
         <a:latin typeface="+mn-lt"/>
         <a:ea typeface="+mn-ea"/>
         <a:cs typeface="+mn-cs"/>
-        <a:sym typeface="Calibri"/>
+        <a:sym typeface="Arial"/>
       </a:defRPr>
     </a:lvl8pPr>
     <a:lvl9pPr indent="1828800" latinLnBrk="0">
@@ -479,7 +479,7 @@
         <a:latin typeface="+mn-lt"/>
         <a:ea typeface="+mn-ea"/>
         <a:cs typeface="+mn-cs"/>
-        <a:sym typeface="Calibri"/>
+        <a:sym typeface="Arial"/>
       </a:defRPr>
     </a:lvl9pPr>
   </p:notesStyle>
@@ -550,6 +550,286 @@
             <a:pPr/>
             <a:r>
               <a:t>Remind students that this was covered in the FM7 lecture series</a:t>
+            </a:r>
+          </a:p>
+        </p:txBody>
+      </p:sp>
+    </p:spTree>
+  </p:cSld>
+  <p:clrMapOvr>
+    <a:masterClrMapping/>
+  </p:clrMapOvr>
+</p:notes>
+</file>
+
+<file path=ppt/notesSlides/notesSlide10.xml><?xml version="1.0" encoding="utf-8"?>
+<p:notes xmlns:a="http://schemas.openxmlformats.org/drawingml/2006/main" xmlns:r="http://schemas.openxmlformats.org/officeDocument/2006/relationships" xmlns:p="http://schemas.openxmlformats.org/presentationml/2006/main" showMasterSp="1" showMasterPhAnim="1">
+  <p:cSld>
+    <p:spTree>
+      <p:nvGrpSpPr>
+        <p:cNvPr id="1" name=""/>
+        <p:cNvGrpSpPr/>
+        <p:nvPr/>
+      </p:nvGrpSpPr>
+      <p:grpSpPr>
+        <a:xfrm>
+          <a:off x="0" y="0"/>
+          <a:ext cx="0" cy="0"/>
+          <a:chOff x="0" y="0"/>
+          <a:chExt cx="0" cy="0"/>
+        </a:xfrm>
+      </p:grpSpPr>
+      <p:sp>
+        <p:nvSpPr>
+          <p:cNvPr id="191" name="Shape 191"/>
+          <p:cNvSpPr/>
+          <p:nvPr>
+            <p:ph type="sldImg"/>
+          </p:nvPr>
+        </p:nvSpPr>
+        <p:spPr>
+          <a:prstGeom prst="rect">
+            <a:avLst/>
+          </a:prstGeom>
+        </p:spPr>
+        <p:txBody>
+          <a:bodyPr/>
+          <a:lstStyle/>
+          <a:p>
+            <a:pPr/>
+          </a:p>
+        </p:txBody>
+      </p:sp>
+      <p:sp>
+        <p:nvSpPr>
+          <p:cNvPr id="192" name="Shape 192"/>
+          <p:cNvSpPr/>
+          <p:nvPr>
+            <p:ph type="body" sz="quarter" idx="1"/>
+          </p:nvPr>
+        </p:nvSpPr>
+        <p:spPr>
+          <a:prstGeom prst="rect">
+            <a:avLst/>
+          </a:prstGeom>
+        </p:spPr>
+        <p:txBody>
+          <a:bodyPr/>
+          <a:lstStyle/>
+          <a:p>
+            <a:pPr/>
+            <a:r>
+              <a:t>What kind of domain knowledge is needed for network traffic analysis?</a:t>
+            </a:r>
+          </a:p>
+        </p:txBody>
+      </p:sp>
+    </p:spTree>
+  </p:cSld>
+  <p:clrMapOvr>
+    <a:masterClrMapping/>
+  </p:clrMapOvr>
+</p:notes>
+</file>
+
+<file path=ppt/notesSlides/notesSlide11.xml><?xml version="1.0" encoding="utf-8"?>
+<p:notes xmlns:a="http://schemas.openxmlformats.org/drawingml/2006/main" xmlns:r="http://schemas.openxmlformats.org/officeDocument/2006/relationships" xmlns:p="http://schemas.openxmlformats.org/presentationml/2006/main" showMasterSp="1" showMasterPhAnim="1">
+  <p:cSld>
+    <p:spTree>
+      <p:nvGrpSpPr>
+        <p:cNvPr id="1" name=""/>
+        <p:cNvGrpSpPr/>
+        <p:nvPr/>
+      </p:nvGrpSpPr>
+      <p:grpSpPr>
+        <a:xfrm>
+          <a:off x="0" y="0"/>
+          <a:ext cx="0" cy="0"/>
+          <a:chOff x="0" y="0"/>
+          <a:chExt cx="0" cy="0"/>
+        </a:xfrm>
+      </p:grpSpPr>
+      <p:sp>
+        <p:nvSpPr>
+          <p:cNvPr id="200" name="Shape 200"/>
+          <p:cNvSpPr/>
+          <p:nvPr>
+            <p:ph type="sldImg"/>
+          </p:nvPr>
+        </p:nvSpPr>
+        <p:spPr>
+          <a:prstGeom prst="rect">
+            <a:avLst/>
+          </a:prstGeom>
+        </p:spPr>
+        <p:txBody>
+          <a:bodyPr/>
+          <a:lstStyle/>
+          <a:p>
+            <a:pPr/>
+          </a:p>
+        </p:txBody>
+      </p:sp>
+      <p:sp>
+        <p:nvSpPr>
+          <p:cNvPr id="201" name="Shape 201"/>
+          <p:cNvSpPr/>
+          <p:nvPr>
+            <p:ph type="body" sz="quarter" idx="1"/>
+          </p:nvPr>
+        </p:nvSpPr>
+        <p:spPr>
+          <a:prstGeom prst="rect">
+            <a:avLst/>
+          </a:prstGeom>
+        </p:spPr>
+        <p:txBody>
+          <a:bodyPr/>
+          <a:lstStyle/>
+          <a:p>
+            <a:pPr/>
+            <a:r>
+              <a:t>Review the meaning based on the comments in the AAS book</a:t>
+            </a:r>
+          </a:p>
+        </p:txBody>
+      </p:sp>
+    </p:spTree>
+  </p:cSld>
+  <p:clrMapOvr>
+    <a:masterClrMapping/>
+  </p:clrMapOvr>
+</p:notes>
+</file>
+
+<file path=ppt/notesSlides/notesSlide12.xml><?xml version="1.0" encoding="utf-8"?>
+<p:notes xmlns:a="http://schemas.openxmlformats.org/drawingml/2006/main" xmlns:r="http://schemas.openxmlformats.org/officeDocument/2006/relationships" xmlns:p="http://schemas.openxmlformats.org/presentationml/2006/main" showMasterSp="1" showMasterPhAnim="1">
+  <p:cSld>
+    <p:spTree>
+      <p:nvGrpSpPr>
+        <p:cNvPr id="1" name=""/>
+        <p:cNvGrpSpPr/>
+        <p:nvPr/>
+      </p:nvGrpSpPr>
+      <p:grpSpPr>
+        <a:xfrm>
+          <a:off x="0" y="0"/>
+          <a:ext cx="0" cy="0"/>
+          <a:chOff x="0" y="0"/>
+          <a:chExt cx="0" cy="0"/>
+        </a:xfrm>
+      </p:grpSpPr>
+      <p:sp>
+        <p:nvSpPr>
+          <p:cNvPr id="206" name="Shape 206"/>
+          <p:cNvSpPr/>
+          <p:nvPr>
+            <p:ph type="sldImg"/>
+          </p:nvPr>
+        </p:nvSpPr>
+        <p:spPr>
+          <a:prstGeom prst="rect">
+            <a:avLst/>
+          </a:prstGeom>
+        </p:spPr>
+        <p:txBody>
+          <a:bodyPr/>
+          <a:lstStyle/>
+          <a:p>
+            <a:pPr/>
+          </a:p>
+        </p:txBody>
+      </p:sp>
+      <p:sp>
+        <p:nvSpPr>
+          <p:cNvPr id="207" name="Shape 207"/>
+          <p:cNvSpPr/>
+          <p:nvPr>
+            <p:ph type="body" sz="quarter" idx="1"/>
+          </p:nvPr>
+        </p:nvSpPr>
+        <p:spPr>
+          <a:prstGeom prst="rect">
+            <a:avLst/>
+          </a:prstGeom>
+        </p:spPr>
+        <p:txBody>
+          <a:bodyPr/>
+          <a:lstStyle/>
+          <a:p>
+            <a:pPr/>
+            <a:r>
+              <a:t>Encourage students to continue exploring the data during the interactive exercises.</a:t>
+            </a:r>
+          </a:p>
+        </p:txBody>
+      </p:sp>
+    </p:spTree>
+  </p:cSld>
+  <p:clrMapOvr>
+    <a:masterClrMapping/>
+  </p:clrMapOvr>
+</p:notes>
+</file>
+
+<file path=ppt/notesSlides/notesSlide13.xml><?xml version="1.0" encoding="utf-8"?>
+<p:notes xmlns:a="http://schemas.openxmlformats.org/drawingml/2006/main" xmlns:r="http://schemas.openxmlformats.org/officeDocument/2006/relationships" xmlns:p="http://schemas.openxmlformats.org/presentationml/2006/main" showMasterSp="1" showMasterPhAnim="1">
+  <p:cSld>
+    <p:spTree>
+      <p:nvGrpSpPr>
+        <p:cNvPr id="1" name=""/>
+        <p:cNvGrpSpPr/>
+        <p:nvPr/>
+      </p:nvGrpSpPr>
+      <p:grpSpPr>
+        <a:xfrm>
+          <a:off x="0" y="0"/>
+          <a:ext cx="0" cy="0"/>
+          <a:chOff x="0" y="0"/>
+          <a:chExt cx="0" cy="0"/>
+        </a:xfrm>
+      </p:grpSpPr>
+      <p:sp>
+        <p:nvSpPr>
+          <p:cNvPr id="211" name="Shape 211"/>
+          <p:cNvSpPr/>
+          <p:nvPr>
+            <p:ph type="sldImg"/>
+          </p:nvPr>
+        </p:nvSpPr>
+        <p:spPr>
+          <a:prstGeom prst="rect">
+            <a:avLst/>
+          </a:prstGeom>
+        </p:spPr>
+        <p:txBody>
+          <a:bodyPr/>
+          <a:lstStyle/>
+          <a:p>
+            <a:pPr/>
+          </a:p>
+        </p:txBody>
+      </p:sp>
+      <p:sp>
+        <p:nvSpPr>
+          <p:cNvPr id="212" name="Shape 212"/>
+          <p:cNvSpPr/>
+          <p:nvPr>
+            <p:ph type="body" sz="quarter" idx="1"/>
+          </p:nvPr>
+        </p:nvSpPr>
+        <p:spPr>
+          <a:prstGeom prst="rect">
+            <a:avLst/>
+          </a:prstGeom>
+        </p:spPr>
+        <p:txBody>
+          <a:bodyPr/>
+          <a:lstStyle/>
+          <a:p>
+            <a:pPr/>
+            <a:r>
+              <a:t>Assignment: essay on using anomaly detection for IoT</a:t>
             </a:r>
           </a:p>
         </p:txBody>
@@ -973,7 +1253,7 @@
       </p:grpSpPr>
       <p:sp>
         <p:nvSpPr>
-          <p:cNvPr id="199" name="Shape 199"/>
+          <p:cNvPr id="176" name="Shape 176"/>
           <p:cNvSpPr/>
           <p:nvPr>
             <p:ph type="sldImg"/>
@@ -994,7 +1274,7 @@
       </p:sp>
       <p:sp>
         <p:nvSpPr>
-          <p:cNvPr id="200" name="Shape 200"/>
+          <p:cNvPr id="177" name="Shape 177"/>
           <p:cNvSpPr/>
           <p:nvPr>
             <p:ph type="body" sz="quarter" idx="1"/>
@@ -1011,7 +1291,147 @@
           <a:p>
             <a:pPr/>
             <a:r>
-              <a:t>Assignment: essay on using anomaly detection for IoT</a:t>
+              <a:t>Discuss the convenience functions provided by Scala on Spark.</a:t>
+            </a:r>
+          </a:p>
+        </p:txBody>
+      </p:sp>
+    </p:spTree>
+  </p:cSld>
+  <p:clrMapOvr>
+    <a:masterClrMapping/>
+  </p:clrMapOvr>
+</p:notes>
+</file>
+
+<file path=ppt/notesSlides/notesSlide8.xml><?xml version="1.0" encoding="utf-8"?>
+<p:notes xmlns:a="http://schemas.openxmlformats.org/drawingml/2006/main" xmlns:r="http://schemas.openxmlformats.org/officeDocument/2006/relationships" xmlns:p="http://schemas.openxmlformats.org/presentationml/2006/main" showMasterSp="1" showMasterPhAnim="1">
+  <p:cSld>
+    <p:spTree>
+      <p:nvGrpSpPr>
+        <p:cNvPr id="1" name=""/>
+        <p:cNvGrpSpPr/>
+        <p:nvPr/>
+      </p:nvGrpSpPr>
+      <p:grpSpPr>
+        <a:xfrm>
+          <a:off x="0" y="0"/>
+          <a:ext cx="0" cy="0"/>
+          <a:chOff x="0" y="0"/>
+          <a:chExt cx="0" cy="0"/>
+        </a:xfrm>
+      </p:grpSpPr>
+      <p:sp>
+        <p:nvSpPr>
+          <p:cNvPr id="181" name="Shape 181"/>
+          <p:cNvSpPr/>
+          <p:nvPr>
+            <p:ph type="sldImg"/>
+          </p:nvPr>
+        </p:nvSpPr>
+        <p:spPr>
+          <a:prstGeom prst="rect">
+            <a:avLst/>
+          </a:prstGeom>
+        </p:spPr>
+        <p:txBody>
+          <a:bodyPr/>
+          <a:lstStyle/>
+          <a:p>
+            <a:pPr/>
+          </a:p>
+        </p:txBody>
+      </p:sp>
+      <p:sp>
+        <p:nvSpPr>
+          <p:cNvPr id="182" name="Shape 182"/>
+          <p:cNvSpPr/>
+          <p:nvPr>
+            <p:ph type="body" sz="quarter" idx="1"/>
+          </p:nvPr>
+        </p:nvSpPr>
+        <p:spPr>
+          <a:prstGeom prst="rect">
+            <a:avLst/>
+          </a:prstGeom>
+        </p:spPr>
+        <p:txBody>
+          <a:bodyPr/>
+          <a:lstStyle/>
+          <a:p>
+            <a:pPr/>
+            <a:r>
+              <a:t>Recall K-means from FM7 module</a:t>
+            </a:r>
+          </a:p>
+        </p:txBody>
+      </p:sp>
+    </p:spTree>
+  </p:cSld>
+  <p:clrMapOvr>
+    <a:masterClrMapping/>
+  </p:clrMapOvr>
+</p:notes>
+</file>
+
+<file path=ppt/notesSlides/notesSlide9.xml><?xml version="1.0" encoding="utf-8"?>
+<p:notes xmlns:a="http://schemas.openxmlformats.org/drawingml/2006/main" xmlns:r="http://schemas.openxmlformats.org/officeDocument/2006/relationships" xmlns:p="http://schemas.openxmlformats.org/presentationml/2006/main" showMasterSp="1" showMasterPhAnim="1">
+  <p:cSld>
+    <p:spTree>
+      <p:nvGrpSpPr>
+        <p:cNvPr id="1" name=""/>
+        <p:cNvGrpSpPr/>
+        <p:nvPr/>
+      </p:nvGrpSpPr>
+      <p:grpSpPr>
+        <a:xfrm>
+          <a:off x="0" y="0"/>
+          <a:ext cx="0" cy="0"/>
+          <a:chOff x="0" y="0"/>
+          <a:chExt cx="0" cy="0"/>
+        </a:xfrm>
+      </p:grpSpPr>
+      <p:sp>
+        <p:nvSpPr>
+          <p:cNvPr id="186" name="Shape 186"/>
+          <p:cNvSpPr/>
+          <p:nvPr>
+            <p:ph type="sldImg"/>
+          </p:nvPr>
+        </p:nvSpPr>
+        <p:spPr>
+          <a:prstGeom prst="rect">
+            <a:avLst/>
+          </a:prstGeom>
+        </p:spPr>
+        <p:txBody>
+          <a:bodyPr/>
+          <a:lstStyle/>
+          <a:p>
+            <a:pPr/>
+          </a:p>
+        </p:txBody>
+      </p:sp>
+      <p:sp>
+        <p:nvSpPr>
+          <p:cNvPr id="187" name="Shape 187"/>
+          <p:cNvSpPr/>
+          <p:nvPr>
+            <p:ph type="body" sz="quarter" idx="1"/>
+          </p:nvPr>
+        </p:nvSpPr>
+        <p:spPr>
+          <a:prstGeom prst="rect">
+            <a:avLst/>
+          </a:prstGeom>
+        </p:spPr>
+        <p:txBody>
+          <a:bodyPr/>
+          <a:lstStyle/>
+          <a:p>
+            <a:pPr/>
+            <a:r>
+              <a:t>This function is called once; </a:t>
             </a:r>
           </a:p>
         </p:txBody>
@@ -2998,8 +3418,8 @@
         </p:nvSpPr>
         <p:spPr>
           <a:xfrm>
-            <a:off x="8428176" y="6404292"/>
-            <a:ext cx="258624" cy="269241"/>
+            <a:off x="8413144" y="6406785"/>
+            <a:ext cx="273657" cy="264255"/>
           </a:xfrm>
           <a:prstGeom prst="rect">
             <a:avLst/>
@@ -3073,7 +3493,7 @@
           <a:latin typeface="+mn-lt"/>
           <a:ea typeface="+mn-ea"/>
           <a:cs typeface="+mn-cs"/>
-          <a:sym typeface="Calibri"/>
+          <a:sym typeface="Arial"/>
         </a:defRPr>
       </a:lvl1pPr>
       <a:lvl2pPr marL="0" marR="0" indent="0" algn="ctr" defTabSz="914400" rtl="0" latinLnBrk="0">
@@ -3102,7 +3522,7 @@
           <a:latin typeface="+mn-lt"/>
           <a:ea typeface="+mn-ea"/>
           <a:cs typeface="+mn-cs"/>
-          <a:sym typeface="Calibri"/>
+          <a:sym typeface="Arial"/>
         </a:defRPr>
       </a:lvl2pPr>
       <a:lvl3pPr marL="0" marR="0" indent="0" algn="ctr" defTabSz="914400" rtl="0" latinLnBrk="0">
@@ -3131,7 +3551,7 @@
           <a:latin typeface="+mn-lt"/>
           <a:ea typeface="+mn-ea"/>
           <a:cs typeface="+mn-cs"/>
-          <a:sym typeface="Calibri"/>
+          <a:sym typeface="Arial"/>
         </a:defRPr>
       </a:lvl3pPr>
       <a:lvl4pPr marL="0" marR="0" indent="0" algn="ctr" defTabSz="914400" rtl="0" latinLnBrk="0">
@@ -3160,7 +3580,7 @@
           <a:latin typeface="+mn-lt"/>
           <a:ea typeface="+mn-ea"/>
           <a:cs typeface="+mn-cs"/>
-          <a:sym typeface="Calibri"/>
+          <a:sym typeface="Arial"/>
         </a:defRPr>
       </a:lvl4pPr>
       <a:lvl5pPr marL="0" marR="0" indent="0" algn="ctr" defTabSz="914400" rtl="0" latinLnBrk="0">
@@ -3189,7 +3609,7 @@
           <a:latin typeface="+mn-lt"/>
           <a:ea typeface="+mn-ea"/>
           <a:cs typeface="+mn-cs"/>
-          <a:sym typeface="Calibri"/>
+          <a:sym typeface="Arial"/>
         </a:defRPr>
       </a:lvl5pPr>
       <a:lvl6pPr marL="0" marR="0" indent="0" algn="ctr" defTabSz="914400" rtl="0" latinLnBrk="0">
@@ -3218,7 +3638,7 @@
           <a:latin typeface="+mn-lt"/>
           <a:ea typeface="+mn-ea"/>
           <a:cs typeface="+mn-cs"/>
-          <a:sym typeface="Calibri"/>
+          <a:sym typeface="Arial"/>
         </a:defRPr>
       </a:lvl6pPr>
       <a:lvl7pPr marL="0" marR="0" indent="0" algn="ctr" defTabSz="914400" rtl="0" latinLnBrk="0">
@@ -3247,7 +3667,7 @@
           <a:latin typeface="+mn-lt"/>
           <a:ea typeface="+mn-ea"/>
           <a:cs typeface="+mn-cs"/>
-          <a:sym typeface="Calibri"/>
+          <a:sym typeface="Arial"/>
         </a:defRPr>
       </a:lvl7pPr>
       <a:lvl8pPr marL="0" marR="0" indent="0" algn="ctr" defTabSz="914400" rtl="0" latinLnBrk="0">
@@ -3276,7 +3696,7 @@
           <a:latin typeface="+mn-lt"/>
           <a:ea typeface="+mn-ea"/>
           <a:cs typeface="+mn-cs"/>
-          <a:sym typeface="Calibri"/>
+          <a:sym typeface="Arial"/>
         </a:defRPr>
       </a:lvl8pPr>
       <a:lvl9pPr marL="0" marR="0" indent="0" algn="ctr" defTabSz="914400" rtl="0" latinLnBrk="0">
@@ -3305,7 +3725,7 @@
           <a:latin typeface="+mn-lt"/>
           <a:ea typeface="+mn-ea"/>
           <a:cs typeface="+mn-cs"/>
-          <a:sym typeface="Calibri"/>
+          <a:sym typeface="Arial"/>
         </a:defRPr>
       </a:lvl9pPr>
     </p:titleStyle>
@@ -3336,7 +3756,7 @@
           <a:latin typeface="+mn-lt"/>
           <a:ea typeface="+mn-ea"/>
           <a:cs typeface="+mn-cs"/>
-          <a:sym typeface="Calibri"/>
+          <a:sym typeface="Arial"/>
         </a:defRPr>
       </a:lvl1pPr>
       <a:lvl2pPr marL="783771" marR="0" indent="-326571" algn="l" defTabSz="914400" rtl="0" latinLnBrk="0">
@@ -3365,7 +3785,7 @@
           <a:latin typeface="+mn-lt"/>
           <a:ea typeface="+mn-ea"/>
           <a:cs typeface="+mn-cs"/>
-          <a:sym typeface="Calibri"/>
+          <a:sym typeface="Arial"/>
         </a:defRPr>
       </a:lvl2pPr>
       <a:lvl3pPr marL="1219200" marR="0" indent="-304800" algn="l" defTabSz="914400" rtl="0" latinLnBrk="0">
@@ -3394,7 +3814,7 @@
           <a:latin typeface="+mn-lt"/>
           <a:ea typeface="+mn-ea"/>
           <a:cs typeface="+mn-cs"/>
-          <a:sym typeface="Calibri"/>
+          <a:sym typeface="Arial"/>
         </a:defRPr>
       </a:lvl3pPr>
       <a:lvl4pPr marL="1737360" marR="0" indent="-365760" algn="l" defTabSz="914400" rtl="0" latinLnBrk="0">
@@ -3423,7 +3843,7 @@
           <a:latin typeface="+mn-lt"/>
           <a:ea typeface="+mn-ea"/>
           <a:cs typeface="+mn-cs"/>
-          <a:sym typeface="Calibri"/>
+          <a:sym typeface="Arial"/>
         </a:defRPr>
       </a:lvl4pPr>
       <a:lvl5pPr marL="2194560" marR="0" indent="-365760" algn="l" defTabSz="914400" rtl="0" latinLnBrk="0">
@@ -3452,7 +3872,7 @@
           <a:latin typeface="+mn-lt"/>
           <a:ea typeface="+mn-ea"/>
           <a:cs typeface="+mn-cs"/>
-          <a:sym typeface="Calibri"/>
+          <a:sym typeface="Arial"/>
         </a:defRPr>
       </a:lvl5pPr>
       <a:lvl6pPr marL="2651760" marR="0" indent="-365760" algn="l" defTabSz="914400" rtl="0" latinLnBrk="0">
@@ -3481,7 +3901,7 @@
           <a:latin typeface="+mn-lt"/>
           <a:ea typeface="+mn-ea"/>
           <a:cs typeface="+mn-cs"/>
-          <a:sym typeface="Calibri"/>
+          <a:sym typeface="Arial"/>
         </a:defRPr>
       </a:lvl6pPr>
       <a:lvl7pPr marL="3108960" marR="0" indent="-365760" algn="l" defTabSz="914400" rtl="0" latinLnBrk="0">
@@ -3510,7 +3930,7 @@
           <a:latin typeface="+mn-lt"/>
           <a:ea typeface="+mn-ea"/>
           <a:cs typeface="+mn-cs"/>
-          <a:sym typeface="Calibri"/>
+          <a:sym typeface="Arial"/>
         </a:defRPr>
       </a:lvl7pPr>
       <a:lvl8pPr marL="3566159" marR="0" indent="-365759" algn="l" defTabSz="914400" rtl="0" latinLnBrk="0">
@@ -3539,7 +3959,7 @@
           <a:latin typeface="+mn-lt"/>
           <a:ea typeface="+mn-ea"/>
           <a:cs typeface="+mn-cs"/>
-          <a:sym typeface="Calibri"/>
+          <a:sym typeface="Arial"/>
         </a:defRPr>
       </a:lvl8pPr>
       <a:lvl9pPr marL="4023359" marR="0" indent="-365759" algn="l" defTabSz="914400" rtl="0" latinLnBrk="0">
@@ -3568,7 +3988,7 @@
           <a:latin typeface="+mn-lt"/>
           <a:ea typeface="+mn-ea"/>
           <a:cs typeface="+mn-cs"/>
-          <a:sym typeface="Calibri"/>
+          <a:sym typeface="Arial"/>
         </a:defRPr>
       </a:lvl9pPr>
     </p:bodyStyle>
@@ -3599,7 +4019,7 @@
           <a:latin typeface="+mn-lt"/>
           <a:ea typeface="+mn-ea"/>
           <a:cs typeface="+mn-cs"/>
-          <a:sym typeface="Calibri"/>
+          <a:sym typeface="Arial"/>
         </a:defRPr>
       </a:lvl1pPr>
       <a:lvl2pPr marL="0" marR="0" indent="457200" algn="r" defTabSz="914400" rtl="0" latinLnBrk="0">
@@ -3628,7 +4048,7 @@
           <a:latin typeface="+mn-lt"/>
           <a:ea typeface="+mn-ea"/>
           <a:cs typeface="+mn-cs"/>
-          <a:sym typeface="Calibri"/>
+          <a:sym typeface="Arial"/>
         </a:defRPr>
       </a:lvl2pPr>
       <a:lvl3pPr marL="0" marR="0" indent="914400" algn="r" defTabSz="914400" rtl="0" latinLnBrk="0">
@@ -3657,7 +4077,7 @@
           <a:latin typeface="+mn-lt"/>
           <a:ea typeface="+mn-ea"/>
           <a:cs typeface="+mn-cs"/>
-          <a:sym typeface="Calibri"/>
+          <a:sym typeface="Arial"/>
         </a:defRPr>
       </a:lvl3pPr>
       <a:lvl4pPr marL="0" marR="0" indent="1371600" algn="r" defTabSz="914400" rtl="0" latinLnBrk="0">
@@ -3686,7 +4106,7 @@
           <a:latin typeface="+mn-lt"/>
           <a:ea typeface="+mn-ea"/>
           <a:cs typeface="+mn-cs"/>
-          <a:sym typeface="Calibri"/>
+          <a:sym typeface="Arial"/>
         </a:defRPr>
       </a:lvl4pPr>
       <a:lvl5pPr marL="0" marR="0" indent="1828800" algn="r" defTabSz="914400" rtl="0" latinLnBrk="0">
@@ -3715,7 +4135,7 @@
           <a:latin typeface="+mn-lt"/>
           <a:ea typeface="+mn-ea"/>
           <a:cs typeface="+mn-cs"/>
-          <a:sym typeface="Calibri"/>
+          <a:sym typeface="Arial"/>
         </a:defRPr>
       </a:lvl5pPr>
       <a:lvl6pPr marL="0" marR="0" indent="2286000" algn="r" defTabSz="914400" rtl="0" latinLnBrk="0">
@@ -3744,7 +4164,7 @@
           <a:latin typeface="+mn-lt"/>
           <a:ea typeface="+mn-ea"/>
           <a:cs typeface="+mn-cs"/>
-          <a:sym typeface="Calibri"/>
+          <a:sym typeface="Arial"/>
         </a:defRPr>
       </a:lvl6pPr>
       <a:lvl7pPr marL="0" marR="0" indent="2743200" algn="r" defTabSz="914400" rtl="0" latinLnBrk="0">
@@ -3773,7 +4193,7 @@
           <a:latin typeface="+mn-lt"/>
           <a:ea typeface="+mn-ea"/>
           <a:cs typeface="+mn-cs"/>
-          <a:sym typeface="Calibri"/>
+          <a:sym typeface="Arial"/>
         </a:defRPr>
       </a:lvl7pPr>
       <a:lvl8pPr marL="0" marR="0" indent="3200400" algn="r" defTabSz="914400" rtl="0" latinLnBrk="0">
@@ -3802,7 +4222,7 @@
           <a:latin typeface="+mn-lt"/>
           <a:ea typeface="+mn-ea"/>
           <a:cs typeface="+mn-cs"/>
-          <a:sym typeface="Calibri"/>
+          <a:sym typeface="Arial"/>
         </a:defRPr>
       </a:lvl8pPr>
       <a:lvl9pPr marL="0" marR="0" indent="3657600" algn="r" defTabSz="914400" rtl="0" latinLnBrk="0">
@@ -3831,7 +4251,7 @@
           <a:latin typeface="+mn-lt"/>
           <a:ea typeface="+mn-ea"/>
           <a:cs typeface="+mn-cs"/>
-          <a:sym typeface="Calibri"/>
+          <a:sym typeface="Arial"/>
         </a:defRPr>
       </a:lvl9pPr>
     </p:otherStyle>
@@ -3888,12 +4308,7 @@
           <a:bodyPr/>
           <a:lstStyle>
             <a:lvl1pPr defTabSz="493776">
-              <a:defRPr sz="3240">
-                <a:latin typeface="BankGothic Lt BT"/>
-                <a:ea typeface="BankGothic Lt BT"/>
-                <a:cs typeface="BankGothic Lt BT"/>
-                <a:sym typeface="BankGothic Lt BT"/>
-              </a:defRPr>
+              <a:defRPr sz="3240"/>
             </a:lvl1pPr>
           </a:lstStyle>
           <a:p>
@@ -4061,7 +4476,7 @@
         <p:spPr>
           <a:xfrm>
             <a:off x="1464190" y="1846579"/>
-            <a:ext cx="6215620" cy="3164841"/>
+            <a:ext cx="6895615" cy="3017663"/>
           </a:xfrm>
           <a:prstGeom prst="rect">
             <a:avLst/>
@@ -4297,7 +4712,7 @@
         <p:spPr>
           <a:xfrm>
             <a:off x="524837" y="1605280"/>
-            <a:ext cx="8272126" cy="4003041"/>
+            <a:ext cx="8871197" cy="3817762"/>
           </a:xfrm>
           <a:prstGeom prst="rect">
             <a:avLst/>
@@ -4449,7 +4864,7 @@
         <p:spPr>
           <a:xfrm>
             <a:off x="524837" y="1605280"/>
-            <a:ext cx="8046540" cy="5120641"/>
+            <a:ext cx="9011058" cy="4884562"/>
           </a:xfrm>
           <a:prstGeom prst="rect">
             <a:avLst/>
@@ -4600,7 +5015,7 @@
       </p:grpSpPr>
       <p:sp>
         <p:nvSpPr>
-          <p:cNvPr id="177" name="Comments on K-means"/>
+          <p:cNvPr id="179" name="Comments on K-means"/>
           <p:cNvSpPr txBox="1"/>
           <p:nvPr>
             <p:ph type="title"/>
@@ -4624,7 +5039,7 @@
       </p:sp>
       <p:sp>
         <p:nvSpPr>
-          <p:cNvPr id="178" name="Imported from the clustering library…"/>
+          <p:cNvPr id="180" name="Imported from the clustering library…"/>
           <p:cNvSpPr txBox="1"/>
           <p:nvPr>
             <p:ph type="body" idx="1"/>
@@ -4712,7 +5127,7 @@
       </p:grpSpPr>
       <p:sp>
         <p:nvSpPr>
-          <p:cNvPr id="180" name="The anomaly detector"/>
+          <p:cNvPr id="184" name="The anomaly detector"/>
           <p:cNvSpPr txBox="1"/>
           <p:nvPr>
             <p:ph type="title"/>
@@ -4736,14 +5151,14 @@
       </p:sp>
       <p:sp>
         <p:nvSpPr>
-          <p:cNvPr id="181" name="// Detect anomalies…"/>
+          <p:cNvPr id="185" name="// Detect anomalies…"/>
           <p:cNvSpPr txBox="1"/>
           <p:nvPr/>
         </p:nvSpPr>
         <p:spPr>
           <a:xfrm>
             <a:off x="1705776" y="1389380"/>
-            <a:ext cx="5732448" cy="5273041"/>
+            <a:ext cx="6266109" cy="4962424"/>
           </a:xfrm>
           <a:prstGeom prst="rect">
             <a:avLst/>
@@ -4961,7 +5376,7 @@
       </p:grpSpPr>
       <p:sp>
         <p:nvSpPr>
-          <p:cNvPr id="183" name="Comments on the detector"/>
+          <p:cNvPr id="189" name="Comments on the detector"/>
           <p:cNvSpPr txBox="1"/>
           <p:nvPr>
             <p:ph type="title"/>
@@ -4985,7 +5400,7 @@
       </p:sp>
       <p:sp>
         <p:nvSpPr>
-          <p:cNvPr id="184" name="What is an anomaly? Here we define it as those data points that are in the “loosest” clusters (the clusters with the largest mean square distances)…"/>
+          <p:cNvPr id="190" name="What is an anomaly? Here we define it as those data points that are in the “loosest” clusters (the clusters with the largest mean square distances)…"/>
           <p:cNvSpPr txBox="1"/>
           <p:nvPr>
             <p:ph type="body" idx="1"/>
@@ -5051,7 +5466,7 @@
       </p:grpSpPr>
       <p:sp>
         <p:nvSpPr>
-          <p:cNvPr id="186" name="Result of running it on the RDD"/>
+          <p:cNvPr id="194" name="Result of running it on the RDD"/>
           <p:cNvSpPr txBox="1"/>
           <p:nvPr>
             <p:ph type="title"/>
@@ -5075,7 +5490,7 @@
       </p:sp>
       <p:pic>
         <p:nvPicPr>
-          <p:cNvPr id="187" name="Image" descr="Image"/>
+          <p:cNvPr id="195" name="Image" descr="Image"/>
           <p:cNvPicPr>
             <a:picLocks noChangeAspect="1"/>
           </p:cNvPicPr>
@@ -5130,7 +5545,7 @@
       </p:grpSpPr>
       <p:sp>
         <p:nvSpPr>
-          <p:cNvPr id="189" name="From the Zeppelin notebook:  println(anomalies.first())…"/>
+          <p:cNvPr id="197" name="From the Zeppelin notebook:  println(anomalies.first())…"/>
           <p:cNvSpPr txBox="1"/>
           <p:nvPr>
             <p:ph type="body" idx="1"/>
@@ -5167,7 +5582,7 @@
       </p:sp>
       <p:sp>
         <p:nvSpPr>
-          <p:cNvPr id="190" name="The most extreme data point"/>
+          <p:cNvPr id="198" name="The most extreme data point"/>
           <p:cNvSpPr txBox="1"/>
           <p:nvPr>
             <p:ph type="title"/>
@@ -5198,14 +5613,14 @@
       </p:sp>
       <p:pic>
         <p:nvPicPr>
-          <p:cNvPr id="191" name="Image" descr="Image"/>
+          <p:cNvPr id="199" name="Image" descr="Image"/>
           <p:cNvPicPr>
             <a:picLocks noChangeAspect="1"/>
           </p:cNvPicPr>
           <p:nvPr/>
         </p:nvPicPr>
         <p:blipFill>
-          <a:blip r:embed="rId2">
+          <a:blip r:embed="rId3">
             <a:extLst/>
           </a:blip>
           <a:stretch>
@@ -5283,12 +5698,7 @@
           <a:bodyPr/>
           <a:lstStyle>
             <a:lvl1pPr>
-              <a:defRPr sz="6000">
-                <a:latin typeface="BankGothic Lt BT"/>
-                <a:ea typeface="BankGothic Lt BT"/>
-                <a:cs typeface="BankGothic Lt BT"/>
-                <a:sym typeface="BankGothic Lt BT"/>
-              </a:defRPr>
+              <a:defRPr sz="6000"/>
             </a:lvl1pPr>
           </a:lstStyle>
           <a:p>
@@ -5327,7 +5737,7 @@
       </p:grpSpPr>
       <p:sp>
         <p:nvSpPr>
-          <p:cNvPr id="193" name="From the Zeppelin notebook:  println(anomalies.take(2).last)…"/>
+          <p:cNvPr id="203" name="From the Zeppelin notebook:  println(anomalies.take(2).last)…"/>
           <p:cNvSpPr txBox="1"/>
           <p:nvPr>
             <p:ph type="body" idx="1"/>
@@ -5342,34 +5752,28 @@
           <a:bodyPr/>
           <a:lstStyle/>
           <a:p>
-            <a:pPr marL="329184" indent="-329184" defTabSz="877823">
-              <a:defRPr sz="3072"/>
-            </a:pPr>
+            <a:pPr/>
             <a:r>
               <a:t>From the Zeppelin notebook:</a:t>
             </a:r>
             <a:br/>
             <a:r>
-              <a:rPr sz="2592"/>
+              <a:rPr sz="2700"/>
               <a:t> println(anomalies.take(2).last)</a:t>
             </a:r>
             <a:br>
-              <a:rPr sz="2592"/>
+              <a:rPr sz="2700"/>
             </a:br>
             <a:br/>
           </a:p>
           <a:p>
-            <a:pPr marL="329184" indent="-329184" defTabSz="877823">
-              <a:defRPr sz="3072"/>
-            </a:pPr>
+            <a:pPr/>
             <a:r>
               <a:t>This datapoint is again labeled as “normal” but it is again a strange item</a:t>
             </a:r>
           </a:p>
           <a:p>
-            <a:pPr marL="329184" indent="-329184" defTabSz="877823">
-              <a:defRPr sz="3072"/>
-            </a:pPr>
+            <a:pPr/>
             <a:r>
               <a:t>Studying the actual mechanisms behind the discovered anomalies is a task for network security professionals</a:t>
             </a:r>
@@ -5378,7 +5782,7 @@
       </p:sp>
       <p:sp>
         <p:nvSpPr>
-          <p:cNvPr id="194" name="The next extreme data point"/>
+          <p:cNvPr id="204" name="The next extreme data point"/>
           <p:cNvSpPr txBox="1"/>
           <p:nvPr>
             <p:ph type="title"/>
@@ -5409,14 +5813,14 @@
       </p:sp>
       <p:pic>
         <p:nvPicPr>
-          <p:cNvPr id="195" name="Image" descr="Image"/>
+          <p:cNvPr id="205" name="Image" descr="Image"/>
           <p:cNvPicPr>
             <a:picLocks noChangeAspect="1"/>
           </p:cNvPicPr>
           <p:nvPr/>
         </p:nvPicPr>
         <p:blipFill>
-          <a:blip r:embed="rId2">
+          <a:blip r:embed="rId3">
             <a:extLst/>
           </a:blip>
           <a:stretch>
@@ -5464,7 +5868,7 @@
       </p:grpSpPr>
       <p:sp>
         <p:nvSpPr>
-          <p:cNvPr id="197" name="Discussion"/>
+          <p:cNvPr id="209" name="Discussion"/>
           <p:cNvSpPr txBox="1"/>
           <p:nvPr>
             <p:ph type="title"/>
@@ -5488,7 +5892,7 @@
       </p:sp>
       <p:sp>
         <p:nvSpPr>
-          <p:cNvPr id="198" name="What could be an anomaly in sensor data? Consider examples: - Temperature time series in greenhouses - Pressure in a water distribution network - Loads in an electric power network…"/>
+          <p:cNvPr id="210" name="What could be an anomaly in sensor data? Consider examples: - Temperature time series in greenhouses - Pressure in a water distribution network - Loads in an electric power network…"/>
           <p:cNvSpPr txBox="1"/>
           <p:nvPr>
             <p:ph type="body" idx="1"/>
@@ -5562,7 +5966,7 @@
       </p:grpSpPr>
       <p:sp>
         <p:nvSpPr>
-          <p:cNvPr id="202" name="References"/>
+          <p:cNvPr id="214" name="References"/>
           <p:cNvSpPr txBox="1"/>
           <p:nvPr>
             <p:ph type="title"/>
@@ -5586,7 +5990,7 @@
       </p:sp>
       <p:sp>
         <p:nvSpPr>
-          <p:cNvPr id="203" name="Origin of the KDD challenge dataset http://www.kdd.org/explorations…"/>
+          <p:cNvPr id="215" name="Origin of the KDD challenge dataset http://www.kdd.org/explorations…"/>
           <p:cNvSpPr txBox="1"/>
           <p:nvPr>
             <p:ph type="body" idx="1"/>
@@ -5694,7 +6098,7 @@
       </p:grpSpPr>
       <p:sp>
         <p:nvSpPr>
-          <p:cNvPr id="205" name="Summary of the lecture"/>
+          <p:cNvPr id="217" name="Summary of the lecture"/>
           <p:cNvSpPr txBox="1"/>
           <p:nvPr>
             <p:ph type="title"/>
@@ -5718,7 +6122,7 @@
       </p:sp>
       <p:sp>
         <p:nvSpPr>
-          <p:cNvPr id="206" name="We have learned about another example of using the Spark framework with Scala and its Machine Learning library for Big Data analytics.…"/>
+          <p:cNvPr id="218" name="We have learned about another example of using the Spark framework with Scala and its Machine Learning library for Big Data analytics.…"/>
           <p:cNvSpPr txBox="1"/>
           <p:nvPr>
             <p:ph type="body" idx="1"/>
@@ -5737,20 +6141,22 @@
           <a:bodyPr/>
           <a:lstStyle/>
           <a:p>
-            <a:pPr marL="0" indent="0">
+            <a:pPr marL="0" indent="0" defTabSz="896111">
               <a:buSzTx/>
               <a:buFontTx/>
               <a:buNone/>
+              <a:defRPr sz="3136"/>
             </a:pPr>
             <a:r>
               <a:t>We have learned about another example of using the Spark framework with Scala and its Machine Learning library for Big Data analytics.</a:t>
             </a:r>
           </a:p>
           <a:p>
-            <a:pPr marL="0" indent="0">
+            <a:pPr marL="0" indent="0" defTabSz="896111">
               <a:buSzTx/>
               <a:buFontTx/>
               <a:buNone/>
+              <a:defRPr sz="3136"/>
             </a:pPr>
             <a:r>
               <a:t>The case study uses the K-Means clustering method to find the dominant groups of similar data in a network traffic dataset. After separating the data into clusters, those points that are farthest from the majority become candidates for anomaly analysis.</a:t>
@@ -5829,30 +6235,33 @@
           <a:bodyPr/>
           <a:lstStyle/>
           <a:p>
-            <a:pPr marL="0" indent="0">
+            <a:pPr marL="0" indent="0" defTabSz="877823">
               <a:buSzTx/>
               <a:buFontTx/>
               <a:buNone/>
+              <a:defRPr sz="3072"/>
             </a:pPr>
             <a:r>
               <a:t>An important use of AI techniques is to help in finding unexpected, surprising information hidden in the data.</a:t>
             </a:r>
           </a:p>
           <a:p>
-            <a:pPr marL="0" indent="0">
+            <a:pPr marL="0" indent="0" defTabSz="877823">
               <a:buSzTx/>
               <a:buFontTx/>
               <a:buNone/>
+              <a:defRPr sz="3072"/>
             </a:pPr>
             <a:r>
               <a:t>Here we will consider the application of a clustering method to extract anomalies from a BD dataset, in this case, from network traffic data.</a:t>
             </a:r>
           </a:p>
           <a:p>
-            <a:pPr marL="0" indent="0">
+            <a:pPr marL="0" indent="0" defTabSz="877823">
               <a:buSzTx/>
               <a:buFontTx/>
               <a:buNone/>
+              <a:defRPr sz="3072"/>
             </a:pPr>
             <a:r>
               <a:t>We will use Spark and Scala with its ML library (similar results could be found with Python too)</a:t>
@@ -5927,44 +6336,56 @@
           <a:bodyPr/>
           <a:lstStyle/>
           <a:p>
-            <a:pPr/>
+            <a:pPr marL="332613" indent="-332613" defTabSz="886968">
+              <a:defRPr sz="3104"/>
+            </a:pPr>
             <a:r>
               <a:t>Introduction: Background of IoT, Big Data, AI</a:t>
             </a:r>
           </a:p>
           <a:p>
-            <a:pPr/>
+            <a:pPr marL="332613" indent="-332613" defTabSz="886968">
+              <a:defRPr sz="3104"/>
+            </a:pPr>
             <a:r>
               <a:t>Collect, analyze data from IoT on a large scale</a:t>
             </a:r>
           </a:p>
           <a:p>
-            <a:pPr/>
+            <a:pPr marL="332613" indent="-332613" defTabSz="886968">
+              <a:defRPr sz="3104"/>
+            </a:pPr>
             <a:r>
               <a:t>Elements and practice of statistics</a:t>
             </a:r>
           </a:p>
           <a:p>
-            <a:pPr/>
+            <a:pPr marL="332613" indent="-332613" defTabSz="886968">
+              <a:defRPr sz="3104"/>
+            </a:pPr>
             <a:r>
               <a:t>AI methods for data science</a:t>
             </a:r>
           </a:p>
           <a:p>
-            <a:pPr/>
+            <a:pPr marL="332613" indent="-332613" defTabSz="886968">
+              <a:defRPr sz="3104"/>
+            </a:pPr>
+            <a:r>
+              <a:t>Getting further with AI: internal workings</a:t>
+            </a:r>
+          </a:p>
+          <a:p>
+            <a:pPr marL="332613" indent="-332613" defTabSz="886968">
+              <a:defRPr sz="3104"/>
+            </a:pPr>
             <a:r>
               <a:t>Practical usage of AI for Big Data from IoT</a:t>
             </a:r>
           </a:p>
           <a:p>
-            <a:pPr/>
-            <a:r>
-              <a:t>Getting further with AI: internal workings</a:t>
-            </a:r>
-          </a:p>
-          <a:p>
-            <a:pPr>
-              <a:defRPr b="1"/>
+            <a:pPr marL="332613" indent="-332613" defTabSz="886968">
+              <a:defRPr b="1" sz="3104"/>
             </a:pPr>
             <a:r>
               <a:t>Moving into the real world</a:t>
@@ -6149,31 +6570,41 @@
           <a:bodyPr/>
           <a:lstStyle/>
           <a:p>
-            <a:pPr/>
+            <a:pPr marL="332613" indent="-332613" defTabSz="886968">
+              <a:defRPr sz="3104"/>
+            </a:pPr>
             <a:r>
               <a:t>Annual data mining competition of ACM</a:t>
             </a:r>
           </a:p>
           <a:p>
-            <a:pPr/>
+            <a:pPr marL="332613" indent="-332613" defTabSz="886968">
+              <a:defRPr sz="3104"/>
+            </a:pPr>
             <a:r>
               <a:t>Data collected for 4.9 million connections</a:t>
             </a:r>
           </a:p>
           <a:p>
-            <a:pPr/>
+            <a:pPr marL="332613" indent="-332613" defTabSz="886968">
+              <a:defRPr sz="3104"/>
+            </a:pPr>
             <a:r>
               <a:t>Raw data preprocessed for “interesting” features: protocol (TCP/UDP/…), bytes sent, login attempts, etc.</a:t>
             </a:r>
           </a:p>
           <a:p>
-            <a:pPr/>
+            <a:pPr marL="332613" indent="-332613" defTabSz="886968">
+              <a:defRPr sz="3104"/>
+            </a:pPr>
             <a:r>
               <a:t>Many “categorical features”</a:t>
             </a:r>
           </a:p>
           <a:p>
-            <a:pPr/>
+            <a:pPr marL="332613" indent="-332613" defTabSz="886968">
+              <a:defRPr sz="3104"/>
+            </a:pPr>
             <a:r>
               <a:t>Labeled for “known attacks”, but we would like to see if we can find “</a:t>
             </a:r>
@@ -6342,7 +6773,7 @@
         <p:spPr>
           <a:xfrm>
             <a:off x="437221" y="1744979"/>
-            <a:ext cx="8269559" cy="4561841"/>
+            <a:ext cx="8859030" cy="4617863"/>
           </a:xfrm>
           <a:prstGeom prst="rect">
             <a:avLst/>
@@ -6500,7 +6931,7 @@
         <p:spPr>
           <a:xfrm>
             <a:off x="1200504" y="1681479"/>
-            <a:ext cx="6742992" cy="4917441"/>
+            <a:ext cx="6742992" cy="4656794"/>
           </a:xfrm>
           <a:prstGeom prst="rect">
             <a:avLst/>
@@ -6725,14 +7156,14 @@
     </a:clrScheme>
     <a:fontScheme name="Office Theme">
       <a:majorFont>
-        <a:latin typeface="Helvetica"/>
-        <a:ea typeface="Helvetica"/>
-        <a:cs typeface="Helvetica"/>
+        <a:latin typeface="Arial"/>
+        <a:ea typeface="Arial"/>
+        <a:cs typeface="Arial"/>
       </a:majorFont>
       <a:minorFont>
-        <a:latin typeface="Calibri"/>
-        <a:ea typeface="Calibri"/>
-        <a:cs typeface="Calibri"/>
+        <a:latin typeface="Arial"/>
+        <a:ea typeface="Arial"/>
+        <a:cs typeface="Arial"/>
       </a:minorFont>
     </a:fontScheme>
     <a:fmtScheme name="Office Theme">
@@ -6940,7 +7371,7 @@
             <a:latin typeface="+mn-lt"/>
             <a:ea typeface="+mn-ea"/>
             <a:cs typeface="+mn-cs"/>
-            <a:sym typeface="Calibri"/>
+            <a:sym typeface="Arial"/>
           </a:defRPr>
         </a:defPPr>
         <a:lvl1pPr marL="0" marR="0" indent="0" algn="l" defTabSz="914400" rtl="0" fontAlgn="auto" latinLnBrk="1" hangingPunct="0">
@@ -7517,7 +7948,7 @@
             <a:latin typeface="+mn-lt"/>
             <a:ea typeface="+mn-ea"/>
             <a:cs typeface="+mn-cs"/>
-            <a:sym typeface="Calibri"/>
+            <a:sym typeface="Arial"/>
           </a:defRPr>
         </a:defPPr>
         <a:lvl1pPr marL="0" marR="0" indent="0" algn="l" defTabSz="914400" rtl="0" fontAlgn="auto" latinLnBrk="1" hangingPunct="0">
@@ -7809,14 +8240,14 @@
     </a:clrScheme>
     <a:fontScheme name="Office Theme">
       <a:majorFont>
-        <a:latin typeface="Helvetica"/>
-        <a:ea typeface="Helvetica"/>
-        <a:cs typeface="Helvetica"/>
+        <a:latin typeface="Arial"/>
+        <a:ea typeface="Arial"/>
+        <a:cs typeface="Arial"/>
       </a:majorFont>
       <a:minorFont>
-        <a:latin typeface="Calibri"/>
-        <a:ea typeface="Calibri"/>
-        <a:cs typeface="Calibri"/>
+        <a:latin typeface="Arial"/>
+        <a:ea typeface="Arial"/>
+        <a:cs typeface="Arial"/>
       </a:minorFont>
     </a:fontScheme>
     <a:fmtScheme name="Office Theme">
@@ -8024,7 +8455,7 @@
             <a:latin typeface="+mn-lt"/>
             <a:ea typeface="+mn-ea"/>
             <a:cs typeface="+mn-cs"/>
-            <a:sym typeface="Calibri"/>
+            <a:sym typeface="Arial"/>
           </a:defRPr>
         </a:defPPr>
         <a:lvl1pPr marL="0" marR="0" indent="0" algn="l" defTabSz="914400" rtl="0" fontAlgn="auto" latinLnBrk="1" hangingPunct="0">
@@ -8601,7 +9032,7 @@
             <a:latin typeface="+mn-lt"/>
             <a:ea typeface="+mn-ea"/>
             <a:cs typeface="+mn-cs"/>
-            <a:sym typeface="Calibri"/>
+            <a:sym typeface="Arial"/>
           </a:defRPr>
         </a:defPPr>
         <a:lvl1pPr marL="0" marR="0" indent="0" algn="l" defTabSz="914400" rtl="0" fontAlgn="auto" latinLnBrk="1" hangingPunct="0">
